--- a/Processor_Sim_Project/Additional Files/Superscalar Processor Simulator Presentation.pptx
+++ b/Processor_Sim_Project/Additional Files/Superscalar Processor Simulator Presentation.pptx
@@ -110,7 +110,5793 @@
       </a:defRPr>
     </a:lvl9pPr>
   </p:defaultTextStyle>
+  <p:extLst>
+    <p:ext uri="{EFAFB233-063F-42B5-8137-9DF3F51BA10A}">
+      <p15:sldGuideLst xmlns:p15="http://schemas.microsoft.com/office/powerpoint/2012/main"/>
+    </p:ext>
+  </p:extLst>
 </p:presentation>
+</file>
+
+<file path=ppt/charts/chart1.xml><?xml version="1.0" encoding="utf-8"?>
+<c:chartSpace xmlns:c="http://schemas.openxmlformats.org/drawingml/2006/chart" xmlns:a="http://schemas.openxmlformats.org/drawingml/2006/main" xmlns:r="http://schemas.openxmlformats.org/officeDocument/2006/relationships" xmlns:c16r2="http://schemas.microsoft.com/office/drawing/2015/06/chart">
+  <c:date1904 val="0"/>
+  <c:lang val="en-US"/>
+  <c:roundedCorners val="0"/>
+  <mc:AlternateContent xmlns:mc="http://schemas.openxmlformats.org/markup-compatibility/2006">
+    <mc:Choice xmlns:c14="http://schemas.microsoft.com/office/drawing/2007/8/2/chart" Requires="c14">
+      <c14:style val="102"/>
+    </mc:Choice>
+    <mc:Fallback>
+      <c:style val="2"/>
+    </mc:Fallback>
+  </mc:AlternateContent>
+  <c:chart>
+    <c:title>
+      <c:tx>
+        <c:rich>
+          <a:bodyPr rot="0" spcFirstLastPara="1" vertOverflow="ellipsis" vert="horz" wrap="square" anchor="ctr" anchorCtr="1"/>
+          <a:lstStyle/>
+          <a:p>
+            <a:pPr>
+              <a:defRPr sz="1400" b="0" i="0" u="none" strike="noStrike" kern="1200" spc="0" baseline="0">
+                <a:solidFill>
+                  <a:schemeClr val="tx1">
+                    <a:lumMod val="65000"/>
+                    <a:lumOff val="35000"/>
+                  </a:schemeClr>
+                </a:solidFill>
+                <a:latin typeface="+mn-lt"/>
+                <a:ea typeface="+mn-ea"/>
+                <a:cs typeface="+mn-cs"/>
+              </a:defRPr>
+            </a:pPr>
+            <a:r>
+              <a:rPr lang="en-GB"/>
+              <a:t>IPC for</a:t>
+            </a:r>
+            <a:r>
+              <a:rPr lang="en-GB" baseline="0"/>
+              <a:t> Each Pipeline Count</a:t>
+            </a:r>
+            <a:endParaRPr lang="en-GB"/>
+          </a:p>
+        </c:rich>
+      </c:tx>
+      <c:overlay val="0"/>
+      <c:spPr>
+        <a:noFill/>
+        <a:ln>
+          <a:noFill/>
+        </a:ln>
+        <a:effectLst/>
+      </c:spPr>
+      <c:txPr>
+        <a:bodyPr rot="0" spcFirstLastPara="1" vertOverflow="ellipsis" vert="horz" wrap="square" anchor="ctr" anchorCtr="1"/>
+        <a:lstStyle/>
+        <a:p>
+          <a:pPr>
+            <a:defRPr sz="1400" b="0" i="0" u="none" strike="noStrike" kern="1200" spc="0" baseline="0">
+              <a:solidFill>
+                <a:schemeClr val="tx1">
+                  <a:lumMod val="65000"/>
+                  <a:lumOff val="35000"/>
+                </a:schemeClr>
+              </a:solidFill>
+              <a:latin typeface="+mn-lt"/>
+              <a:ea typeface="+mn-ea"/>
+              <a:cs typeface="+mn-cs"/>
+            </a:defRPr>
+          </a:pPr>
+          <a:endParaRPr lang="en-US"/>
+        </a:p>
+      </c:txPr>
+    </c:title>
+    <c:autoTitleDeleted val="0"/>
+    <c:plotArea>
+      <c:layout/>
+      <c:barChart>
+        <c:barDir val="col"/>
+        <c:grouping val="clustered"/>
+        <c:varyColors val="0"/>
+        <c:ser>
+          <c:idx val="0"/>
+          <c:order val="0"/>
+          <c:tx>
+            <c:strRef>
+              <c:f>Sheet1!$A$5:$B$5</c:f>
+              <c:strCache>
+                <c:ptCount val="2"/>
+                <c:pt idx="0">
+                  <c:v>Scalar</c:v>
+                </c:pt>
+                <c:pt idx="1">
+                  <c:v>IPC</c:v>
+                </c:pt>
+              </c:strCache>
+            </c:strRef>
+          </c:tx>
+          <c:spPr>
+            <a:solidFill>
+              <a:schemeClr val="accent1"/>
+            </a:solidFill>
+            <a:ln>
+              <a:noFill/>
+            </a:ln>
+            <a:effectLst/>
+          </c:spPr>
+          <c:invertIfNegative val="0"/>
+          <c:cat>
+            <c:strRef>
+              <c:f>Sheet1!$C$4:$H$4</c:f>
+              <c:strCache>
+                <c:ptCount val="6"/>
+                <c:pt idx="0">
+                  <c:v>Factorial</c:v>
+                </c:pt>
+                <c:pt idx="1">
+                  <c:v>Matrix Multiplication</c:v>
+                </c:pt>
+                <c:pt idx="2">
+                  <c:v>Matrix Multiplication (Unrolled)</c:v>
+                </c:pt>
+                <c:pt idx="3">
+                  <c:v>Vector Addition</c:v>
+                </c:pt>
+                <c:pt idx="4">
+                  <c:v>Quick Sort</c:v>
+                </c:pt>
+                <c:pt idx="5">
+                  <c:v>Game of Life</c:v>
+                </c:pt>
+              </c:strCache>
+            </c:strRef>
+          </c:cat>
+          <c:val>
+            <c:numRef>
+              <c:f>Sheet1!$C$5:$H$5</c:f>
+              <c:numCache>
+                <c:formatCode>General</c:formatCode>
+                <c:ptCount val="6"/>
+                <c:pt idx="0">
+                  <c:v>0.96</c:v>
+                </c:pt>
+                <c:pt idx="1">
+                  <c:v>0.99</c:v>
+                </c:pt>
+                <c:pt idx="2">
+                  <c:v>1</c:v>
+                </c:pt>
+                <c:pt idx="3">
+                  <c:v>0.97</c:v>
+                </c:pt>
+                <c:pt idx="4">
+                  <c:v>0.95</c:v>
+                </c:pt>
+                <c:pt idx="5">
+                  <c:v>0.97</c:v>
+                </c:pt>
+              </c:numCache>
+            </c:numRef>
+          </c:val>
+          <c:extLst>
+            <c:ext xmlns:c16="http://schemas.microsoft.com/office/drawing/2014/chart" uri="{C3380CC4-5D6E-409C-BE32-E72D297353CC}">
+              <c16:uniqueId val="{00000000-173B-438D-BA6E-CB0713F67937}"/>
+            </c:ext>
+          </c:extLst>
+        </c:ser>
+        <c:ser>
+          <c:idx val="1"/>
+          <c:order val="1"/>
+          <c:tx>
+            <c:strRef>
+              <c:f>Sheet1!$A$8:$B$8</c:f>
+              <c:strCache>
+                <c:ptCount val="2"/>
+                <c:pt idx="0">
+                  <c:v>2-Way</c:v>
+                </c:pt>
+                <c:pt idx="1">
+                  <c:v>IPC</c:v>
+                </c:pt>
+              </c:strCache>
+            </c:strRef>
+          </c:tx>
+          <c:spPr>
+            <a:solidFill>
+              <a:schemeClr val="accent2"/>
+            </a:solidFill>
+            <a:ln>
+              <a:noFill/>
+            </a:ln>
+            <a:effectLst/>
+          </c:spPr>
+          <c:invertIfNegative val="0"/>
+          <c:cat>
+            <c:strRef>
+              <c:f>Sheet1!$C$4:$H$4</c:f>
+              <c:strCache>
+                <c:ptCount val="6"/>
+                <c:pt idx="0">
+                  <c:v>Factorial</c:v>
+                </c:pt>
+                <c:pt idx="1">
+                  <c:v>Matrix Multiplication</c:v>
+                </c:pt>
+                <c:pt idx="2">
+                  <c:v>Matrix Multiplication (Unrolled)</c:v>
+                </c:pt>
+                <c:pt idx="3">
+                  <c:v>Vector Addition</c:v>
+                </c:pt>
+                <c:pt idx="4">
+                  <c:v>Quick Sort</c:v>
+                </c:pt>
+                <c:pt idx="5">
+                  <c:v>Game of Life</c:v>
+                </c:pt>
+              </c:strCache>
+            </c:strRef>
+          </c:cat>
+          <c:val>
+            <c:numRef>
+              <c:f>Sheet1!$C$8:$H$8</c:f>
+              <c:numCache>
+                <c:formatCode>General</c:formatCode>
+                <c:ptCount val="6"/>
+                <c:pt idx="0">
+                  <c:v>1.86</c:v>
+                </c:pt>
+                <c:pt idx="1">
+                  <c:v>1.93</c:v>
+                </c:pt>
+                <c:pt idx="2">
+                  <c:v>2</c:v>
+                </c:pt>
+                <c:pt idx="3">
+                  <c:v>1.88</c:v>
+                </c:pt>
+                <c:pt idx="4">
+                  <c:v>1.77</c:v>
+                </c:pt>
+                <c:pt idx="5">
+                  <c:v>1.84</c:v>
+                </c:pt>
+              </c:numCache>
+            </c:numRef>
+          </c:val>
+          <c:extLst>
+            <c:ext xmlns:c16="http://schemas.microsoft.com/office/drawing/2014/chart" uri="{C3380CC4-5D6E-409C-BE32-E72D297353CC}">
+              <c16:uniqueId val="{00000001-173B-438D-BA6E-CB0713F67937}"/>
+            </c:ext>
+          </c:extLst>
+        </c:ser>
+        <c:ser>
+          <c:idx val="2"/>
+          <c:order val="2"/>
+          <c:tx>
+            <c:strRef>
+              <c:f>Sheet1!$A$11:$B$11</c:f>
+              <c:strCache>
+                <c:ptCount val="2"/>
+                <c:pt idx="0">
+                  <c:v>4-Way</c:v>
+                </c:pt>
+                <c:pt idx="1">
+                  <c:v>IPC</c:v>
+                </c:pt>
+              </c:strCache>
+            </c:strRef>
+          </c:tx>
+          <c:spPr>
+            <a:solidFill>
+              <a:schemeClr val="accent3"/>
+            </a:solidFill>
+            <a:ln>
+              <a:noFill/>
+            </a:ln>
+            <a:effectLst/>
+          </c:spPr>
+          <c:invertIfNegative val="0"/>
+          <c:cat>
+            <c:strRef>
+              <c:f>Sheet1!$C$4:$H$4</c:f>
+              <c:strCache>
+                <c:ptCount val="6"/>
+                <c:pt idx="0">
+                  <c:v>Factorial</c:v>
+                </c:pt>
+                <c:pt idx="1">
+                  <c:v>Matrix Multiplication</c:v>
+                </c:pt>
+                <c:pt idx="2">
+                  <c:v>Matrix Multiplication (Unrolled)</c:v>
+                </c:pt>
+                <c:pt idx="3">
+                  <c:v>Vector Addition</c:v>
+                </c:pt>
+                <c:pt idx="4">
+                  <c:v>Quick Sort</c:v>
+                </c:pt>
+                <c:pt idx="5">
+                  <c:v>Game of Life</c:v>
+                </c:pt>
+              </c:strCache>
+            </c:strRef>
+          </c:cat>
+          <c:val>
+            <c:numRef>
+              <c:f>Sheet1!$C$11:$H$11</c:f>
+              <c:numCache>
+                <c:formatCode>General</c:formatCode>
+                <c:ptCount val="6"/>
+                <c:pt idx="0">
+                  <c:v>3.11</c:v>
+                </c:pt>
+                <c:pt idx="1">
+                  <c:v>3.68</c:v>
+                </c:pt>
+                <c:pt idx="2">
+                  <c:v>3.89</c:v>
+                </c:pt>
+                <c:pt idx="3">
+                  <c:v>2.14</c:v>
+                </c:pt>
+                <c:pt idx="4">
+                  <c:v>3.16</c:v>
+                </c:pt>
+                <c:pt idx="5">
+                  <c:v>3.33</c:v>
+                </c:pt>
+              </c:numCache>
+            </c:numRef>
+          </c:val>
+          <c:extLst>
+            <c:ext xmlns:c16="http://schemas.microsoft.com/office/drawing/2014/chart" uri="{C3380CC4-5D6E-409C-BE32-E72D297353CC}">
+              <c16:uniqueId val="{00000002-173B-438D-BA6E-CB0713F67937}"/>
+            </c:ext>
+          </c:extLst>
+        </c:ser>
+        <c:dLbls>
+          <c:showLegendKey val="0"/>
+          <c:showVal val="0"/>
+          <c:showCatName val="0"/>
+          <c:showSerName val="0"/>
+          <c:showPercent val="0"/>
+          <c:showBubbleSize val="0"/>
+        </c:dLbls>
+        <c:gapWidth val="219"/>
+        <c:overlap val="-27"/>
+        <c:axId val="588547488"/>
+        <c:axId val="588544536"/>
+      </c:barChart>
+      <c:catAx>
+        <c:axId val="588547488"/>
+        <c:scaling>
+          <c:orientation val="minMax"/>
+        </c:scaling>
+        <c:delete val="0"/>
+        <c:axPos val="b"/>
+        <c:title>
+          <c:tx>
+            <c:rich>
+              <a:bodyPr rot="0" spcFirstLastPara="1" vertOverflow="ellipsis" vert="horz" wrap="square" anchor="ctr" anchorCtr="1"/>
+              <a:lstStyle/>
+              <a:p>
+                <a:pPr>
+                  <a:defRPr sz="1000" b="0" i="0" u="none" strike="noStrike" kern="1200" baseline="0">
+                    <a:solidFill>
+                      <a:schemeClr val="tx1">
+                        <a:lumMod val="65000"/>
+                        <a:lumOff val="35000"/>
+                      </a:schemeClr>
+                    </a:solidFill>
+                    <a:latin typeface="+mn-lt"/>
+                    <a:ea typeface="+mn-ea"/>
+                    <a:cs typeface="+mn-cs"/>
+                  </a:defRPr>
+                </a:pPr>
+                <a:r>
+                  <a:rPr lang="en-GB" dirty="0"/>
+                  <a:t>Benchmark Program</a:t>
+                </a:r>
+              </a:p>
+            </c:rich>
+          </c:tx>
+          <c:overlay val="0"/>
+          <c:spPr>
+            <a:noFill/>
+            <a:ln>
+              <a:noFill/>
+            </a:ln>
+            <a:effectLst/>
+          </c:spPr>
+          <c:txPr>
+            <a:bodyPr rot="0" spcFirstLastPara="1" vertOverflow="ellipsis" vert="horz" wrap="square" anchor="ctr" anchorCtr="1"/>
+            <a:lstStyle/>
+            <a:p>
+              <a:pPr>
+                <a:defRPr sz="1000" b="0" i="0" u="none" strike="noStrike" kern="1200" baseline="0">
+                  <a:solidFill>
+                    <a:schemeClr val="tx1">
+                      <a:lumMod val="65000"/>
+                      <a:lumOff val="35000"/>
+                    </a:schemeClr>
+                  </a:solidFill>
+                  <a:latin typeface="+mn-lt"/>
+                  <a:ea typeface="+mn-ea"/>
+                  <a:cs typeface="+mn-cs"/>
+                </a:defRPr>
+              </a:pPr>
+              <a:endParaRPr lang="en-US"/>
+            </a:p>
+          </c:txPr>
+        </c:title>
+        <c:numFmt formatCode="General" sourceLinked="1"/>
+        <c:majorTickMark val="none"/>
+        <c:minorTickMark val="none"/>
+        <c:tickLblPos val="nextTo"/>
+        <c:spPr>
+          <a:noFill/>
+          <a:ln w="9525" cap="flat" cmpd="sng" algn="ctr">
+            <a:solidFill>
+              <a:schemeClr val="tx1">
+                <a:lumMod val="15000"/>
+                <a:lumOff val="85000"/>
+              </a:schemeClr>
+            </a:solidFill>
+            <a:round/>
+          </a:ln>
+          <a:effectLst/>
+        </c:spPr>
+        <c:txPr>
+          <a:bodyPr rot="-60000000" spcFirstLastPara="1" vertOverflow="ellipsis" vert="horz" wrap="square" anchor="ctr" anchorCtr="1"/>
+          <a:lstStyle/>
+          <a:p>
+            <a:pPr>
+              <a:defRPr sz="900" b="0" i="0" u="none" strike="noStrike" kern="1200" baseline="0">
+                <a:solidFill>
+                  <a:schemeClr val="tx1">
+                    <a:lumMod val="65000"/>
+                    <a:lumOff val="35000"/>
+                  </a:schemeClr>
+                </a:solidFill>
+                <a:latin typeface="+mn-lt"/>
+                <a:ea typeface="+mn-ea"/>
+                <a:cs typeface="+mn-cs"/>
+              </a:defRPr>
+            </a:pPr>
+            <a:endParaRPr lang="en-US"/>
+          </a:p>
+        </c:txPr>
+        <c:crossAx val="588544536"/>
+        <c:crosses val="autoZero"/>
+        <c:auto val="1"/>
+        <c:lblAlgn val="ctr"/>
+        <c:lblOffset val="100"/>
+        <c:noMultiLvlLbl val="0"/>
+      </c:catAx>
+      <c:valAx>
+        <c:axId val="588544536"/>
+        <c:scaling>
+          <c:orientation val="minMax"/>
+        </c:scaling>
+        <c:delete val="0"/>
+        <c:axPos val="l"/>
+        <c:majorGridlines>
+          <c:spPr>
+            <a:ln w="9525" cap="flat" cmpd="sng" algn="ctr">
+              <a:solidFill>
+                <a:schemeClr val="tx1">
+                  <a:lumMod val="15000"/>
+                  <a:lumOff val="85000"/>
+                </a:schemeClr>
+              </a:solidFill>
+              <a:round/>
+            </a:ln>
+            <a:effectLst/>
+          </c:spPr>
+        </c:majorGridlines>
+        <c:title>
+          <c:tx>
+            <c:rich>
+              <a:bodyPr rot="-5400000" spcFirstLastPara="1" vertOverflow="ellipsis" vert="horz" wrap="square" anchor="ctr" anchorCtr="1"/>
+              <a:lstStyle/>
+              <a:p>
+                <a:pPr>
+                  <a:defRPr sz="1000" b="0" i="0" u="none" strike="noStrike" kern="1200" baseline="0">
+                    <a:solidFill>
+                      <a:schemeClr val="tx1">
+                        <a:lumMod val="65000"/>
+                        <a:lumOff val="35000"/>
+                      </a:schemeClr>
+                    </a:solidFill>
+                    <a:latin typeface="+mn-lt"/>
+                    <a:ea typeface="+mn-ea"/>
+                    <a:cs typeface="+mn-cs"/>
+                  </a:defRPr>
+                </a:pPr>
+                <a:r>
+                  <a:rPr lang="en-GB"/>
+                  <a:t>Instructiond Per Cycle (IPC)</a:t>
+                </a:r>
+              </a:p>
+            </c:rich>
+          </c:tx>
+          <c:overlay val="0"/>
+          <c:spPr>
+            <a:noFill/>
+            <a:ln>
+              <a:noFill/>
+            </a:ln>
+            <a:effectLst/>
+          </c:spPr>
+          <c:txPr>
+            <a:bodyPr rot="-5400000" spcFirstLastPara="1" vertOverflow="ellipsis" vert="horz" wrap="square" anchor="ctr" anchorCtr="1"/>
+            <a:lstStyle/>
+            <a:p>
+              <a:pPr>
+                <a:defRPr sz="1000" b="0" i="0" u="none" strike="noStrike" kern="1200" baseline="0">
+                  <a:solidFill>
+                    <a:schemeClr val="tx1">
+                      <a:lumMod val="65000"/>
+                      <a:lumOff val="35000"/>
+                    </a:schemeClr>
+                  </a:solidFill>
+                  <a:latin typeface="+mn-lt"/>
+                  <a:ea typeface="+mn-ea"/>
+                  <a:cs typeface="+mn-cs"/>
+                </a:defRPr>
+              </a:pPr>
+              <a:endParaRPr lang="en-US"/>
+            </a:p>
+          </c:txPr>
+        </c:title>
+        <c:numFmt formatCode="General" sourceLinked="1"/>
+        <c:majorTickMark val="none"/>
+        <c:minorTickMark val="none"/>
+        <c:tickLblPos val="nextTo"/>
+        <c:spPr>
+          <a:noFill/>
+          <a:ln>
+            <a:noFill/>
+          </a:ln>
+          <a:effectLst/>
+        </c:spPr>
+        <c:txPr>
+          <a:bodyPr rot="-60000000" spcFirstLastPara="1" vertOverflow="ellipsis" vert="horz" wrap="square" anchor="ctr" anchorCtr="1"/>
+          <a:lstStyle/>
+          <a:p>
+            <a:pPr>
+              <a:defRPr sz="900" b="0" i="0" u="none" strike="noStrike" kern="1200" baseline="0">
+                <a:solidFill>
+                  <a:schemeClr val="tx1">
+                    <a:lumMod val="65000"/>
+                    <a:lumOff val="35000"/>
+                  </a:schemeClr>
+                </a:solidFill>
+                <a:latin typeface="+mn-lt"/>
+                <a:ea typeface="+mn-ea"/>
+                <a:cs typeface="+mn-cs"/>
+              </a:defRPr>
+            </a:pPr>
+            <a:endParaRPr lang="en-US"/>
+          </a:p>
+        </c:txPr>
+        <c:crossAx val="588547488"/>
+        <c:crosses val="autoZero"/>
+        <c:crossBetween val="between"/>
+      </c:valAx>
+      <c:spPr>
+        <a:noFill/>
+        <a:ln>
+          <a:noFill/>
+        </a:ln>
+        <a:effectLst/>
+      </c:spPr>
+    </c:plotArea>
+    <c:legend>
+      <c:legendPos val="b"/>
+      <c:overlay val="0"/>
+      <c:spPr>
+        <a:noFill/>
+        <a:ln>
+          <a:noFill/>
+        </a:ln>
+        <a:effectLst/>
+      </c:spPr>
+      <c:txPr>
+        <a:bodyPr rot="0" spcFirstLastPara="1" vertOverflow="ellipsis" vert="horz" wrap="square" anchor="ctr" anchorCtr="1"/>
+        <a:lstStyle/>
+        <a:p>
+          <a:pPr>
+            <a:defRPr sz="900" b="0" i="0" u="none" strike="noStrike" kern="1200" baseline="0">
+              <a:solidFill>
+                <a:schemeClr val="tx1">
+                  <a:lumMod val="65000"/>
+                  <a:lumOff val="35000"/>
+                </a:schemeClr>
+              </a:solidFill>
+              <a:latin typeface="+mn-lt"/>
+              <a:ea typeface="+mn-ea"/>
+              <a:cs typeface="+mn-cs"/>
+            </a:defRPr>
+          </a:pPr>
+          <a:endParaRPr lang="en-US"/>
+        </a:p>
+      </c:txPr>
+    </c:legend>
+    <c:plotVisOnly val="1"/>
+    <c:dispBlanksAs val="gap"/>
+    <c:showDLblsOverMax val="0"/>
+  </c:chart>
+  <c:spPr>
+    <a:noFill/>
+    <a:ln>
+      <a:noFill/>
+    </a:ln>
+    <a:effectLst/>
+  </c:spPr>
+  <c:txPr>
+    <a:bodyPr/>
+    <a:lstStyle/>
+    <a:p>
+      <a:pPr>
+        <a:defRPr/>
+      </a:pPr>
+      <a:endParaRPr lang="en-US"/>
+    </a:p>
+  </c:txPr>
+  <c:externalData r:id="rId3">
+    <c:autoUpdate val="0"/>
+  </c:externalData>
+</c:chartSpace>
+</file>
+
+<file path=ppt/charts/chart2.xml><?xml version="1.0" encoding="utf-8"?>
+<c:chartSpace xmlns:c="http://schemas.openxmlformats.org/drawingml/2006/chart" xmlns:a="http://schemas.openxmlformats.org/drawingml/2006/main" xmlns:r="http://schemas.openxmlformats.org/officeDocument/2006/relationships" xmlns:c16r2="http://schemas.microsoft.com/office/drawing/2015/06/chart">
+  <c:date1904 val="0"/>
+  <c:lang val="en-US"/>
+  <c:roundedCorners val="0"/>
+  <mc:AlternateContent xmlns:mc="http://schemas.openxmlformats.org/markup-compatibility/2006">
+    <mc:Choice xmlns:c14="http://schemas.microsoft.com/office/drawing/2007/8/2/chart" Requires="c14">
+      <c14:style val="102"/>
+    </mc:Choice>
+    <mc:Fallback>
+      <c:style val="2"/>
+    </mc:Fallback>
+  </mc:AlternateContent>
+  <c:chart>
+    <c:title>
+      <c:tx>
+        <c:rich>
+          <a:bodyPr rot="0" spcFirstLastPara="1" vertOverflow="ellipsis" vert="horz" wrap="square" anchor="ctr" anchorCtr="1"/>
+          <a:lstStyle/>
+          <a:p>
+            <a:pPr>
+              <a:defRPr sz="1400" b="0" i="0" u="none" strike="noStrike" kern="1200" spc="0" baseline="0">
+                <a:solidFill>
+                  <a:schemeClr val="tx1">
+                    <a:lumMod val="65000"/>
+                    <a:lumOff val="35000"/>
+                  </a:schemeClr>
+                </a:solidFill>
+                <a:latin typeface="+mn-lt"/>
+                <a:ea typeface="+mn-ea"/>
+                <a:cs typeface="+mn-cs"/>
+              </a:defRPr>
+            </a:pPr>
+            <a:r>
+              <a:rPr lang="en-GB"/>
+              <a:t>Cycles</a:t>
+            </a:r>
+            <a:r>
+              <a:rPr lang="en-GB" baseline="0"/>
+              <a:t> for Each Pipeline Count</a:t>
+            </a:r>
+            <a:endParaRPr lang="en-GB"/>
+          </a:p>
+        </c:rich>
+      </c:tx>
+      <c:overlay val="0"/>
+      <c:spPr>
+        <a:noFill/>
+        <a:ln>
+          <a:noFill/>
+        </a:ln>
+        <a:effectLst/>
+      </c:spPr>
+      <c:txPr>
+        <a:bodyPr rot="0" spcFirstLastPara="1" vertOverflow="ellipsis" vert="horz" wrap="square" anchor="ctr" anchorCtr="1"/>
+        <a:lstStyle/>
+        <a:p>
+          <a:pPr>
+            <a:defRPr sz="1400" b="0" i="0" u="none" strike="noStrike" kern="1200" spc="0" baseline="0">
+              <a:solidFill>
+                <a:schemeClr val="tx1">
+                  <a:lumMod val="65000"/>
+                  <a:lumOff val="35000"/>
+                </a:schemeClr>
+              </a:solidFill>
+              <a:latin typeface="+mn-lt"/>
+              <a:ea typeface="+mn-ea"/>
+              <a:cs typeface="+mn-cs"/>
+            </a:defRPr>
+          </a:pPr>
+          <a:endParaRPr lang="en-US"/>
+        </a:p>
+      </c:txPr>
+    </c:title>
+    <c:autoTitleDeleted val="0"/>
+    <c:plotArea>
+      <c:layout/>
+      <c:barChart>
+        <c:barDir val="col"/>
+        <c:grouping val="clustered"/>
+        <c:varyColors val="0"/>
+        <c:ser>
+          <c:idx val="0"/>
+          <c:order val="0"/>
+          <c:tx>
+            <c:v>Scalar Cycles</c:v>
+          </c:tx>
+          <c:spPr>
+            <a:solidFill>
+              <a:schemeClr val="accent1"/>
+            </a:solidFill>
+            <a:ln>
+              <a:noFill/>
+            </a:ln>
+            <a:effectLst/>
+          </c:spPr>
+          <c:invertIfNegative val="0"/>
+          <c:dLbls>
+            <c:dLbl>
+              <c:idx val="0"/>
+              <c:layout>
+                <c:manualLayout>
+                  <c:x val="-2.0600860596896335E-3"/>
+                  <c:y val="-5.1791116233130166E-2"/>
+                </c:manualLayout>
+              </c:layout>
+              <c:dLblPos val="outEnd"/>
+              <c:showLegendKey val="0"/>
+              <c:showVal val="1"/>
+              <c:showCatName val="0"/>
+              <c:showSerName val="0"/>
+              <c:showPercent val="0"/>
+              <c:showBubbleSize val="0"/>
+              <c:extLst>
+                <c:ext xmlns:c15="http://schemas.microsoft.com/office/drawing/2012/chart" uri="{CE6537A1-D6FC-4f65-9D91-7224C49458BB}"/>
+                <c:ext xmlns:c16="http://schemas.microsoft.com/office/drawing/2014/chart" uri="{C3380CC4-5D6E-409C-BE32-E72D297353CC}">
+                  <c16:uniqueId val="{00000013-75DD-465E-B703-35F6A0A8C465}"/>
+                </c:ext>
+              </c:extLst>
+            </c:dLbl>
+            <c:dLbl>
+              <c:idx val="1"/>
+              <c:layout>
+                <c:manualLayout>
+                  <c:x val="0"/>
+                  <c:y val="-3.1074669739878099E-2"/>
+                </c:manualLayout>
+              </c:layout>
+              <c:dLblPos val="outEnd"/>
+              <c:showLegendKey val="0"/>
+              <c:showVal val="1"/>
+              <c:showCatName val="0"/>
+              <c:showSerName val="0"/>
+              <c:showPercent val="0"/>
+              <c:showBubbleSize val="0"/>
+              <c:extLst>
+                <c:ext xmlns:c15="http://schemas.microsoft.com/office/drawing/2012/chart" uri="{CE6537A1-D6FC-4f65-9D91-7224C49458BB}"/>
+                <c:ext xmlns:c16="http://schemas.microsoft.com/office/drawing/2014/chart" uri="{C3380CC4-5D6E-409C-BE32-E72D297353CC}">
+                  <c16:uniqueId val="{00000010-75DD-465E-B703-35F6A0A8C465}"/>
+                </c:ext>
+              </c:extLst>
+            </c:dLbl>
+            <c:dLbl>
+              <c:idx val="2"/>
+              <c:layout>
+                <c:manualLayout>
+                  <c:x val="0"/>
+                  <c:y val="-2.7621928657669548E-2"/>
+                </c:manualLayout>
+              </c:layout>
+              <c:dLblPos val="outEnd"/>
+              <c:showLegendKey val="0"/>
+              <c:showVal val="1"/>
+              <c:showCatName val="0"/>
+              <c:showSerName val="0"/>
+              <c:showPercent val="0"/>
+              <c:showBubbleSize val="0"/>
+              <c:extLst>
+                <c:ext xmlns:c15="http://schemas.microsoft.com/office/drawing/2012/chart" uri="{CE6537A1-D6FC-4f65-9D91-7224C49458BB}"/>
+                <c:ext xmlns:c16="http://schemas.microsoft.com/office/drawing/2014/chart" uri="{C3380CC4-5D6E-409C-BE32-E72D297353CC}">
+                  <c16:uniqueId val="{0000000B-75DD-465E-B703-35F6A0A8C465}"/>
+                </c:ext>
+              </c:extLst>
+            </c:dLbl>
+            <c:dLbl>
+              <c:idx val="3"/>
+              <c:layout>
+                <c:manualLayout>
+                  <c:x val="2.0600860596896148E-3"/>
+                  <c:y val="-5.8696598397547518E-2"/>
+                </c:manualLayout>
+              </c:layout>
+              <c:dLblPos val="outEnd"/>
+              <c:showLegendKey val="0"/>
+              <c:showVal val="1"/>
+              <c:showCatName val="0"/>
+              <c:showSerName val="0"/>
+              <c:showPercent val="0"/>
+              <c:showBubbleSize val="0"/>
+              <c:extLst>
+                <c:ext xmlns:c15="http://schemas.microsoft.com/office/drawing/2012/chart" uri="{CE6537A1-D6FC-4f65-9D91-7224C49458BB}"/>
+                <c:ext xmlns:c16="http://schemas.microsoft.com/office/drawing/2014/chart" uri="{C3380CC4-5D6E-409C-BE32-E72D297353CC}">
+                  <c16:uniqueId val="{00000008-75DD-465E-B703-35F6A0A8C465}"/>
+                </c:ext>
+              </c:extLst>
+            </c:dLbl>
+            <c:dLbl>
+              <c:idx val="4"/>
+              <c:layout>
+                <c:manualLayout>
+                  <c:x val="7.5535616261401114E-17"/>
+                  <c:y val="-6.9054821644173713E-3"/>
+                </c:manualLayout>
+              </c:layout>
+              <c:dLblPos val="outEnd"/>
+              <c:showLegendKey val="0"/>
+              <c:showVal val="1"/>
+              <c:showCatName val="0"/>
+              <c:showSerName val="0"/>
+              <c:showPercent val="0"/>
+              <c:showBubbleSize val="0"/>
+              <c:extLst>
+                <c:ext xmlns:c15="http://schemas.microsoft.com/office/drawing/2012/chart" uri="{CE6537A1-D6FC-4f65-9D91-7224C49458BB}"/>
+                <c:ext xmlns:c16="http://schemas.microsoft.com/office/drawing/2014/chart" uri="{C3380CC4-5D6E-409C-BE32-E72D297353CC}">
+                  <c16:uniqueId val="{0000000C-75DD-465E-B703-35F6A0A8C465}"/>
+                </c:ext>
+              </c:extLst>
+            </c:dLbl>
+            <c:dLbl>
+              <c:idx val="5"/>
+              <c:layout>
+                <c:manualLayout>
+                  <c:x val="0"/>
+                  <c:y val="-6.9054821644173557E-3"/>
+                </c:manualLayout>
+              </c:layout>
+              <c:dLblPos val="outEnd"/>
+              <c:showLegendKey val="0"/>
+              <c:showVal val="1"/>
+              <c:showCatName val="0"/>
+              <c:showSerName val="0"/>
+              <c:showPercent val="0"/>
+              <c:showBubbleSize val="0"/>
+              <c:extLst>
+                <c:ext xmlns:c15="http://schemas.microsoft.com/office/drawing/2012/chart" uri="{CE6537A1-D6FC-4f65-9D91-7224C49458BB}"/>
+                <c:ext xmlns:c16="http://schemas.microsoft.com/office/drawing/2014/chart" uri="{C3380CC4-5D6E-409C-BE32-E72D297353CC}">
+                  <c16:uniqueId val="{0000000D-75DD-465E-B703-35F6A0A8C465}"/>
+                </c:ext>
+              </c:extLst>
+            </c:dLbl>
+            <c:spPr>
+              <a:noFill/>
+              <a:ln>
+                <a:noFill/>
+              </a:ln>
+              <a:effectLst/>
+            </c:spPr>
+            <c:txPr>
+              <a:bodyPr rot="0" spcFirstLastPara="1" vertOverflow="ellipsis" vert="horz" wrap="square" lIns="38100" tIns="19050" rIns="38100" bIns="19050" anchor="ctr" anchorCtr="1">
+                <a:spAutoFit/>
+              </a:bodyPr>
+              <a:lstStyle/>
+              <a:p>
+                <a:pPr>
+                  <a:defRPr sz="900" b="0" i="0" u="none" strike="noStrike" kern="1200" baseline="0">
+                    <a:solidFill>
+                      <a:schemeClr val="tx1">
+                        <a:lumMod val="75000"/>
+                        <a:lumOff val="25000"/>
+                      </a:schemeClr>
+                    </a:solidFill>
+                    <a:latin typeface="+mn-lt"/>
+                    <a:ea typeface="+mn-ea"/>
+                    <a:cs typeface="+mn-cs"/>
+                  </a:defRPr>
+                </a:pPr>
+                <a:endParaRPr lang="en-US"/>
+              </a:p>
+            </c:txPr>
+            <c:dLblPos val="outEnd"/>
+            <c:showLegendKey val="0"/>
+            <c:showVal val="1"/>
+            <c:showCatName val="0"/>
+            <c:showSerName val="0"/>
+            <c:showPercent val="0"/>
+            <c:showBubbleSize val="0"/>
+            <c:showLeaderLines val="0"/>
+            <c:extLst>
+              <c:ext xmlns:c15="http://schemas.microsoft.com/office/drawing/2012/chart" uri="{CE6537A1-D6FC-4f65-9D91-7224C49458BB}">
+                <c15:showLeaderLines val="1"/>
+                <c15:leaderLines>
+                  <c:spPr>
+                    <a:ln w="9525" cap="flat" cmpd="sng" algn="ctr">
+                      <a:solidFill>
+                        <a:schemeClr val="tx1">
+                          <a:lumMod val="35000"/>
+                          <a:lumOff val="65000"/>
+                        </a:schemeClr>
+                      </a:solidFill>
+                      <a:round/>
+                    </a:ln>
+                    <a:effectLst/>
+                  </c:spPr>
+                </c15:leaderLines>
+              </c:ext>
+            </c:extLst>
+          </c:dLbls>
+          <c:cat>
+            <c:strRef>
+              <c:f>Sheet1!$C$4:$H$4</c:f>
+              <c:strCache>
+                <c:ptCount val="6"/>
+                <c:pt idx="0">
+                  <c:v>Factorial</c:v>
+                </c:pt>
+                <c:pt idx="1">
+                  <c:v>Matrix Multiplication</c:v>
+                </c:pt>
+                <c:pt idx="2">
+                  <c:v>Matrix Multiplication (Unrolled)</c:v>
+                </c:pt>
+                <c:pt idx="3">
+                  <c:v>Vector Addition</c:v>
+                </c:pt>
+                <c:pt idx="4">
+                  <c:v>Quick Sort</c:v>
+                </c:pt>
+                <c:pt idx="5">
+                  <c:v>Game of Life</c:v>
+                </c:pt>
+              </c:strCache>
+            </c:strRef>
+          </c:cat>
+          <c:val>
+            <c:numRef>
+              <c:f>Sheet1!$C$6:$H$6</c:f>
+              <c:numCache>
+                <c:formatCode>General</c:formatCode>
+                <c:ptCount val="6"/>
+                <c:pt idx="0">
+                  <c:v>5712</c:v>
+                </c:pt>
+                <c:pt idx="1">
+                  <c:v>67456</c:v>
+                </c:pt>
+                <c:pt idx="2">
+                  <c:v>61656</c:v>
+                </c:pt>
+                <c:pt idx="3">
+                  <c:v>6648</c:v>
+                </c:pt>
+                <c:pt idx="4">
+                  <c:v>459193</c:v>
+                </c:pt>
+                <c:pt idx="5">
+                  <c:v>402273</c:v>
+                </c:pt>
+              </c:numCache>
+            </c:numRef>
+          </c:val>
+          <c:extLst>
+            <c:ext xmlns:c16="http://schemas.microsoft.com/office/drawing/2014/chart" uri="{C3380CC4-5D6E-409C-BE32-E72D297353CC}">
+              <c16:uniqueId val="{00000000-75DD-465E-B703-35F6A0A8C465}"/>
+            </c:ext>
+          </c:extLst>
+        </c:ser>
+        <c:ser>
+          <c:idx val="1"/>
+          <c:order val="1"/>
+          <c:tx>
+            <c:v>2-Way Cycles</c:v>
+          </c:tx>
+          <c:spPr>
+            <a:solidFill>
+              <a:schemeClr val="accent2"/>
+            </a:solidFill>
+            <a:ln>
+              <a:noFill/>
+            </a:ln>
+            <a:effectLst/>
+          </c:spPr>
+          <c:invertIfNegative val="0"/>
+          <c:dLbls>
+            <c:dLbl>
+              <c:idx val="0"/>
+              <c:layout>
+                <c:manualLayout>
+                  <c:x val="-3.7767808130700557E-17"/>
+                  <c:y val="-3.1074669739878227E-2"/>
+                </c:manualLayout>
+              </c:layout>
+              <c:dLblPos val="outEnd"/>
+              <c:showLegendKey val="0"/>
+              <c:showVal val="1"/>
+              <c:showCatName val="0"/>
+              <c:showSerName val="0"/>
+              <c:showPercent val="0"/>
+              <c:showBubbleSize val="0"/>
+              <c:extLst>
+                <c:ext xmlns:c15="http://schemas.microsoft.com/office/drawing/2012/chart" uri="{CE6537A1-D6FC-4f65-9D91-7224C49458BB}"/>
+                <c:ext xmlns:c16="http://schemas.microsoft.com/office/drawing/2014/chart" uri="{C3380CC4-5D6E-409C-BE32-E72D297353CC}">
+                  <c16:uniqueId val="{00000014-75DD-465E-B703-35F6A0A8C465}"/>
+                </c:ext>
+              </c:extLst>
+            </c:dLbl>
+            <c:dLbl>
+              <c:idx val="1"/>
+              <c:layout>
+                <c:manualLayout>
+                  <c:x val="0"/>
+                  <c:y val="-3.4527410822086907E-2"/>
+                </c:manualLayout>
+              </c:layout>
+              <c:dLblPos val="outEnd"/>
+              <c:showLegendKey val="0"/>
+              <c:showVal val="1"/>
+              <c:showCatName val="0"/>
+              <c:showSerName val="0"/>
+              <c:showPercent val="0"/>
+              <c:showBubbleSize val="0"/>
+              <c:extLst>
+                <c:ext xmlns:c15="http://schemas.microsoft.com/office/drawing/2012/chart" uri="{CE6537A1-D6FC-4f65-9D91-7224C49458BB}"/>
+                <c:ext xmlns:c16="http://schemas.microsoft.com/office/drawing/2014/chart" uri="{C3380CC4-5D6E-409C-BE32-E72D297353CC}">
+                  <c16:uniqueId val="{00000011-75DD-465E-B703-35F6A0A8C465}"/>
+                </c:ext>
+              </c:extLst>
+            </c:dLbl>
+            <c:dLbl>
+              <c:idx val="2"/>
+              <c:layout>
+                <c:manualLayout>
+                  <c:x val="0"/>
+                  <c:y val="-3.1074669739878099E-2"/>
+                </c:manualLayout>
+              </c:layout>
+              <c:dLblPos val="outEnd"/>
+              <c:showLegendKey val="0"/>
+              <c:showVal val="1"/>
+              <c:showCatName val="0"/>
+              <c:showSerName val="0"/>
+              <c:showPercent val="0"/>
+              <c:showBubbleSize val="0"/>
+              <c:extLst>
+                <c:ext xmlns:c15="http://schemas.microsoft.com/office/drawing/2012/chart" uri="{CE6537A1-D6FC-4f65-9D91-7224C49458BB}"/>
+                <c:ext xmlns:c16="http://schemas.microsoft.com/office/drawing/2014/chart" uri="{C3380CC4-5D6E-409C-BE32-E72D297353CC}">
+                  <c16:uniqueId val="{0000000E-75DD-465E-B703-35F6A0A8C465}"/>
+                </c:ext>
+              </c:extLst>
+            </c:dLbl>
+            <c:dLbl>
+              <c:idx val="3"/>
+              <c:layout>
+                <c:manualLayout>
+                  <c:x val="-7.5535616261401114E-17"/>
+                  <c:y val="-3.4527410822086775E-2"/>
+                </c:manualLayout>
+              </c:layout>
+              <c:dLblPos val="outEnd"/>
+              <c:showLegendKey val="0"/>
+              <c:showVal val="1"/>
+              <c:showCatName val="0"/>
+              <c:showSerName val="0"/>
+              <c:showPercent val="0"/>
+              <c:showBubbleSize val="0"/>
+              <c:extLst>
+                <c:ext xmlns:c15="http://schemas.microsoft.com/office/drawing/2012/chart" uri="{CE6537A1-D6FC-4f65-9D91-7224C49458BB}"/>
+                <c:ext xmlns:c16="http://schemas.microsoft.com/office/drawing/2014/chart" uri="{C3380CC4-5D6E-409C-BE32-E72D297353CC}">
+                  <c16:uniqueId val="{00000009-75DD-465E-B703-35F6A0A8C465}"/>
+                </c:ext>
+              </c:extLst>
+            </c:dLbl>
+            <c:dLbl>
+              <c:idx val="4"/>
+              <c:layout>
+                <c:manualLayout>
+                  <c:x val="2.0600860596896073E-2"/>
+                  <c:y val="-5.1791116233130166E-2"/>
+                </c:manualLayout>
+              </c:layout>
+              <c:dLblPos val="outEnd"/>
+              <c:showLegendKey val="0"/>
+              <c:showVal val="1"/>
+              <c:showCatName val="0"/>
+              <c:showSerName val="0"/>
+              <c:showPercent val="0"/>
+              <c:showBubbleSize val="0"/>
+              <c:extLst>
+                <c:ext xmlns:c15="http://schemas.microsoft.com/office/drawing/2012/chart" uri="{CE6537A1-D6FC-4f65-9D91-7224C49458BB}"/>
+                <c:ext xmlns:c16="http://schemas.microsoft.com/office/drawing/2014/chart" uri="{C3380CC4-5D6E-409C-BE32-E72D297353CC}">
+                  <c16:uniqueId val="{00000004-75DD-465E-B703-35F6A0A8C465}"/>
+                </c:ext>
+              </c:extLst>
+            </c:dLbl>
+            <c:dLbl>
+              <c:idx val="5"/>
+              <c:layout>
+                <c:manualLayout>
+                  <c:x val="1.6480688477516919E-2"/>
+                  <c:y val="-2.071644649325213E-2"/>
+                </c:manualLayout>
+              </c:layout>
+              <c:dLblPos val="outEnd"/>
+              <c:showLegendKey val="0"/>
+              <c:showVal val="1"/>
+              <c:showCatName val="0"/>
+              <c:showSerName val="0"/>
+              <c:showPercent val="0"/>
+              <c:showBubbleSize val="0"/>
+              <c:extLst>
+                <c:ext xmlns:c15="http://schemas.microsoft.com/office/drawing/2012/chart" uri="{CE6537A1-D6FC-4f65-9D91-7224C49458BB}"/>
+                <c:ext xmlns:c16="http://schemas.microsoft.com/office/drawing/2014/chart" uri="{C3380CC4-5D6E-409C-BE32-E72D297353CC}">
+                  <c16:uniqueId val="{00000006-75DD-465E-B703-35F6A0A8C465}"/>
+                </c:ext>
+              </c:extLst>
+            </c:dLbl>
+            <c:spPr>
+              <a:noFill/>
+              <a:ln>
+                <a:noFill/>
+              </a:ln>
+              <a:effectLst/>
+            </c:spPr>
+            <c:txPr>
+              <a:bodyPr rot="0" spcFirstLastPara="1" vertOverflow="ellipsis" vert="horz" wrap="square" lIns="38100" tIns="19050" rIns="38100" bIns="19050" anchor="ctr" anchorCtr="1">
+                <a:spAutoFit/>
+              </a:bodyPr>
+              <a:lstStyle/>
+              <a:p>
+                <a:pPr>
+                  <a:defRPr sz="900" b="0" i="0" u="none" strike="noStrike" kern="1200" baseline="0">
+                    <a:solidFill>
+                      <a:schemeClr val="tx1">
+                        <a:lumMod val="75000"/>
+                        <a:lumOff val="25000"/>
+                      </a:schemeClr>
+                    </a:solidFill>
+                    <a:latin typeface="+mn-lt"/>
+                    <a:ea typeface="+mn-ea"/>
+                    <a:cs typeface="+mn-cs"/>
+                  </a:defRPr>
+                </a:pPr>
+                <a:endParaRPr lang="en-US"/>
+              </a:p>
+            </c:txPr>
+            <c:dLblPos val="outEnd"/>
+            <c:showLegendKey val="0"/>
+            <c:showVal val="1"/>
+            <c:showCatName val="0"/>
+            <c:showSerName val="0"/>
+            <c:showPercent val="0"/>
+            <c:showBubbleSize val="0"/>
+            <c:showLeaderLines val="0"/>
+            <c:extLst>
+              <c:ext xmlns:c15="http://schemas.microsoft.com/office/drawing/2012/chart" uri="{CE6537A1-D6FC-4f65-9D91-7224C49458BB}">
+                <c15:showLeaderLines val="1"/>
+                <c15:leaderLines>
+                  <c:spPr>
+                    <a:ln w="9525" cap="flat" cmpd="sng" algn="ctr">
+                      <a:solidFill>
+                        <a:schemeClr val="tx1">
+                          <a:lumMod val="35000"/>
+                          <a:lumOff val="65000"/>
+                        </a:schemeClr>
+                      </a:solidFill>
+                      <a:round/>
+                    </a:ln>
+                    <a:effectLst/>
+                  </c:spPr>
+                </c15:leaderLines>
+              </c:ext>
+            </c:extLst>
+          </c:dLbls>
+          <c:cat>
+            <c:strRef>
+              <c:f>Sheet1!$C$4:$H$4</c:f>
+              <c:strCache>
+                <c:ptCount val="6"/>
+                <c:pt idx="0">
+                  <c:v>Factorial</c:v>
+                </c:pt>
+                <c:pt idx="1">
+                  <c:v>Matrix Multiplication</c:v>
+                </c:pt>
+                <c:pt idx="2">
+                  <c:v>Matrix Multiplication (Unrolled)</c:v>
+                </c:pt>
+                <c:pt idx="3">
+                  <c:v>Vector Addition</c:v>
+                </c:pt>
+                <c:pt idx="4">
+                  <c:v>Quick Sort</c:v>
+                </c:pt>
+                <c:pt idx="5">
+                  <c:v>Game of Life</c:v>
+                </c:pt>
+              </c:strCache>
+            </c:strRef>
+          </c:cat>
+          <c:val>
+            <c:numRef>
+              <c:f>Sheet1!$C$9:$H$9</c:f>
+              <c:numCache>
+                <c:formatCode>General</c:formatCode>
+                <c:ptCount val="6"/>
+                <c:pt idx="0">
+                  <c:v>3012</c:v>
+                </c:pt>
+                <c:pt idx="1">
+                  <c:v>34682</c:v>
+                </c:pt>
+                <c:pt idx="2">
+                  <c:v>30833</c:v>
+                </c:pt>
+                <c:pt idx="3">
+                  <c:v>3528</c:v>
+                </c:pt>
+                <c:pt idx="4">
+                  <c:v>250981</c:v>
+                </c:pt>
+                <c:pt idx="5">
+                  <c:v>212589</c:v>
+                </c:pt>
+              </c:numCache>
+            </c:numRef>
+          </c:val>
+          <c:extLst>
+            <c:ext xmlns:c16="http://schemas.microsoft.com/office/drawing/2014/chart" uri="{C3380CC4-5D6E-409C-BE32-E72D297353CC}">
+              <c16:uniqueId val="{00000001-75DD-465E-B703-35F6A0A8C465}"/>
+            </c:ext>
+          </c:extLst>
+        </c:ser>
+        <c:ser>
+          <c:idx val="2"/>
+          <c:order val="2"/>
+          <c:tx>
+            <c:v>4-Way Cycles</c:v>
+          </c:tx>
+          <c:spPr>
+            <a:solidFill>
+              <a:schemeClr val="accent3"/>
+            </a:solidFill>
+            <a:ln>
+              <a:noFill/>
+            </a:ln>
+            <a:effectLst/>
+          </c:spPr>
+          <c:invertIfNegative val="0"/>
+          <c:dLbls>
+            <c:dLbl>
+              <c:idx val="0"/>
+              <c:layout>
+                <c:manualLayout>
+                  <c:x val="4.1201721193792297E-3"/>
+                  <c:y val="-6.9054821644174823E-3"/>
+                </c:manualLayout>
+              </c:layout>
+              <c:dLblPos val="outEnd"/>
+              <c:showLegendKey val="0"/>
+              <c:showVal val="1"/>
+              <c:showCatName val="0"/>
+              <c:showSerName val="0"/>
+              <c:showPercent val="0"/>
+              <c:showBubbleSize val="0"/>
+              <c:extLst>
+                <c:ext xmlns:c15="http://schemas.microsoft.com/office/drawing/2012/chart" uri="{CE6537A1-D6FC-4f65-9D91-7224C49458BB}"/>
+                <c:ext xmlns:c16="http://schemas.microsoft.com/office/drawing/2014/chart" uri="{C3380CC4-5D6E-409C-BE32-E72D297353CC}">
+                  <c16:uniqueId val="{00000015-75DD-465E-B703-35F6A0A8C465}"/>
+                </c:ext>
+              </c:extLst>
+            </c:dLbl>
+            <c:dLbl>
+              <c:idx val="1"/>
+              <c:layout>
+                <c:manualLayout>
+                  <c:x val="0"/>
+                  <c:y val="-2.0716446493252067E-2"/>
+                </c:manualLayout>
+              </c:layout>
+              <c:dLblPos val="outEnd"/>
+              <c:showLegendKey val="0"/>
+              <c:showVal val="1"/>
+              <c:showCatName val="0"/>
+              <c:showSerName val="0"/>
+              <c:showPercent val="0"/>
+              <c:showBubbleSize val="0"/>
+              <c:extLst>
+                <c:ext xmlns:c15="http://schemas.microsoft.com/office/drawing/2012/chart" uri="{CE6537A1-D6FC-4f65-9D91-7224C49458BB}"/>
+                <c:ext xmlns:c16="http://schemas.microsoft.com/office/drawing/2014/chart" uri="{C3380CC4-5D6E-409C-BE32-E72D297353CC}">
+                  <c16:uniqueId val="{00000012-75DD-465E-B703-35F6A0A8C465}"/>
+                </c:ext>
+              </c:extLst>
+            </c:dLbl>
+            <c:dLbl>
+              <c:idx val="2"/>
+              <c:layout>
+                <c:manualLayout>
+                  <c:x val="0"/>
+                  <c:y val="-2.0716446493252192E-2"/>
+                </c:manualLayout>
+              </c:layout>
+              <c:dLblPos val="outEnd"/>
+              <c:showLegendKey val="0"/>
+              <c:showVal val="1"/>
+              <c:showCatName val="0"/>
+              <c:showSerName val="0"/>
+              <c:showPercent val="0"/>
+              <c:showBubbleSize val="0"/>
+              <c:extLst>
+                <c:ext xmlns:c15="http://schemas.microsoft.com/office/drawing/2012/chart" uri="{CE6537A1-D6FC-4f65-9D91-7224C49458BB}"/>
+                <c:ext xmlns:c16="http://schemas.microsoft.com/office/drawing/2014/chart" uri="{C3380CC4-5D6E-409C-BE32-E72D297353CC}">
+                  <c16:uniqueId val="{0000000F-75DD-465E-B703-35F6A0A8C465}"/>
+                </c:ext>
+              </c:extLst>
+            </c:dLbl>
+            <c:dLbl>
+              <c:idx val="3"/>
+              <c:layout>
+                <c:manualLayout>
+                  <c:x val="4.1201721193791542E-3"/>
+                  <c:y val="-1.035822324662616E-2"/>
+                </c:manualLayout>
+              </c:layout>
+              <c:dLblPos val="outEnd"/>
+              <c:showLegendKey val="0"/>
+              <c:showVal val="1"/>
+              <c:showCatName val="0"/>
+              <c:showSerName val="0"/>
+              <c:showPercent val="0"/>
+              <c:showBubbleSize val="0"/>
+              <c:extLst>
+                <c:ext xmlns:c15="http://schemas.microsoft.com/office/drawing/2012/chart" uri="{CE6537A1-D6FC-4f65-9D91-7224C49458BB}"/>
+                <c:ext xmlns:c16="http://schemas.microsoft.com/office/drawing/2014/chart" uri="{C3380CC4-5D6E-409C-BE32-E72D297353CC}">
+                  <c16:uniqueId val="{0000000A-75DD-465E-B703-35F6A0A8C465}"/>
+                </c:ext>
+              </c:extLst>
+            </c:dLbl>
+            <c:dLbl>
+              <c:idx val="4"/>
+              <c:layout>
+                <c:manualLayout>
+                  <c:x val="1.8540774537206609E-2"/>
+                  <c:y val="-1.3810964328834711E-2"/>
+                </c:manualLayout>
+              </c:layout>
+              <c:dLblPos val="outEnd"/>
+              <c:showLegendKey val="0"/>
+              <c:showVal val="1"/>
+              <c:showCatName val="0"/>
+              <c:showSerName val="0"/>
+              <c:showPercent val="0"/>
+              <c:showBubbleSize val="0"/>
+              <c:extLst>
+                <c:ext xmlns:c15="http://schemas.microsoft.com/office/drawing/2012/chart" uri="{CE6537A1-D6FC-4f65-9D91-7224C49458BB}"/>
+                <c:ext xmlns:c16="http://schemas.microsoft.com/office/drawing/2014/chart" uri="{C3380CC4-5D6E-409C-BE32-E72D297353CC}">
+                  <c16:uniqueId val="{00000005-75DD-465E-B703-35F6A0A8C465}"/>
+                </c:ext>
+              </c:extLst>
+            </c:dLbl>
+            <c:dLbl>
+              <c:idx val="5"/>
+              <c:layout>
+                <c:manualLayout>
+                  <c:x val="1.6480688477516919E-2"/>
+                  <c:y val="-1.3810964328834647E-2"/>
+                </c:manualLayout>
+              </c:layout>
+              <c:dLblPos val="outEnd"/>
+              <c:showLegendKey val="0"/>
+              <c:showVal val="1"/>
+              <c:showCatName val="0"/>
+              <c:showSerName val="0"/>
+              <c:showPercent val="0"/>
+              <c:showBubbleSize val="0"/>
+              <c:extLst>
+                <c:ext xmlns:c15="http://schemas.microsoft.com/office/drawing/2012/chart" uri="{CE6537A1-D6FC-4f65-9D91-7224C49458BB}"/>
+                <c:ext xmlns:c16="http://schemas.microsoft.com/office/drawing/2014/chart" uri="{C3380CC4-5D6E-409C-BE32-E72D297353CC}">
+                  <c16:uniqueId val="{00000007-75DD-465E-B703-35F6A0A8C465}"/>
+                </c:ext>
+              </c:extLst>
+            </c:dLbl>
+            <c:spPr>
+              <a:noFill/>
+              <a:ln>
+                <a:noFill/>
+              </a:ln>
+              <a:effectLst/>
+            </c:spPr>
+            <c:txPr>
+              <a:bodyPr rot="0" spcFirstLastPara="1" vertOverflow="ellipsis" vert="horz" wrap="square" lIns="38100" tIns="19050" rIns="38100" bIns="19050" anchor="ctr" anchorCtr="1">
+                <a:spAutoFit/>
+              </a:bodyPr>
+              <a:lstStyle/>
+              <a:p>
+                <a:pPr>
+                  <a:defRPr sz="900" b="0" i="0" u="none" strike="noStrike" kern="1200" baseline="0">
+                    <a:solidFill>
+                      <a:schemeClr val="tx1">
+                        <a:lumMod val="75000"/>
+                        <a:lumOff val="25000"/>
+                      </a:schemeClr>
+                    </a:solidFill>
+                    <a:latin typeface="+mn-lt"/>
+                    <a:ea typeface="+mn-ea"/>
+                    <a:cs typeface="+mn-cs"/>
+                  </a:defRPr>
+                </a:pPr>
+                <a:endParaRPr lang="en-US"/>
+              </a:p>
+            </c:txPr>
+            <c:dLblPos val="outEnd"/>
+            <c:showLegendKey val="0"/>
+            <c:showVal val="1"/>
+            <c:showCatName val="0"/>
+            <c:showSerName val="0"/>
+            <c:showPercent val="0"/>
+            <c:showBubbleSize val="0"/>
+            <c:showLeaderLines val="0"/>
+            <c:extLst>
+              <c:ext xmlns:c15="http://schemas.microsoft.com/office/drawing/2012/chart" uri="{CE6537A1-D6FC-4f65-9D91-7224C49458BB}">
+                <c15:showLeaderLines val="1"/>
+                <c15:leaderLines>
+                  <c:spPr>
+                    <a:ln w="9525" cap="flat" cmpd="sng" algn="ctr">
+                      <a:solidFill>
+                        <a:schemeClr val="tx1">
+                          <a:lumMod val="35000"/>
+                          <a:lumOff val="65000"/>
+                        </a:schemeClr>
+                      </a:solidFill>
+                      <a:round/>
+                    </a:ln>
+                    <a:effectLst/>
+                  </c:spPr>
+                </c15:leaderLines>
+              </c:ext>
+            </c:extLst>
+          </c:dLbls>
+          <c:cat>
+            <c:strRef>
+              <c:f>Sheet1!$C$4:$H$4</c:f>
+              <c:strCache>
+                <c:ptCount val="6"/>
+                <c:pt idx="0">
+                  <c:v>Factorial</c:v>
+                </c:pt>
+                <c:pt idx="1">
+                  <c:v>Matrix Multiplication</c:v>
+                </c:pt>
+                <c:pt idx="2">
+                  <c:v>Matrix Multiplication (Unrolled)</c:v>
+                </c:pt>
+                <c:pt idx="3">
+                  <c:v>Vector Addition</c:v>
+                </c:pt>
+                <c:pt idx="4">
+                  <c:v>Quick Sort</c:v>
+                </c:pt>
+                <c:pt idx="5">
+                  <c:v>Game of Life</c:v>
+                </c:pt>
+              </c:strCache>
+            </c:strRef>
+          </c:cat>
+          <c:val>
+            <c:numRef>
+              <c:f>Sheet1!$C$12:$H$12</c:f>
+              <c:numCache>
+                <c:formatCode>General</c:formatCode>
+                <c:ptCount val="6"/>
+                <c:pt idx="0">
+                  <c:v>1770</c:v>
+                </c:pt>
+                <c:pt idx="1">
+                  <c:v>18149</c:v>
+                </c:pt>
+                <c:pt idx="2">
+                  <c:v>15867</c:v>
+                </c:pt>
+                <c:pt idx="3">
+                  <c:v>3017</c:v>
+                </c:pt>
+                <c:pt idx="4">
+                  <c:v>143128</c:v>
+                </c:pt>
+                <c:pt idx="5">
+                  <c:v>121819</c:v>
+                </c:pt>
+              </c:numCache>
+            </c:numRef>
+          </c:val>
+          <c:extLst>
+            <c:ext xmlns:c16="http://schemas.microsoft.com/office/drawing/2014/chart" uri="{C3380CC4-5D6E-409C-BE32-E72D297353CC}">
+              <c16:uniqueId val="{00000002-75DD-465E-B703-35F6A0A8C465}"/>
+            </c:ext>
+          </c:extLst>
+        </c:ser>
+        <c:dLbls>
+          <c:dLblPos val="outEnd"/>
+          <c:showLegendKey val="0"/>
+          <c:showVal val="1"/>
+          <c:showCatName val="0"/>
+          <c:showSerName val="0"/>
+          <c:showPercent val="0"/>
+          <c:showBubbleSize val="0"/>
+        </c:dLbls>
+        <c:gapWidth val="150"/>
+        <c:axId val="587830728"/>
+        <c:axId val="587827448"/>
+      </c:barChart>
+      <c:catAx>
+        <c:axId val="587830728"/>
+        <c:scaling>
+          <c:orientation val="minMax"/>
+        </c:scaling>
+        <c:delete val="0"/>
+        <c:axPos val="b"/>
+        <c:title>
+          <c:tx>
+            <c:rich>
+              <a:bodyPr rot="0" spcFirstLastPara="1" vertOverflow="ellipsis" vert="horz" wrap="square" anchor="ctr" anchorCtr="1"/>
+              <a:lstStyle/>
+              <a:p>
+                <a:pPr>
+                  <a:defRPr sz="1000" b="0" i="0" u="none" strike="noStrike" kern="1200" baseline="0">
+                    <a:solidFill>
+                      <a:schemeClr val="tx1">
+                        <a:lumMod val="65000"/>
+                        <a:lumOff val="35000"/>
+                      </a:schemeClr>
+                    </a:solidFill>
+                    <a:latin typeface="+mn-lt"/>
+                    <a:ea typeface="+mn-ea"/>
+                    <a:cs typeface="+mn-cs"/>
+                  </a:defRPr>
+                </a:pPr>
+                <a:r>
+                  <a:rPr lang="en-GB"/>
+                  <a:t>Benchmark Program</a:t>
+                </a:r>
+              </a:p>
+            </c:rich>
+          </c:tx>
+          <c:overlay val="0"/>
+          <c:spPr>
+            <a:noFill/>
+            <a:ln>
+              <a:noFill/>
+            </a:ln>
+            <a:effectLst/>
+          </c:spPr>
+          <c:txPr>
+            <a:bodyPr rot="0" spcFirstLastPara="1" vertOverflow="ellipsis" vert="horz" wrap="square" anchor="ctr" anchorCtr="1"/>
+            <a:lstStyle/>
+            <a:p>
+              <a:pPr>
+                <a:defRPr sz="1000" b="0" i="0" u="none" strike="noStrike" kern="1200" baseline="0">
+                  <a:solidFill>
+                    <a:schemeClr val="tx1">
+                      <a:lumMod val="65000"/>
+                      <a:lumOff val="35000"/>
+                    </a:schemeClr>
+                  </a:solidFill>
+                  <a:latin typeface="+mn-lt"/>
+                  <a:ea typeface="+mn-ea"/>
+                  <a:cs typeface="+mn-cs"/>
+                </a:defRPr>
+              </a:pPr>
+              <a:endParaRPr lang="en-US"/>
+            </a:p>
+          </c:txPr>
+        </c:title>
+        <c:numFmt formatCode="General" sourceLinked="1"/>
+        <c:majorTickMark val="none"/>
+        <c:minorTickMark val="none"/>
+        <c:tickLblPos val="nextTo"/>
+        <c:spPr>
+          <a:noFill/>
+          <a:ln w="9525" cap="flat" cmpd="sng" algn="ctr">
+            <a:solidFill>
+              <a:schemeClr val="tx1">
+                <a:lumMod val="15000"/>
+                <a:lumOff val="85000"/>
+              </a:schemeClr>
+            </a:solidFill>
+            <a:round/>
+          </a:ln>
+          <a:effectLst/>
+        </c:spPr>
+        <c:txPr>
+          <a:bodyPr rot="-60000000" spcFirstLastPara="1" vertOverflow="ellipsis" vert="horz" wrap="square" anchor="ctr" anchorCtr="1"/>
+          <a:lstStyle/>
+          <a:p>
+            <a:pPr>
+              <a:defRPr sz="900" b="0" i="0" u="none" strike="noStrike" kern="1200" baseline="0">
+                <a:solidFill>
+                  <a:schemeClr val="tx1">
+                    <a:lumMod val="65000"/>
+                    <a:lumOff val="35000"/>
+                  </a:schemeClr>
+                </a:solidFill>
+                <a:latin typeface="+mn-lt"/>
+                <a:ea typeface="+mn-ea"/>
+                <a:cs typeface="+mn-cs"/>
+              </a:defRPr>
+            </a:pPr>
+            <a:endParaRPr lang="en-US"/>
+          </a:p>
+        </c:txPr>
+        <c:crossAx val="587827448"/>
+        <c:crosses val="autoZero"/>
+        <c:auto val="1"/>
+        <c:lblAlgn val="ctr"/>
+        <c:lblOffset val="100"/>
+        <c:noMultiLvlLbl val="0"/>
+      </c:catAx>
+      <c:valAx>
+        <c:axId val="587827448"/>
+        <c:scaling>
+          <c:orientation val="minMax"/>
+        </c:scaling>
+        <c:delete val="0"/>
+        <c:axPos val="l"/>
+        <c:majorGridlines>
+          <c:spPr>
+            <a:ln w="9525" cap="flat" cmpd="sng" algn="ctr">
+              <a:solidFill>
+                <a:schemeClr val="tx1">
+                  <a:lumMod val="15000"/>
+                  <a:lumOff val="85000"/>
+                </a:schemeClr>
+              </a:solidFill>
+              <a:round/>
+            </a:ln>
+            <a:effectLst/>
+          </c:spPr>
+        </c:majorGridlines>
+        <c:title>
+          <c:tx>
+            <c:rich>
+              <a:bodyPr rot="-5400000" spcFirstLastPara="1" vertOverflow="ellipsis" vert="horz" wrap="square" anchor="ctr" anchorCtr="1"/>
+              <a:lstStyle/>
+              <a:p>
+                <a:pPr>
+                  <a:defRPr sz="1000" b="0" i="0" u="none" strike="noStrike" kern="1200" baseline="0">
+                    <a:solidFill>
+                      <a:schemeClr val="tx1">
+                        <a:lumMod val="65000"/>
+                        <a:lumOff val="35000"/>
+                      </a:schemeClr>
+                    </a:solidFill>
+                    <a:latin typeface="+mn-lt"/>
+                    <a:ea typeface="+mn-ea"/>
+                    <a:cs typeface="+mn-cs"/>
+                  </a:defRPr>
+                </a:pPr>
+                <a:r>
+                  <a:rPr lang="en-GB"/>
+                  <a:t>Cycles</a:t>
+                </a:r>
+              </a:p>
+            </c:rich>
+          </c:tx>
+          <c:overlay val="0"/>
+          <c:spPr>
+            <a:noFill/>
+            <a:ln>
+              <a:noFill/>
+            </a:ln>
+            <a:effectLst/>
+          </c:spPr>
+          <c:txPr>
+            <a:bodyPr rot="-5400000" spcFirstLastPara="1" vertOverflow="ellipsis" vert="horz" wrap="square" anchor="ctr" anchorCtr="1"/>
+            <a:lstStyle/>
+            <a:p>
+              <a:pPr>
+                <a:defRPr sz="1000" b="0" i="0" u="none" strike="noStrike" kern="1200" baseline="0">
+                  <a:solidFill>
+                    <a:schemeClr val="tx1">
+                      <a:lumMod val="65000"/>
+                      <a:lumOff val="35000"/>
+                    </a:schemeClr>
+                  </a:solidFill>
+                  <a:latin typeface="+mn-lt"/>
+                  <a:ea typeface="+mn-ea"/>
+                  <a:cs typeface="+mn-cs"/>
+                </a:defRPr>
+              </a:pPr>
+              <a:endParaRPr lang="en-US"/>
+            </a:p>
+          </c:txPr>
+        </c:title>
+        <c:numFmt formatCode="General" sourceLinked="1"/>
+        <c:majorTickMark val="none"/>
+        <c:minorTickMark val="none"/>
+        <c:tickLblPos val="nextTo"/>
+        <c:spPr>
+          <a:noFill/>
+          <a:ln>
+            <a:noFill/>
+          </a:ln>
+          <a:effectLst/>
+        </c:spPr>
+        <c:txPr>
+          <a:bodyPr rot="-60000000" spcFirstLastPara="1" vertOverflow="ellipsis" vert="horz" wrap="square" anchor="ctr" anchorCtr="1"/>
+          <a:lstStyle/>
+          <a:p>
+            <a:pPr>
+              <a:defRPr sz="900" b="0" i="0" u="none" strike="noStrike" kern="1200" baseline="0">
+                <a:solidFill>
+                  <a:schemeClr val="tx1">
+                    <a:lumMod val="65000"/>
+                    <a:lumOff val="35000"/>
+                  </a:schemeClr>
+                </a:solidFill>
+                <a:latin typeface="+mn-lt"/>
+                <a:ea typeface="+mn-ea"/>
+                <a:cs typeface="+mn-cs"/>
+              </a:defRPr>
+            </a:pPr>
+            <a:endParaRPr lang="en-US"/>
+          </a:p>
+        </c:txPr>
+        <c:crossAx val="587830728"/>
+        <c:crosses val="autoZero"/>
+        <c:crossBetween val="between"/>
+      </c:valAx>
+      <c:spPr>
+        <a:noFill/>
+        <a:ln>
+          <a:noFill/>
+        </a:ln>
+        <a:effectLst/>
+      </c:spPr>
+    </c:plotArea>
+    <c:legend>
+      <c:legendPos val="r"/>
+      <c:overlay val="0"/>
+      <c:spPr>
+        <a:noFill/>
+        <a:ln>
+          <a:noFill/>
+        </a:ln>
+        <a:effectLst/>
+      </c:spPr>
+      <c:txPr>
+        <a:bodyPr rot="0" spcFirstLastPara="1" vertOverflow="ellipsis" vert="horz" wrap="square" anchor="ctr" anchorCtr="1"/>
+        <a:lstStyle/>
+        <a:p>
+          <a:pPr>
+            <a:defRPr sz="900" b="0" i="0" u="none" strike="noStrike" kern="1200" baseline="0">
+              <a:solidFill>
+                <a:schemeClr val="tx1">
+                  <a:lumMod val="65000"/>
+                  <a:lumOff val="35000"/>
+                </a:schemeClr>
+              </a:solidFill>
+              <a:latin typeface="+mn-lt"/>
+              <a:ea typeface="+mn-ea"/>
+              <a:cs typeface="+mn-cs"/>
+            </a:defRPr>
+          </a:pPr>
+          <a:endParaRPr lang="en-US"/>
+        </a:p>
+      </c:txPr>
+    </c:legend>
+    <c:plotVisOnly val="1"/>
+    <c:dispBlanksAs val="gap"/>
+    <c:extLst>
+      <c:ext xmlns:c16r3="http://schemas.microsoft.com/office/drawing/2017/03/chart" uri="{56B9EC1D-385E-4148-901F-78D8002777C0}">
+        <c16r3:dataDisplayOptions16>
+          <c16r3:dispNaAsBlank val="1"/>
+        </c16r3:dataDisplayOptions16>
+      </c:ext>
+    </c:extLst>
+    <c:showDLblsOverMax val="0"/>
+  </c:chart>
+  <c:spPr>
+    <a:noFill/>
+    <a:ln>
+      <a:noFill/>
+    </a:ln>
+    <a:effectLst/>
+  </c:spPr>
+  <c:txPr>
+    <a:bodyPr/>
+    <a:lstStyle/>
+    <a:p>
+      <a:pPr>
+        <a:defRPr/>
+      </a:pPr>
+      <a:endParaRPr lang="en-US"/>
+    </a:p>
+  </c:txPr>
+  <c:externalData r:id="rId3">
+    <c:autoUpdate val="0"/>
+  </c:externalData>
+</c:chartSpace>
+</file>
+
+<file path=ppt/charts/chart3.xml><?xml version="1.0" encoding="utf-8"?>
+<c:chartSpace xmlns:c="http://schemas.openxmlformats.org/drawingml/2006/chart" xmlns:a="http://schemas.openxmlformats.org/drawingml/2006/main" xmlns:r="http://schemas.openxmlformats.org/officeDocument/2006/relationships" xmlns:c16r2="http://schemas.microsoft.com/office/drawing/2015/06/chart">
+  <c:date1904 val="0"/>
+  <c:lang val="en-US"/>
+  <c:roundedCorners val="0"/>
+  <mc:AlternateContent xmlns:mc="http://schemas.openxmlformats.org/markup-compatibility/2006">
+    <mc:Choice xmlns:c14="http://schemas.microsoft.com/office/drawing/2007/8/2/chart" Requires="c14">
+      <c14:style val="102"/>
+    </mc:Choice>
+    <mc:Fallback>
+      <c:style val="2"/>
+    </mc:Fallback>
+  </mc:AlternateContent>
+  <c:chart>
+    <c:title>
+      <c:tx>
+        <c:rich>
+          <a:bodyPr rot="0" spcFirstLastPara="1" vertOverflow="ellipsis" vert="horz" wrap="square" anchor="ctr" anchorCtr="1"/>
+          <a:lstStyle/>
+          <a:p>
+            <a:pPr>
+              <a:defRPr sz="1400" b="0" i="0" u="none" strike="noStrike" kern="1200" spc="0" baseline="0">
+                <a:solidFill>
+                  <a:schemeClr val="tx1">
+                    <a:lumMod val="65000"/>
+                    <a:lumOff val="35000"/>
+                  </a:schemeClr>
+                </a:solidFill>
+                <a:latin typeface="+mn-lt"/>
+                <a:ea typeface="+mn-ea"/>
+                <a:cs typeface="+mn-cs"/>
+              </a:defRPr>
+            </a:pPr>
+            <a:r>
+              <a:rPr lang="en-GB"/>
+              <a:t>Flush Count</a:t>
+            </a:r>
+            <a:r>
+              <a:rPr lang="en-GB" baseline="0"/>
+              <a:t> for Each Branch Prediction Type</a:t>
+            </a:r>
+            <a:endParaRPr lang="en-GB"/>
+          </a:p>
+        </c:rich>
+      </c:tx>
+      <c:overlay val="0"/>
+      <c:spPr>
+        <a:noFill/>
+        <a:ln>
+          <a:noFill/>
+        </a:ln>
+        <a:effectLst/>
+      </c:spPr>
+      <c:txPr>
+        <a:bodyPr rot="0" spcFirstLastPara="1" vertOverflow="ellipsis" vert="horz" wrap="square" anchor="ctr" anchorCtr="1"/>
+        <a:lstStyle/>
+        <a:p>
+          <a:pPr>
+            <a:defRPr sz="1400" b="0" i="0" u="none" strike="noStrike" kern="1200" spc="0" baseline="0">
+              <a:solidFill>
+                <a:schemeClr val="tx1">
+                  <a:lumMod val="65000"/>
+                  <a:lumOff val="35000"/>
+                </a:schemeClr>
+              </a:solidFill>
+              <a:latin typeface="+mn-lt"/>
+              <a:ea typeface="+mn-ea"/>
+              <a:cs typeface="+mn-cs"/>
+            </a:defRPr>
+          </a:pPr>
+          <a:endParaRPr lang="en-US"/>
+        </a:p>
+      </c:txPr>
+    </c:title>
+    <c:autoTitleDeleted val="0"/>
+    <c:plotArea>
+      <c:layout/>
+      <c:barChart>
+        <c:barDir val="col"/>
+        <c:grouping val="clustered"/>
+        <c:varyColors val="0"/>
+        <c:ser>
+          <c:idx val="0"/>
+          <c:order val="0"/>
+          <c:tx>
+            <c:strRef>
+              <c:f>Sheet1!$A$23:$B$23</c:f>
+              <c:strCache>
+                <c:ptCount val="2"/>
+                <c:pt idx="0">
+                  <c:v>Fixed</c:v>
+                </c:pt>
+                <c:pt idx="1">
+                  <c:v>Flushes</c:v>
+                </c:pt>
+              </c:strCache>
+            </c:strRef>
+          </c:tx>
+          <c:spPr>
+            <a:solidFill>
+              <a:schemeClr val="accent1"/>
+            </a:solidFill>
+            <a:ln>
+              <a:noFill/>
+            </a:ln>
+            <a:effectLst/>
+          </c:spPr>
+          <c:invertIfNegative val="0"/>
+          <c:dLbls>
+            <c:spPr>
+              <a:noFill/>
+              <a:ln>
+                <a:noFill/>
+              </a:ln>
+              <a:effectLst/>
+            </c:spPr>
+            <c:txPr>
+              <a:bodyPr rot="0" spcFirstLastPara="1" vertOverflow="ellipsis" vert="horz" wrap="square" lIns="38100" tIns="19050" rIns="38100" bIns="19050" anchor="ctr" anchorCtr="1">
+                <a:spAutoFit/>
+              </a:bodyPr>
+              <a:lstStyle/>
+              <a:p>
+                <a:pPr>
+                  <a:defRPr sz="900" b="0" i="0" u="none" strike="noStrike" kern="1200" baseline="0">
+                    <a:solidFill>
+                      <a:schemeClr val="tx1">
+                        <a:lumMod val="75000"/>
+                        <a:lumOff val="25000"/>
+                      </a:schemeClr>
+                    </a:solidFill>
+                    <a:latin typeface="+mn-lt"/>
+                    <a:ea typeface="+mn-ea"/>
+                    <a:cs typeface="+mn-cs"/>
+                  </a:defRPr>
+                </a:pPr>
+                <a:endParaRPr lang="en-US"/>
+              </a:p>
+            </c:txPr>
+            <c:dLblPos val="outEnd"/>
+            <c:showLegendKey val="0"/>
+            <c:showVal val="1"/>
+            <c:showCatName val="0"/>
+            <c:showSerName val="0"/>
+            <c:showPercent val="0"/>
+            <c:showBubbleSize val="0"/>
+            <c:showLeaderLines val="0"/>
+            <c:extLst>
+              <c:ext xmlns:c15="http://schemas.microsoft.com/office/drawing/2012/chart" uri="{CE6537A1-D6FC-4f65-9D91-7224C49458BB}">
+                <c15:showLeaderLines val="1"/>
+                <c15:leaderLines>
+                  <c:spPr>
+                    <a:ln w="9525" cap="flat" cmpd="sng" algn="ctr">
+                      <a:solidFill>
+                        <a:schemeClr val="tx1">
+                          <a:lumMod val="35000"/>
+                          <a:lumOff val="65000"/>
+                        </a:schemeClr>
+                      </a:solidFill>
+                      <a:round/>
+                    </a:ln>
+                    <a:effectLst/>
+                  </c:spPr>
+                </c15:leaderLines>
+              </c:ext>
+            </c:extLst>
+          </c:dLbls>
+          <c:cat>
+            <c:strRef>
+              <c:f>Sheet1!$C$19:$H$19</c:f>
+              <c:strCache>
+                <c:ptCount val="6"/>
+                <c:pt idx="0">
+                  <c:v>Factorial</c:v>
+                </c:pt>
+                <c:pt idx="1">
+                  <c:v>Matrix Multiplication</c:v>
+                </c:pt>
+                <c:pt idx="2">
+                  <c:v>Matrix Multiplication (Unrolled)</c:v>
+                </c:pt>
+                <c:pt idx="3">
+                  <c:v>Vector Addition</c:v>
+                </c:pt>
+                <c:pt idx="4">
+                  <c:v>Quick Sort</c:v>
+                </c:pt>
+                <c:pt idx="5">
+                  <c:v>Game of Life</c:v>
+                </c:pt>
+              </c:strCache>
+            </c:strRef>
+          </c:cat>
+          <c:val>
+            <c:numRef>
+              <c:f>Sheet1!$C$23:$H$23</c:f>
+              <c:numCache>
+                <c:formatCode>General</c:formatCode>
+                <c:ptCount val="6"/>
+                <c:pt idx="0">
+                  <c:v>1201</c:v>
+                </c:pt>
+                <c:pt idx="1">
+                  <c:v>501</c:v>
+                </c:pt>
+                <c:pt idx="2">
+                  <c:v>1</c:v>
+                </c:pt>
+                <c:pt idx="3">
+                  <c:v>101</c:v>
+                </c:pt>
+                <c:pt idx="4">
+                  <c:v>11825</c:v>
+                </c:pt>
+                <c:pt idx="5">
+                  <c:v>124945</c:v>
+                </c:pt>
+              </c:numCache>
+            </c:numRef>
+          </c:val>
+          <c:extLst>
+            <c:ext xmlns:c16="http://schemas.microsoft.com/office/drawing/2014/chart" uri="{C3380CC4-5D6E-409C-BE32-E72D297353CC}">
+              <c16:uniqueId val="{00000000-1DE0-463F-B779-1B0C38E92797}"/>
+            </c:ext>
+          </c:extLst>
+        </c:ser>
+        <c:ser>
+          <c:idx val="1"/>
+          <c:order val="1"/>
+          <c:tx>
+            <c:strRef>
+              <c:f>Sheet1!$A$28:$B$28</c:f>
+              <c:strCache>
+                <c:ptCount val="2"/>
+                <c:pt idx="0">
+                  <c:v>Static</c:v>
+                </c:pt>
+                <c:pt idx="1">
+                  <c:v>Flushes</c:v>
+                </c:pt>
+              </c:strCache>
+            </c:strRef>
+          </c:tx>
+          <c:spPr>
+            <a:solidFill>
+              <a:schemeClr val="accent2"/>
+            </a:solidFill>
+            <a:ln>
+              <a:noFill/>
+            </a:ln>
+            <a:effectLst/>
+          </c:spPr>
+          <c:invertIfNegative val="0"/>
+          <c:dLbls>
+            <c:spPr>
+              <a:noFill/>
+              <a:ln>
+                <a:noFill/>
+              </a:ln>
+              <a:effectLst/>
+            </c:spPr>
+            <c:txPr>
+              <a:bodyPr rot="0" spcFirstLastPara="1" vertOverflow="ellipsis" vert="horz" wrap="square" lIns="38100" tIns="19050" rIns="38100" bIns="19050" anchor="ctr" anchorCtr="1">
+                <a:spAutoFit/>
+              </a:bodyPr>
+              <a:lstStyle/>
+              <a:p>
+                <a:pPr>
+                  <a:defRPr sz="900" b="0" i="0" u="none" strike="noStrike" kern="1200" baseline="0">
+                    <a:solidFill>
+                      <a:schemeClr val="tx1">
+                        <a:lumMod val="75000"/>
+                        <a:lumOff val="25000"/>
+                      </a:schemeClr>
+                    </a:solidFill>
+                    <a:latin typeface="+mn-lt"/>
+                    <a:ea typeface="+mn-ea"/>
+                    <a:cs typeface="+mn-cs"/>
+                  </a:defRPr>
+                </a:pPr>
+                <a:endParaRPr lang="en-US"/>
+              </a:p>
+            </c:txPr>
+            <c:dLblPos val="outEnd"/>
+            <c:showLegendKey val="0"/>
+            <c:showVal val="1"/>
+            <c:showCatName val="0"/>
+            <c:showSerName val="0"/>
+            <c:showPercent val="0"/>
+            <c:showBubbleSize val="0"/>
+            <c:showLeaderLines val="0"/>
+            <c:extLst>
+              <c:ext xmlns:c15="http://schemas.microsoft.com/office/drawing/2012/chart" uri="{CE6537A1-D6FC-4f65-9D91-7224C49458BB}">
+                <c15:showLeaderLines val="1"/>
+                <c15:leaderLines>
+                  <c:spPr>
+                    <a:ln w="9525" cap="flat" cmpd="sng" algn="ctr">
+                      <a:solidFill>
+                        <a:schemeClr val="tx1">
+                          <a:lumMod val="35000"/>
+                          <a:lumOff val="65000"/>
+                        </a:schemeClr>
+                      </a:solidFill>
+                      <a:round/>
+                    </a:ln>
+                    <a:effectLst/>
+                  </c:spPr>
+                </c15:leaderLines>
+              </c:ext>
+            </c:extLst>
+          </c:dLbls>
+          <c:cat>
+            <c:strRef>
+              <c:f>Sheet1!$C$19:$H$19</c:f>
+              <c:strCache>
+                <c:ptCount val="6"/>
+                <c:pt idx="0">
+                  <c:v>Factorial</c:v>
+                </c:pt>
+                <c:pt idx="1">
+                  <c:v>Matrix Multiplication</c:v>
+                </c:pt>
+                <c:pt idx="2">
+                  <c:v>Matrix Multiplication (Unrolled)</c:v>
+                </c:pt>
+                <c:pt idx="3">
+                  <c:v>Vector Addition</c:v>
+                </c:pt>
+                <c:pt idx="4">
+                  <c:v>Quick Sort</c:v>
+                </c:pt>
+                <c:pt idx="5">
+                  <c:v>Game of Life</c:v>
+                </c:pt>
+              </c:strCache>
+            </c:strRef>
+          </c:cat>
+          <c:val>
+            <c:numRef>
+              <c:f>Sheet1!$C$28:$H$28</c:f>
+              <c:numCache>
+                <c:formatCode>General</c:formatCode>
+                <c:ptCount val="6"/>
+                <c:pt idx="0">
+                  <c:v>102</c:v>
+                </c:pt>
+                <c:pt idx="1">
+                  <c:v>501</c:v>
+                </c:pt>
+                <c:pt idx="2">
+                  <c:v>1</c:v>
+                </c:pt>
+                <c:pt idx="3">
+                  <c:v>101</c:v>
+                </c:pt>
+                <c:pt idx="4">
+                  <c:v>57650</c:v>
+                </c:pt>
+                <c:pt idx="5">
+                  <c:v>17025</c:v>
+                </c:pt>
+              </c:numCache>
+            </c:numRef>
+          </c:val>
+          <c:extLst>
+            <c:ext xmlns:c16="http://schemas.microsoft.com/office/drawing/2014/chart" uri="{C3380CC4-5D6E-409C-BE32-E72D297353CC}">
+              <c16:uniqueId val="{00000001-1DE0-463F-B779-1B0C38E92797}"/>
+            </c:ext>
+          </c:extLst>
+        </c:ser>
+        <c:ser>
+          <c:idx val="2"/>
+          <c:order val="2"/>
+          <c:tx>
+            <c:strRef>
+              <c:f>Sheet1!$A$33:$B$33</c:f>
+              <c:strCache>
+                <c:ptCount val="2"/>
+                <c:pt idx="0">
+                  <c:v>1bitD</c:v>
+                </c:pt>
+                <c:pt idx="1">
+                  <c:v>Flushes</c:v>
+                </c:pt>
+              </c:strCache>
+            </c:strRef>
+          </c:tx>
+          <c:spPr>
+            <a:solidFill>
+              <a:schemeClr val="accent3"/>
+            </a:solidFill>
+            <a:ln>
+              <a:noFill/>
+            </a:ln>
+            <a:effectLst/>
+          </c:spPr>
+          <c:invertIfNegative val="0"/>
+          <c:dLbls>
+            <c:dLbl>
+              <c:idx val="4"/>
+              <c:layout>
+                <c:manualLayout>
+                  <c:x val="0"/>
+                  <c:y val="-3.7921109535834226E-2"/>
+                </c:manualLayout>
+              </c:layout>
+              <c:dLblPos val="outEnd"/>
+              <c:showLegendKey val="0"/>
+              <c:showVal val="1"/>
+              <c:showCatName val="0"/>
+              <c:showSerName val="0"/>
+              <c:showPercent val="0"/>
+              <c:showBubbleSize val="0"/>
+              <c:extLst>
+                <c:ext xmlns:c15="http://schemas.microsoft.com/office/drawing/2012/chart" uri="{CE6537A1-D6FC-4f65-9D91-7224C49458BB}"/>
+                <c:ext xmlns:c16="http://schemas.microsoft.com/office/drawing/2014/chart" uri="{C3380CC4-5D6E-409C-BE32-E72D297353CC}">
+                  <c16:uniqueId val="{00000005-1DE0-463F-B779-1B0C38E92797}"/>
+                </c:ext>
+              </c:extLst>
+            </c:dLbl>
+            <c:dLbl>
+              <c:idx val="5"/>
+              <c:layout>
+                <c:manualLayout>
+                  <c:x val="0"/>
+                  <c:y val="-1.185034672994814E-2"/>
+                </c:manualLayout>
+              </c:layout>
+              <c:dLblPos val="outEnd"/>
+              <c:showLegendKey val="0"/>
+              <c:showVal val="1"/>
+              <c:showCatName val="0"/>
+              <c:showSerName val="0"/>
+              <c:showPercent val="0"/>
+              <c:showBubbleSize val="0"/>
+              <c:extLst>
+                <c:ext xmlns:c15="http://schemas.microsoft.com/office/drawing/2012/chart" uri="{CE6537A1-D6FC-4f65-9D91-7224C49458BB}"/>
+                <c:ext xmlns:c16="http://schemas.microsoft.com/office/drawing/2014/chart" uri="{C3380CC4-5D6E-409C-BE32-E72D297353CC}">
+                  <c16:uniqueId val="{00000006-1DE0-463F-B779-1B0C38E92797}"/>
+                </c:ext>
+              </c:extLst>
+            </c:dLbl>
+            <c:spPr>
+              <a:noFill/>
+              <a:ln>
+                <a:noFill/>
+              </a:ln>
+              <a:effectLst/>
+            </c:spPr>
+            <c:txPr>
+              <a:bodyPr rot="0" spcFirstLastPara="1" vertOverflow="ellipsis" vert="horz" wrap="square" lIns="38100" tIns="19050" rIns="38100" bIns="19050" anchor="ctr" anchorCtr="1">
+                <a:spAutoFit/>
+              </a:bodyPr>
+              <a:lstStyle/>
+              <a:p>
+                <a:pPr>
+                  <a:defRPr sz="900" b="0" i="0" u="none" strike="noStrike" kern="1200" baseline="0">
+                    <a:solidFill>
+                      <a:schemeClr val="tx1">
+                        <a:lumMod val="75000"/>
+                        <a:lumOff val="25000"/>
+                      </a:schemeClr>
+                    </a:solidFill>
+                    <a:latin typeface="+mn-lt"/>
+                    <a:ea typeface="+mn-ea"/>
+                    <a:cs typeface="+mn-cs"/>
+                  </a:defRPr>
+                </a:pPr>
+                <a:endParaRPr lang="en-US"/>
+              </a:p>
+            </c:txPr>
+            <c:dLblPos val="outEnd"/>
+            <c:showLegendKey val="0"/>
+            <c:showVal val="1"/>
+            <c:showCatName val="0"/>
+            <c:showSerName val="0"/>
+            <c:showPercent val="0"/>
+            <c:showBubbleSize val="0"/>
+            <c:showLeaderLines val="0"/>
+            <c:extLst>
+              <c:ext xmlns:c15="http://schemas.microsoft.com/office/drawing/2012/chart" uri="{CE6537A1-D6FC-4f65-9D91-7224C49458BB}">
+                <c15:showLeaderLines val="1"/>
+                <c15:leaderLines>
+                  <c:spPr>
+                    <a:ln w="9525" cap="flat" cmpd="sng" algn="ctr">
+                      <a:solidFill>
+                        <a:schemeClr val="tx1">
+                          <a:lumMod val="35000"/>
+                          <a:lumOff val="65000"/>
+                        </a:schemeClr>
+                      </a:solidFill>
+                      <a:round/>
+                    </a:ln>
+                    <a:effectLst/>
+                  </c:spPr>
+                </c15:leaderLines>
+              </c:ext>
+            </c:extLst>
+          </c:dLbls>
+          <c:cat>
+            <c:strRef>
+              <c:f>Sheet1!$C$19:$H$19</c:f>
+              <c:strCache>
+                <c:ptCount val="6"/>
+                <c:pt idx="0">
+                  <c:v>Factorial</c:v>
+                </c:pt>
+                <c:pt idx="1">
+                  <c:v>Matrix Multiplication</c:v>
+                </c:pt>
+                <c:pt idx="2">
+                  <c:v>Matrix Multiplication (Unrolled)</c:v>
+                </c:pt>
+                <c:pt idx="3">
+                  <c:v>Vector Addition</c:v>
+                </c:pt>
+                <c:pt idx="4">
+                  <c:v>Quick Sort</c:v>
+                </c:pt>
+                <c:pt idx="5">
+                  <c:v>Game of Life</c:v>
+                </c:pt>
+              </c:strCache>
+            </c:strRef>
+          </c:cat>
+          <c:val>
+            <c:numRef>
+              <c:f>Sheet1!$C$33:$H$33</c:f>
+              <c:numCache>
+                <c:formatCode>General</c:formatCode>
+                <c:ptCount val="6"/>
+                <c:pt idx="0">
+                  <c:v>207</c:v>
+                </c:pt>
+                <c:pt idx="1">
+                  <c:v>999</c:v>
+                </c:pt>
+                <c:pt idx="2">
+                  <c:v>1</c:v>
+                </c:pt>
+                <c:pt idx="3">
+                  <c:v>200</c:v>
+                </c:pt>
+                <c:pt idx="4">
+                  <c:v>11406</c:v>
+                </c:pt>
+                <c:pt idx="5">
+                  <c:v>8064</c:v>
+                </c:pt>
+              </c:numCache>
+            </c:numRef>
+          </c:val>
+          <c:extLst>
+            <c:ext xmlns:c16="http://schemas.microsoft.com/office/drawing/2014/chart" uri="{C3380CC4-5D6E-409C-BE32-E72D297353CC}">
+              <c16:uniqueId val="{00000002-1DE0-463F-B779-1B0C38E92797}"/>
+            </c:ext>
+          </c:extLst>
+        </c:ser>
+        <c:ser>
+          <c:idx val="3"/>
+          <c:order val="3"/>
+          <c:tx>
+            <c:strRef>
+              <c:f>Sheet1!$A$38:$B$38</c:f>
+              <c:strCache>
+                <c:ptCount val="2"/>
+                <c:pt idx="0">
+                  <c:v>2bitD</c:v>
+                </c:pt>
+                <c:pt idx="1">
+                  <c:v>Flushes</c:v>
+                </c:pt>
+              </c:strCache>
+            </c:strRef>
+          </c:tx>
+          <c:spPr>
+            <a:solidFill>
+              <a:schemeClr val="accent4"/>
+            </a:solidFill>
+            <a:ln>
+              <a:noFill/>
+            </a:ln>
+            <a:effectLst/>
+          </c:spPr>
+          <c:invertIfNegative val="0"/>
+          <c:dLbls>
+            <c:spPr>
+              <a:noFill/>
+              <a:ln>
+                <a:noFill/>
+              </a:ln>
+              <a:effectLst/>
+            </c:spPr>
+            <c:txPr>
+              <a:bodyPr rot="0" spcFirstLastPara="1" vertOverflow="ellipsis" vert="horz" wrap="square" lIns="38100" tIns="19050" rIns="38100" bIns="19050" anchor="ctr" anchorCtr="1">
+                <a:spAutoFit/>
+              </a:bodyPr>
+              <a:lstStyle/>
+              <a:p>
+                <a:pPr>
+                  <a:defRPr sz="900" b="0" i="0" u="none" strike="noStrike" kern="1200" baseline="0">
+                    <a:solidFill>
+                      <a:schemeClr val="tx1">
+                        <a:lumMod val="75000"/>
+                        <a:lumOff val="25000"/>
+                      </a:schemeClr>
+                    </a:solidFill>
+                    <a:latin typeface="+mn-lt"/>
+                    <a:ea typeface="+mn-ea"/>
+                    <a:cs typeface="+mn-cs"/>
+                  </a:defRPr>
+                </a:pPr>
+                <a:endParaRPr lang="en-US"/>
+              </a:p>
+            </c:txPr>
+            <c:dLblPos val="outEnd"/>
+            <c:showLegendKey val="0"/>
+            <c:showVal val="1"/>
+            <c:showCatName val="0"/>
+            <c:showSerName val="0"/>
+            <c:showPercent val="0"/>
+            <c:showBubbleSize val="0"/>
+            <c:showLeaderLines val="0"/>
+            <c:extLst>
+              <c:ext xmlns:c15="http://schemas.microsoft.com/office/drawing/2012/chart" uri="{CE6537A1-D6FC-4f65-9D91-7224C49458BB}">
+                <c15:showLeaderLines val="1"/>
+                <c15:leaderLines>
+                  <c:spPr>
+                    <a:ln w="9525" cap="flat" cmpd="sng" algn="ctr">
+                      <a:solidFill>
+                        <a:schemeClr val="tx1">
+                          <a:lumMod val="35000"/>
+                          <a:lumOff val="65000"/>
+                        </a:schemeClr>
+                      </a:solidFill>
+                      <a:round/>
+                    </a:ln>
+                    <a:effectLst/>
+                  </c:spPr>
+                </c15:leaderLines>
+              </c:ext>
+            </c:extLst>
+          </c:dLbls>
+          <c:cat>
+            <c:strRef>
+              <c:f>Sheet1!$C$19:$H$19</c:f>
+              <c:strCache>
+                <c:ptCount val="6"/>
+                <c:pt idx="0">
+                  <c:v>Factorial</c:v>
+                </c:pt>
+                <c:pt idx="1">
+                  <c:v>Matrix Multiplication</c:v>
+                </c:pt>
+                <c:pt idx="2">
+                  <c:v>Matrix Multiplication (Unrolled)</c:v>
+                </c:pt>
+                <c:pt idx="3">
+                  <c:v>Vector Addition</c:v>
+                </c:pt>
+                <c:pt idx="4">
+                  <c:v>Quick Sort</c:v>
+                </c:pt>
+                <c:pt idx="5">
+                  <c:v>Game of Life</c:v>
+                </c:pt>
+              </c:strCache>
+            </c:strRef>
+          </c:cat>
+          <c:val>
+            <c:numRef>
+              <c:f>Sheet1!$C$38:$H$38</c:f>
+              <c:numCache>
+                <c:formatCode>General</c:formatCode>
+                <c:ptCount val="6"/>
+                <c:pt idx="0">
+                  <c:v>102</c:v>
+                </c:pt>
+                <c:pt idx="1">
+                  <c:v>501</c:v>
+                </c:pt>
+                <c:pt idx="2">
+                  <c:v>1</c:v>
+                </c:pt>
+                <c:pt idx="3">
+                  <c:v>101</c:v>
+                </c:pt>
+                <c:pt idx="4">
+                  <c:v>11516</c:v>
+                </c:pt>
+                <c:pt idx="5">
+                  <c:v>6895</c:v>
+                </c:pt>
+              </c:numCache>
+            </c:numRef>
+          </c:val>
+          <c:extLst>
+            <c:ext xmlns:c16="http://schemas.microsoft.com/office/drawing/2014/chart" uri="{C3380CC4-5D6E-409C-BE32-E72D297353CC}">
+              <c16:uniqueId val="{00000003-1DE0-463F-B779-1B0C38E92797}"/>
+            </c:ext>
+          </c:extLst>
+        </c:ser>
+        <c:dLbls>
+          <c:dLblPos val="outEnd"/>
+          <c:showLegendKey val="0"/>
+          <c:showVal val="1"/>
+          <c:showCatName val="0"/>
+          <c:showSerName val="0"/>
+          <c:showPercent val="0"/>
+          <c:showBubbleSize val="0"/>
+        </c:dLbls>
+        <c:gapWidth val="219"/>
+        <c:overlap val="-27"/>
+        <c:axId val="583384456"/>
+        <c:axId val="583384784"/>
+      </c:barChart>
+      <c:catAx>
+        <c:axId val="583384456"/>
+        <c:scaling>
+          <c:orientation val="minMax"/>
+        </c:scaling>
+        <c:delete val="0"/>
+        <c:axPos val="b"/>
+        <c:title>
+          <c:tx>
+            <c:rich>
+              <a:bodyPr rot="0" spcFirstLastPara="1" vertOverflow="ellipsis" vert="horz" wrap="square" anchor="ctr" anchorCtr="1"/>
+              <a:lstStyle/>
+              <a:p>
+                <a:pPr>
+                  <a:defRPr sz="1000" b="0" i="0" u="none" strike="noStrike" kern="1200" baseline="0">
+                    <a:solidFill>
+                      <a:schemeClr val="tx1">
+                        <a:lumMod val="65000"/>
+                        <a:lumOff val="35000"/>
+                      </a:schemeClr>
+                    </a:solidFill>
+                    <a:latin typeface="+mn-lt"/>
+                    <a:ea typeface="+mn-ea"/>
+                    <a:cs typeface="+mn-cs"/>
+                  </a:defRPr>
+                </a:pPr>
+                <a:r>
+                  <a:rPr lang="en-GB"/>
+                  <a:t>Benchmark Program</a:t>
+                </a:r>
+              </a:p>
+            </c:rich>
+          </c:tx>
+          <c:overlay val="0"/>
+          <c:spPr>
+            <a:noFill/>
+            <a:ln>
+              <a:noFill/>
+            </a:ln>
+            <a:effectLst/>
+          </c:spPr>
+          <c:txPr>
+            <a:bodyPr rot="0" spcFirstLastPara="1" vertOverflow="ellipsis" vert="horz" wrap="square" anchor="ctr" anchorCtr="1"/>
+            <a:lstStyle/>
+            <a:p>
+              <a:pPr>
+                <a:defRPr sz="1000" b="0" i="0" u="none" strike="noStrike" kern="1200" baseline="0">
+                  <a:solidFill>
+                    <a:schemeClr val="tx1">
+                      <a:lumMod val="65000"/>
+                      <a:lumOff val="35000"/>
+                    </a:schemeClr>
+                  </a:solidFill>
+                  <a:latin typeface="+mn-lt"/>
+                  <a:ea typeface="+mn-ea"/>
+                  <a:cs typeface="+mn-cs"/>
+                </a:defRPr>
+              </a:pPr>
+              <a:endParaRPr lang="en-US"/>
+            </a:p>
+          </c:txPr>
+        </c:title>
+        <c:numFmt formatCode="General" sourceLinked="1"/>
+        <c:majorTickMark val="none"/>
+        <c:minorTickMark val="none"/>
+        <c:tickLblPos val="nextTo"/>
+        <c:spPr>
+          <a:noFill/>
+          <a:ln w="9525" cap="flat" cmpd="sng" algn="ctr">
+            <a:solidFill>
+              <a:schemeClr val="tx1">
+                <a:lumMod val="15000"/>
+                <a:lumOff val="85000"/>
+              </a:schemeClr>
+            </a:solidFill>
+            <a:round/>
+          </a:ln>
+          <a:effectLst/>
+        </c:spPr>
+        <c:txPr>
+          <a:bodyPr rot="-60000000" spcFirstLastPara="1" vertOverflow="ellipsis" vert="horz" wrap="square" anchor="ctr" anchorCtr="1"/>
+          <a:lstStyle/>
+          <a:p>
+            <a:pPr>
+              <a:defRPr sz="900" b="0" i="0" u="none" strike="noStrike" kern="1200" baseline="0">
+                <a:solidFill>
+                  <a:schemeClr val="tx1">
+                    <a:lumMod val="65000"/>
+                    <a:lumOff val="35000"/>
+                  </a:schemeClr>
+                </a:solidFill>
+                <a:latin typeface="+mn-lt"/>
+                <a:ea typeface="+mn-ea"/>
+                <a:cs typeface="+mn-cs"/>
+              </a:defRPr>
+            </a:pPr>
+            <a:endParaRPr lang="en-US"/>
+          </a:p>
+        </c:txPr>
+        <c:crossAx val="583384784"/>
+        <c:crosses val="autoZero"/>
+        <c:auto val="1"/>
+        <c:lblAlgn val="ctr"/>
+        <c:lblOffset val="100"/>
+        <c:noMultiLvlLbl val="0"/>
+      </c:catAx>
+      <c:valAx>
+        <c:axId val="583384784"/>
+        <c:scaling>
+          <c:orientation val="minMax"/>
+        </c:scaling>
+        <c:delete val="0"/>
+        <c:axPos val="l"/>
+        <c:majorGridlines>
+          <c:spPr>
+            <a:ln w="9525" cap="flat" cmpd="sng" algn="ctr">
+              <a:solidFill>
+                <a:schemeClr val="tx1">
+                  <a:lumMod val="15000"/>
+                  <a:lumOff val="85000"/>
+                </a:schemeClr>
+              </a:solidFill>
+              <a:round/>
+            </a:ln>
+            <a:effectLst/>
+          </c:spPr>
+        </c:majorGridlines>
+        <c:title>
+          <c:tx>
+            <c:rich>
+              <a:bodyPr rot="-5400000" spcFirstLastPara="1" vertOverflow="ellipsis" vert="horz" wrap="square" anchor="ctr" anchorCtr="1"/>
+              <a:lstStyle/>
+              <a:p>
+                <a:pPr>
+                  <a:defRPr sz="1000" b="0" i="0" u="none" strike="noStrike" kern="1200" baseline="0">
+                    <a:solidFill>
+                      <a:schemeClr val="tx1">
+                        <a:lumMod val="65000"/>
+                        <a:lumOff val="35000"/>
+                      </a:schemeClr>
+                    </a:solidFill>
+                    <a:latin typeface="+mn-lt"/>
+                    <a:ea typeface="+mn-ea"/>
+                    <a:cs typeface="+mn-cs"/>
+                  </a:defRPr>
+                </a:pPr>
+                <a:r>
+                  <a:rPr lang="en-GB"/>
+                  <a:t>Flushes</a:t>
+                </a:r>
+              </a:p>
+            </c:rich>
+          </c:tx>
+          <c:overlay val="0"/>
+          <c:spPr>
+            <a:noFill/>
+            <a:ln>
+              <a:noFill/>
+            </a:ln>
+            <a:effectLst/>
+          </c:spPr>
+          <c:txPr>
+            <a:bodyPr rot="-5400000" spcFirstLastPara="1" vertOverflow="ellipsis" vert="horz" wrap="square" anchor="ctr" anchorCtr="1"/>
+            <a:lstStyle/>
+            <a:p>
+              <a:pPr>
+                <a:defRPr sz="1000" b="0" i="0" u="none" strike="noStrike" kern="1200" baseline="0">
+                  <a:solidFill>
+                    <a:schemeClr val="tx1">
+                      <a:lumMod val="65000"/>
+                      <a:lumOff val="35000"/>
+                    </a:schemeClr>
+                  </a:solidFill>
+                  <a:latin typeface="+mn-lt"/>
+                  <a:ea typeface="+mn-ea"/>
+                  <a:cs typeface="+mn-cs"/>
+                </a:defRPr>
+              </a:pPr>
+              <a:endParaRPr lang="en-US"/>
+            </a:p>
+          </c:txPr>
+        </c:title>
+        <c:numFmt formatCode="General" sourceLinked="1"/>
+        <c:majorTickMark val="none"/>
+        <c:minorTickMark val="none"/>
+        <c:tickLblPos val="nextTo"/>
+        <c:spPr>
+          <a:noFill/>
+          <a:ln>
+            <a:noFill/>
+          </a:ln>
+          <a:effectLst/>
+        </c:spPr>
+        <c:txPr>
+          <a:bodyPr rot="-60000000" spcFirstLastPara="1" vertOverflow="ellipsis" vert="horz" wrap="square" anchor="ctr" anchorCtr="1"/>
+          <a:lstStyle/>
+          <a:p>
+            <a:pPr>
+              <a:defRPr sz="900" b="0" i="0" u="none" strike="noStrike" kern="1200" baseline="0">
+                <a:solidFill>
+                  <a:schemeClr val="tx1">
+                    <a:lumMod val="65000"/>
+                    <a:lumOff val="35000"/>
+                  </a:schemeClr>
+                </a:solidFill>
+                <a:latin typeface="+mn-lt"/>
+                <a:ea typeface="+mn-ea"/>
+                <a:cs typeface="+mn-cs"/>
+              </a:defRPr>
+            </a:pPr>
+            <a:endParaRPr lang="en-US"/>
+          </a:p>
+        </c:txPr>
+        <c:crossAx val="583384456"/>
+        <c:crosses val="autoZero"/>
+        <c:crossBetween val="between"/>
+      </c:valAx>
+      <c:spPr>
+        <a:noFill/>
+        <a:ln>
+          <a:noFill/>
+        </a:ln>
+        <a:effectLst/>
+      </c:spPr>
+    </c:plotArea>
+    <c:plotVisOnly val="1"/>
+    <c:dispBlanksAs val="gap"/>
+    <c:extLst>
+      <c:ext xmlns:c16r3="http://schemas.microsoft.com/office/drawing/2017/03/chart" uri="{56B9EC1D-385E-4148-901F-78D8002777C0}">
+        <c16r3:dataDisplayOptions16>
+          <c16r3:dispNaAsBlank val="1"/>
+        </c16r3:dataDisplayOptions16>
+      </c:ext>
+    </c:extLst>
+    <c:showDLblsOverMax val="0"/>
+  </c:chart>
+  <c:spPr>
+    <a:noFill/>
+    <a:ln>
+      <a:noFill/>
+    </a:ln>
+    <a:effectLst/>
+  </c:spPr>
+  <c:txPr>
+    <a:bodyPr/>
+    <a:lstStyle/>
+    <a:p>
+      <a:pPr>
+        <a:defRPr/>
+      </a:pPr>
+      <a:endParaRPr lang="en-US"/>
+    </a:p>
+  </c:txPr>
+  <c:externalData r:id="rId3">
+    <c:autoUpdate val="0"/>
+  </c:externalData>
+</c:chartSpace>
+</file>
+
+<file path=ppt/charts/chart4.xml><?xml version="1.0" encoding="utf-8"?>
+<c:chartSpace xmlns:c="http://schemas.openxmlformats.org/drawingml/2006/chart" xmlns:a="http://schemas.openxmlformats.org/drawingml/2006/main" xmlns:r="http://schemas.openxmlformats.org/officeDocument/2006/relationships" xmlns:c16r2="http://schemas.microsoft.com/office/drawing/2015/06/chart">
+  <c:date1904 val="0"/>
+  <c:lang val="en-US"/>
+  <c:roundedCorners val="0"/>
+  <mc:AlternateContent xmlns:mc="http://schemas.openxmlformats.org/markup-compatibility/2006">
+    <mc:Choice xmlns:c14="http://schemas.microsoft.com/office/drawing/2007/8/2/chart" Requires="c14">
+      <c14:style val="102"/>
+    </mc:Choice>
+    <mc:Fallback>
+      <c:style val="2"/>
+    </mc:Fallback>
+  </mc:AlternateContent>
+  <c:chart>
+    <c:title>
+      <c:tx>
+        <c:rich>
+          <a:bodyPr rot="0" spcFirstLastPara="1" vertOverflow="ellipsis" vert="horz" wrap="square" anchor="ctr" anchorCtr="1"/>
+          <a:lstStyle/>
+          <a:p>
+            <a:pPr>
+              <a:defRPr sz="1400" b="0" i="0" u="none" strike="noStrike" kern="1200" spc="0" baseline="0">
+                <a:solidFill>
+                  <a:schemeClr val="tx1">
+                    <a:lumMod val="65000"/>
+                    <a:lumOff val="35000"/>
+                  </a:schemeClr>
+                </a:solidFill>
+                <a:latin typeface="+mn-lt"/>
+                <a:ea typeface="+mn-ea"/>
+                <a:cs typeface="+mn-cs"/>
+              </a:defRPr>
+            </a:pPr>
+            <a:r>
+              <a:rPr lang="en-GB"/>
+              <a:t>IPC </a:t>
+            </a:r>
+            <a:r>
+              <a:rPr lang="en-GB" baseline="0"/>
+              <a:t>for Different ROB sizes</a:t>
+            </a:r>
+            <a:endParaRPr lang="en-GB"/>
+          </a:p>
+        </c:rich>
+      </c:tx>
+      <c:overlay val="0"/>
+      <c:spPr>
+        <a:noFill/>
+        <a:ln>
+          <a:noFill/>
+        </a:ln>
+        <a:effectLst/>
+      </c:spPr>
+      <c:txPr>
+        <a:bodyPr rot="0" spcFirstLastPara="1" vertOverflow="ellipsis" vert="horz" wrap="square" anchor="ctr" anchorCtr="1"/>
+        <a:lstStyle/>
+        <a:p>
+          <a:pPr>
+            <a:defRPr sz="1400" b="0" i="0" u="none" strike="noStrike" kern="1200" spc="0" baseline="0">
+              <a:solidFill>
+                <a:schemeClr val="tx1">
+                  <a:lumMod val="65000"/>
+                  <a:lumOff val="35000"/>
+                </a:schemeClr>
+              </a:solidFill>
+              <a:latin typeface="+mn-lt"/>
+              <a:ea typeface="+mn-ea"/>
+              <a:cs typeface="+mn-cs"/>
+            </a:defRPr>
+          </a:pPr>
+          <a:endParaRPr lang="en-US"/>
+        </a:p>
+      </c:txPr>
+    </c:title>
+    <c:autoTitleDeleted val="0"/>
+    <c:plotArea>
+      <c:layout/>
+      <c:lineChart>
+        <c:grouping val="standard"/>
+        <c:varyColors val="0"/>
+        <c:ser>
+          <c:idx val="0"/>
+          <c:order val="0"/>
+          <c:tx>
+            <c:strRef>
+              <c:f>Sheet1!$C$43</c:f>
+              <c:strCache>
+                <c:ptCount val="1"/>
+                <c:pt idx="0">
+                  <c:v>Factorial</c:v>
+                </c:pt>
+              </c:strCache>
+            </c:strRef>
+          </c:tx>
+          <c:spPr>
+            <a:ln w="28575" cap="rnd">
+              <a:solidFill>
+                <a:schemeClr val="accent1"/>
+              </a:solidFill>
+              <a:round/>
+            </a:ln>
+            <a:effectLst/>
+          </c:spPr>
+          <c:marker>
+            <c:symbol val="none"/>
+          </c:marker>
+          <c:cat>
+            <c:numRef>
+              <c:f>(Sheet1!$A$44,Sheet1!$A$48,Sheet1!$A$52,Sheet1!$A$56,Sheet1!$A$60,Sheet1!$A$64,Sheet1!$A$68)</c:f>
+              <c:numCache>
+                <c:formatCode>General</c:formatCode>
+                <c:ptCount val="7"/>
+                <c:pt idx="0">
+                  <c:v>8</c:v>
+                </c:pt>
+                <c:pt idx="1">
+                  <c:v>16</c:v>
+                </c:pt>
+                <c:pt idx="2">
+                  <c:v>32</c:v>
+                </c:pt>
+                <c:pt idx="3">
+                  <c:v>64</c:v>
+                </c:pt>
+                <c:pt idx="4">
+                  <c:v>128</c:v>
+                </c:pt>
+                <c:pt idx="5">
+                  <c:v>256</c:v>
+                </c:pt>
+                <c:pt idx="6">
+                  <c:v>512</c:v>
+                </c:pt>
+              </c:numCache>
+            </c:numRef>
+          </c:cat>
+          <c:val>
+            <c:numRef>
+              <c:f>(Sheet1!$C$44,Sheet1!$C$48,Sheet1!$C$52,Sheet1!$C$56,Sheet1!$C$60,Sheet1!$C$64,Sheet1!$C$68)</c:f>
+              <c:numCache>
+                <c:formatCode>General</c:formatCode>
+                <c:ptCount val="7"/>
+                <c:pt idx="0">
+                  <c:v>1.89</c:v>
+                </c:pt>
+                <c:pt idx="1">
+                  <c:v>2.2000000000000002</c:v>
+                </c:pt>
+                <c:pt idx="2">
+                  <c:v>2.79</c:v>
+                </c:pt>
+                <c:pt idx="3">
+                  <c:v>3.11</c:v>
+                </c:pt>
+                <c:pt idx="4">
+                  <c:v>3.11</c:v>
+                </c:pt>
+                <c:pt idx="5">
+                  <c:v>3.11</c:v>
+                </c:pt>
+                <c:pt idx="6">
+                  <c:v>3.11</c:v>
+                </c:pt>
+              </c:numCache>
+            </c:numRef>
+          </c:val>
+          <c:smooth val="0"/>
+          <c:extLst>
+            <c:ext xmlns:c16="http://schemas.microsoft.com/office/drawing/2014/chart" uri="{C3380CC4-5D6E-409C-BE32-E72D297353CC}">
+              <c16:uniqueId val="{00000000-29AD-4432-A03C-2E0FB06839F8}"/>
+            </c:ext>
+          </c:extLst>
+        </c:ser>
+        <c:ser>
+          <c:idx val="1"/>
+          <c:order val="1"/>
+          <c:tx>
+            <c:strRef>
+              <c:f>Sheet1!$D$43</c:f>
+              <c:strCache>
+                <c:ptCount val="1"/>
+                <c:pt idx="0">
+                  <c:v>Matrix Multiplication</c:v>
+                </c:pt>
+              </c:strCache>
+            </c:strRef>
+          </c:tx>
+          <c:spPr>
+            <a:ln w="28575" cap="rnd">
+              <a:solidFill>
+                <a:schemeClr val="accent2"/>
+              </a:solidFill>
+              <a:round/>
+            </a:ln>
+            <a:effectLst/>
+          </c:spPr>
+          <c:marker>
+            <c:symbol val="none"/>
+          </c:marker>
+          <c:val>
+            <c:numRef>
+              <c:f>(Sheet1!$D$44,Sheet1!$D$48,Sheet1!$D$52,Sheet1!$D$56,Sheet1!$D$60,Sheet1!$D$64,Sheet1!$D$68)</c:f>
+              <c:numCache>
+                <c:formatCode>General</c:formatCode>
+                <c:ptCount val="7"/>
+                <c:pt idx="0">
+                  <c:v>1.67</c:v>
+                </c:pt>
+                <c:pt idx="1">
+                  <c:v>2.57</c:v>
+                </c:pt>
+                <c:pt idx="2">
+                  <c:v>3.6</c:v>
+                </c:pt>
+                <c:pt idx="3">
+                  <c:v>3.68</c:v>
+                </c:pt>
+                <c:pt idx="4">
+                  <c:v>3.68</c:v>
+                </c:pt>
+                <c:pt idx="5">
+                  <c:v>3.68</c:v>
+                </c:pt>
+                <c:pt idx="6">
+                  <c:v>3.68</c:v>
+                </c:pt>
+              </c:numCache>
+            </c:numRef>
+          </c:val>
+          <c:smooth val="0"/>
+          <c:extLst>
+            <c:ext xmlns:c16="http://schemas.microsoft.com/office/drawing/2014/chart" uri="{C3380CC4-5D6E-409C-BE32-E72D297353CC}">
+              <c16:uniqueId val="{00000001-29AD-4432-A03C-2E0FB06839F8}"/>
+            </c:ext>
+          </c:extLst>
+        </c:ser>
+        <c:ser>
+          <c:idx val="2"/>
+          <c:order val="2"/>
+          <c:tx>
+            <c:strRef>
+              <c:f>Sheet1!$E$43</c:f>
+              <c:strCache>
+                <c:ptCount val="1"/>
+                <c:pt idx="0">
+                  <c:v>Matrix Multiplication (Unrolled)</c:v>
+                </c:pt>
+              </c:strCache>
+            </c:strRef>
+          </c:tx>
+          <c:spPr>
+            <a:ln w="28575" cap="rnd">
+              <a:solidFill>
+                <a:schemeClr val="accent3"/>
+              </a:solidFill>
+              <a:round/>
+            </a:ln>
+            <a:effectLst/>
+          </c:spPr>
+          <c:marker>
+            <c:symbol val="none"/>
+          </c:marker>
+          <c:val>
+            <c:numRef>
+              <c:f>(Sheet1!$E$44,Sheet1!$E$48,Sheet1!$E$52,Sheet1!$E$56,Sheet1!$E$60,Sheet1!$E$64,Sheet1!$E$68)</c:f>
+              <c:numCache>
+                <c:formatCode>General</c:formatCode>
+                <c:ptCount val="7"/>
+                <c:pt idx="0">
+                  <c:v>1.66</c:v>
+                </c:pt>
+                <c:pt idx="1">
+                  <c:v>2.73</c:v>
+                </c:pt>
+                <c:pt idx="2">
+                  <c:v>3.51</c:v>
+                </c:pt>
+                <c:pt idx="3">
+                  <c:v>3.86</c:v>
+                </c:pt>
+                <c:pt idx="4">
+                  <c:v>3.89</c:v>
+                </c:pt>
+                <c:pt idx="5">
+                  <c:v>3.89</c:v>
+                </c:pt>
+                <c:pt idx="6">
+                  <c:v>3.89</c:v>
+                </c:pt>
+              </c:numCache>
+            </c:numRef>
+          </c:val>
+          <c:smooth val="0"/>
+          <c:extLst>
+            <c:ext xmlns:c16="http://schemas.microsoft.com/office/drawing/2014/chart" uri="{C3380CC4-5D6E-409C-BE32-E72D297353CC}">
+              <c16:uniqueId val="{00000002-29AD-4432-A03C-2E0FB06839F8}"/>
+            </c:ext>
+          </c:extLst>
+        </c:ser>
+        <c:ser>
+          <c:idx val="3"/>
+          <c:order val="3"/>
+          <c:tx>
+            <c:strRef>
+              <c:f>Sheet1!$F$43</c:f>
+              <c:strCache>
+                <c:ptCount val="1"/>
+                <c:pt idx="0">
+                  <c:v>Vector Addition</c:v>
+                </c:pt>
+              </c:strCache>
+            </c:strRef>
+          </c:tx>
+          <c:spPr>
+            <a:ln w="28575" cap="rnd">
+              <a:solidFill>
+                <a:schemeClr val="accent4"/>
+              </a:solidFill>
+              <a:round/>
+            </a:ln>
+            <a:effectLst/>
+          </c:spPr>
+          <c:marker>
+            <c:symbol val="none"/>
+          </c:marker>
+          <c:val>
+            <c:numRef>
+              <c:f>(Sheet1!$F$44,Sheet1!$F$48,Sheet1!$F$52,Sheet1!$F$56,Sheet1!$F$60,Sheet1!$F$64,Sheet1!$F$68)</c:f>
+              <c:numCache>
+                <c:formatCode>General</c:formatCode>
+                <c:ptCount val="7"/>
+                <c:pt idx="0">
+                  <c:v>1.94</c:v>
+                </c:pt>
+                <c:pt idx="1">
+                  <c:v>2.14</c:v>
+                </c:pt>
+                <c:pt idx="2">
+                  <c:v>2.14</c:v>
+                </c:pt>
+                <c:pt idx="3">
+                  <c:v>2.29</c:v>
+                </c:pt>
+                <c:pt idx="4">
+                  <c:v>2.14</c:v>
+                </c:pt>
+                <c:pt idx="5">
+                  <c:v>2.14</c:v>
+                </c:pt>
+                <c:pt idx="6">
+                  <c:v>2.14</c:v>
+                </c:pt>
+              </c:numCache>
+            </c:numRef>
+          </c:val>
+          <c:smooth val="0"/>
+          <c:extLst>
+            <c:ext xmlns:c16="http://schemas.microsoft.com/office/drawing/2014/chart" uri="{C3380CC4-5D6E-409C-BE32-E72D297353CC}">
+              <c16:uniqueId val="{00000003-29AD-4432-A03C-2E0FB06839F8}"/>
+            </c:ext>
+          </c:extLst>
+        </c:ser>
+        <c:ser>
+          <c:idx val="4"/>
+          <c:order val="4"/>
+          <c:tx>
+            <c:strRef>
+              <c:f>Sheet1!$G$43</c:f>
+              <c:strCache>
+                <c:ptCount val="1"/>
+                <c:pt idx="0">
+                  <c:v>Quick Sort</c:v>
+                </c:pt>
+              </c:strCache>
+            </c:strRef>
+          </c:tx>
+          <c:spPr>
+            <a:ln w="28575" cap="rnd">
+              <a:solidFill>
+                <a:schemeClr val="accent5"/>
+              </a:solidFill>
+              <a:round/>
+            </a:ln>
+            <a:effectLst/>
+          </c:spPr>
+          <c:marker>
+            <c:symbol val="none"/>
+          </c:marker>
+          <c:val>
+            <c:numRef>
+              <c:f>(Sheet1!$G$44,Sheet1!$G$48,Sheet1!$G$52,Sheet1!$G$56,Sheet1!$G$60,Sheet1!$G$64,Sheet1!$G$68)</c:f>
+              <c:numCache>
+                <c:formatCode>General</c:formatCode>
+                <c:ptCount val="7"/>
+                <c:pt idx="0">
+                  <c:v>1.88</c:v>
+                </c:pt>
+                <c:pt idx="1">
+                  <c:v>2.93</c:v>
+                </c:pt>
+                <c:pt idx="2">
+                  <c:v>3.16</c:v>
+                </c:pt>
+                <c:pt idx="3">
+                  <c:v>3.16</c:v>
+                </c:pt>
+                <c:pt idx="4">
+                  <c:v>3.16</c:v>
+                </c:pt>
+                <c:pt idx="5">
+                  <c:v>3.16</c:v>
+                </c:pt>
+                <c:pt idx="6">
+                  <c:v>3.16</c:v>
+                </c:pt>
+              </c:numCache>
+            </c:numRef>
+          </c:val>
+          <c:smooth val="0"/>
+          <c:extLst>
+            <c:ext xmlns:c16="http://schemas.microsoft.com/office/drawing/2014/chart" uri="{C3380CC4-5D6E-409C-BE32-E72D297353CC}">
+              <c16:uniqueId val="{00000004-29AD-4432-A03C-2E0FB06839F8}"/>
+            </c:ext>
+          </c:extLst>
+        </c:ser>
+        <c:ser>
+          <c:idx val="5"/>
+          <c:order val="5"/>
+          <c:tx>
+            <c:strRef>
+              <c:f>Sheet1!$H$43</c:f>
+              <c:strCache>
+                <c:ptCount val="1"/>
+                <c:pt idx="0">
+                  <c:v>Game of Life</c:v>
+                </c:pt>
+              </c:strCache>
+            </c:strRef>
+          </c:tx>
+          <c:spPr>
+            <a:ln w="28575" cap="rnd">
+              <a:solidFill>
+                <a:schemeClr val="accent6"/>
+              </a:solidFill>
+              <a:round/>
+            </a:ln>
+            <a:effectLst/>
+          </c:spPr>
+          <c:marker>
+            <c:symbol val="none"/>
+          </c:marker>
+          <c:val>
+            <c:numRef>
+              <c:f>(Sheet1!$H$44,Sheet1!$H$48,Sheet1!$H$52,Sheet1!$H$56,Sheet1!$H$60,Sheet1!$H$64,Sheet1!$H$68)</c:f>
+              <c:numCache>
+                <c:formatCode>General</c:formatCode>
+                <c:ptCount val="7"/>
+                <c:pt idx="0">
+                  <c:v>2.13</c:v>
+                </c:pt>
+                <c:pt idx="1">
+                  <c:v>3.14</c:v>
+                </c:pt>
+                <c:pt idx="2">
+                  <c:v>3.33</c:v>
+                </c:pt>
+                <c:pt idx="3">
+                  <c:v>3.33</c:v>
+                </c:pt>
+                <c:pt idx="4">
+                  <c:v>3.33</c:v>
+                </c:pt>
+                <c:pt idx="5">
+                  <c:v>3.33</c:v>
+                </c:pt>
+                <c:pt idx="6">
+                  <c:v>3.33</c:v>
+                </c:pt>
+              </c:numCache>
+            </c:numRef>
+          </c:val>
+          <c:smooth val="0"/>
+          <c:extLst>
+            <c:ext xmlns:c16="http://schemas.microsoft.com/office/drawing/2014/chart" uri="{C3380CC4-5D6E-409C-BE32-E72D297353CC}">
+              <c16:uniqueId val="{00000005-29AD-4432-A03C-2E0FB06839F8}"/>
+            </c:ext>
+          </c:extLst>
+        </c:ser>
+        <c:dLbls>
+          <c:showLegendKey val="0"/>
+          <c:showVal val="0"/>
+          <c:showCatName val="0"/>
+          <c:showSerName val="0"/>
+          <c:showPercent val="0"/>
+          <c:showBubbleSize val="0"/>
+        </c:dLbls>
+        <c:smooth val="0"/>
+        <c:axId val="710362808"/>
+        <c:axId val="710363136"/>
+      </c:lineChart>
+      <c:catAx>
+        <c:axId val="710362808"/>
+        <c:scaling>
+          <c:orientation val="minMax"/>
+        </c:scaling>
+        <c:delete val="0"/>
+        <c:axPos val="b"/>
+        <c:title>
+          <c:tx>
+            <c:rich>
+              <a:bodyPr rot="0" spcFirstLastPara="1" vertOverflow="ellipsis" vert="horz" wrap="square" anchor="ctr" anchorCtr="1"/>
+              <a:lstStyle/>
+              <a:p>
+                <a:pPr>
+                  <a:defRPr sz="1000" b="0" i="0" u="none" strike="noStrike" kern="1200" baseline="0">
+                    <a:solidFill>
+                      <a:schemeClr val="tx1">
+                        <a:lumMod val="65000"/>
+                        <a:lumOff val="35000"/>
+                      </a:schemeClr>
+                    </a:solidFill>
+                    <a:latin typeface="+mn-lt"/>
+                    <a:ea typeface="+mn-ea"/>
+                    <a:cs typeface="+mn-cs"/>
+                  </a:defRPr>
+                </a:pPr>
+                <a:r>
+                  <a:rPr lang="en-GB"/>
+                  <a:t>ROB Size</a:t>
+                </a:r>
+              </a:p>
+            </c:rich>
+          </c:tx>
+          <c:overlay val="0"/>
+          <c:spPr>
+            <a:noFill/>
+            <a:ln>
+              <a:noFill/>
+            </a:ln>
+            <a:effectLst/>
+          </c:spPr>
+          <c:txPr>
+            <a:bodyPr rot="0" spcFirstLastPara="1" vertOverflow="ellipsis" vert="horz" wrap="square" anchor="ctr" anchorCtr="1"/>
+            <a:lstStyle/>
+            <a:p>
+              <a:pPr>
+                <a:defRPr sz="1000" b="0" i="0" u="none" strike="noStrike" kern="1200" baseline="0">
+                  <a:solidFill>
+                    <a:schemeClr val="tx1">
+                      <a:lumMod val="65000"/>
+                      <a:lumOff val="35000"/>
+                    </a:schemeClr>
+                  </a:solidFill>
+                  <a:latin typeface="+mn-lt"/>
+                  <a:ea typeface="+mn-ea"/>
+                  <a:cs typeface="+mn-cs"/>
+                </a:defRPr>
+              </a:pPr>
+              <a:endParaRPr lang="en-US"/>
+            </a:p>
+          </c:txPr>
+        </c:title>
+        <c:numFmt formatCode="General" sourceLinked="1"/>
+        <c:majorTickMark val="none"/>
+        <c:minorTickMark val="none"/>
+        <c:tickLblPos val="nextTo"/>
+        <c:spPr>
+          <a:noFill/>
+          <a:ln w="9525" cap="flat" cmpd="sng" algn="ctr">
+            <a:solidFill>
+              <a:schemeClr val="tx1">
+                <a:lumMod val="15000"/>
+                <a:lumOff val="85000"/>
+              </a:schemeClr>
+            </a:solidFill>
+            <a:round/>
+          </a:ln>
+          <a:effectLst/>
+        </c:spPr>
+        <c:txPr>
+          <a:bodyPr rot="-60000000" spcFirstLastPara="1" vertOverflow="ellipsis" vert="horz" wrap="square" anchor="ctr" anchorCtr="1"/>
+          <a:lstStyle/>
+          <a:p>
+            <a:pPr>
+              <a:defRPr sz="900" b="0" i="0" u="none" strike="noStrike" kern="1200" baseline="0">
+                <a:solidFill>
+                  <a:schemeClr val="tx1">
+                    <a:lumMod val="65000"/>
+                    <a:lumOff val="35000"/>
+                  </a:schemeClr>
+                </a:solidFill>
+                <a:latin typeface="+mn-lt"/>
+                <a:ea typeface="+mn-ea"/>
+                <a:cs typeface="+mn-cs"/>
+              </a:defRPr>
+            </a:pPr>
+            <a:endParaRPr lang="en-US"/>
+          </a:p>
+        </c:txPr>
+        <c:crossAx val="710363136"/>
+        <c:crosses val="autoZero"/>
+        <c:auto val="1"/>
+        <c:lblAlgn val="ctr"/>
+        <c:lblOffset val="100"/>
+        <c:noMultiLvlLbl val="0"/>
+      </c:catAx>
+      <c:valAx>
+        <c:axId val="710363136"/>
+        <c:scaling>
+          <c:orientation val="minMax"/>
+        </c:scaling>
+        <c:delete val="0"/>
+        <c:axPos val="l"/>
+        <c:majorGridlines>
+          <c:spPr>
+            <a:ln w="9525" cap="flat" cmpd="sng" algn="ctr">
+              <a:solidFill>
+                <a:schemeClr val="tx1">
+                  <a:lumMod val="15000"/>
+                  <a:lumOff val="85000"/>
+                </a:schemeClr>
+              </a:solidFill>
+              <a:round/>
+            </a:ln>
+            <a:effectLst/>
+          </c:spPr>
+        </c:majorGridlines>
+        <c:title>
+          <c:tx>
+            <c:rich>
+              <a:bodyPr rot="-5400000" spcFirstLastPara="1" vertOverflow="ellipsis" vert="horz" wrap="square" anchor="ctr" anchorCtr="1"/>
+              <a:lstStyle/>
+              <a:p>
+                <a:pPr>
+                  <a:defRPr sz="1000" b="0" i="0" u="none" strike="noStrike" kern="1200" baseline="0">
+                    <a:solidFill>
+                      <a:schemeClr val="tx1">
+                        <a:lumMod val="65000"/>
+                        <a:lumOff val="35000"/>
+                      </a:schemeClr>
+                    </a:solidFill>
+                    <a:latin typeface="+mn-lt"/>
+                    <a:ea typeface="+mn-ea"/>
+                    <a:cs typeface="+mn-cs"/>
+                  </a:defRPr>
+                </a:pPr>
+                <a:r>
+                  <a:rPr lang="en-GB"/>
+                  <a:t>Instructions</a:t>
+                </a:r>
+                <a:r>
+                  <a:rPr lang="en-GB" baseline="0"/>
+                  <a:t> Per Cycle (IPC)</a:t>
+                </a:r>
+                <a:endParaRPr lang="en-GB"/>
+              </a:p>
+            </c:rich>
+          </c:tx>
+          <c:overlay val="0"/>
+          <c:spPr>
+            <a:noFill/>
+            <a:ln>
+              <a:noFill/>
+            </a:ln>
+            <a:effectLst/>
+          </c:spPr>
+          <c:txPr>
+            <a:bodyPr rot="-5400000" spcFirstLastPara="1" vertOverflow="ellipsis" vert="horz" wrap="square" anchor="ctr" anchorCtr="1"/>
+            <a:lstStyle/>
+            <a:p>
+              <a:pPr>
+                <a:defRPr sz="1000" b="0" i="0" u="none" strike="noStrike" kern="1200" baseline="0">
+                  <a:solidFill>
+                    <a:schemeClr val="tx1">
+                      <a:lumMod val="65000"/>
+                      <a:lumOff val="35000"/>
+                    </a:schemeClr>
+                  </a:solidFill>
+                  <a:latin typeface="+mn-lt"/>
+                  <a:ea typeface="+mn-ea"/>
+                  <a:cs typeface="+mn-cs"/>
+                </a:defRPr>
+              </a:pPr>
+              <a:endParaRPr lang="en-US"/>
+            </a:p>
+          </c:txPr>
+        </c:title>
+        <c:numFmt formatCode="General" sourceLinked="1"/>
+        <c:majorTickMark val="none"/>
+        <c:minorTickMark val="none"/>
+        <c:tickLblPos val="nextTo"/>
+        <c:spPr>
+          <a:noFill/>
+          <a:ln>
+            <a:noFill/>
+          </a:ln>
+          <a:effectLst/>
+        </c:spPr>
+        <c:txPr>
+          <a:bodyPr rot="-60000000" spcFirstLastPara="1" vertOverflow="ellipsis" vert="horz" wrap="square" anchor="ctr" anchorCtr="1"/>
+          <a:lstStyle/>
+          <a:p>
+            <a:pPr>
+              <a:defRPr sz="900" b="0" i="0" u="none" strike="noStrike" kern="1200" baseline="0">
+                <a:solidFill>
+                  <a:schemeClr val="tx1">
+                    <a:lumMod val="65000"/>
+                    <a:lumOff val="35000"/>
+                  </a:schemeClr>
+                </a:solidFill>
+                <a:latin typeface="+mn-lt"/>
+                <a:ea typeface="+mn-ea"/>
+                <a:cs typeface="+mn-cs"/>
+              </a:defRPr>
+            </a:pPr>
+            <a:endParaRPr lang="en-US"/>
+          </a:p>
+        </c:txPr>
+        <c:crossAx val="710362808"/>
+        <c:crosses val="autoZero"/>
+        <c:crossBetween val="between"/>
+      </c:valAx>
+      <c:spPr>
+        <a:noFill/>
+        <a:ln>
+          <a:noFill/>
+        </a:ln>
+        <a:effectLst/>
+      </c:spPr>
+    </c:plotArea>
+    <c:legend>
+      <c:legendPos val="r"/>
+      <c:overlay val="0"/>
+      <c:spPr>
+        <a:noFill/>
+        <a:ln>
+          <a:noFill/>
+        </a:ln>
+        <a:effectLst/>
+      </c:spPr>
+      <c:txPr>
+        <a:bodyPr rot="0" spcFirstLastPara="1" vertOverflow="ellipsis" vert="horz" wrap="square" anchor="ctr" anchorCtr="1"/>
+        <a:lstStyle/>
+        <a:p>
+          <a:pPr>
+            <a:defRPr sz="900" b="0" i="0" u="none" strike="noStrike" kern="1200" baseline="0">
+              <a:solidFill>
+                <a:schemeClr val="tx1">
+                  <a:lumMod val="65000"/>
+                  <a:lumOff val="35000"/>
+                </a:schemeClr>
+              </a:solidFill>
+              <a:latin typeface="+mn-lt"/>
+              <a:ea typeface="+mn-ea"/>
+              <a:cs typeface="+mn-cs"/>
+            </a:defRPr>
+          </a:pPr>
+          <a:endParaRPr lang="en-US"/>
+        </a:p>
+      </c:txPr>
+    </c:legend>
+    <c:plotVisOnly val="1"/>
+    <c:dispBlanksAs val="gap"/>
+    <c:extLst>
+      <c:ext xmlns:c16r3="http://schemas.microsoft.com/office/drawing/2017/03/chart" uri="{56B9EC1D-385E-4148-901F-78D8002777C0}">
+        <c16r3:dataDisplayOptions16>
+          <c16r3:dispNaAsBlank val="1"/>
+        </c16r3:dataDisplayOptions16>
+      </c:ext>
+    </c:extLst>
+    <c:showDLblsOverMax val="0"/>
+  </c:chart>
+  <c:spPr>
+    <a:noFill/>
+    <a:ln>
+      <a:noFill/>
+    </a:ln>
+    <a:effectLst/>
+  </c:spPr>
+  <c:txPr>
+    <a:bodyPr/>
+    <a:lstStyle/>
+    <a:p>
+      <a:pPr>
+        <a:defRPr/>
+      </a:pPr>
+      <a:endParaRPr lang="en-US"/>
+    </a:p>
+  </c:txPr>
+  <c:externalData r:id="rId3">
+    <c:autoUpdate val="0"/>
+  </c:externalData>
+</c:chartSpace>
+</file>
+
+<file path=ppt/charts/colors1.xml><?xml version="1.0" encoding="utf-8"?>
+<cs:colorStyle xmlns:cs="http://schemas.microsoft.com/office/drawing/2012/chartStyle" xmlns:a="http://schemas.openxmlformats.org/drawingml/2006/main" meth="cycle" id="10">
+  <a:schemeClr val="accent1"/>
+  <a:schemeClr val="accent2"/>
+  <a:schemeClr val="accent3"/>
+  <a:schemeClr val="accent4"/>
+  <a:schemeClr val="accent5"/>
+  <a:schemeClr val="accent6"/>
+  <cs:variation/>
+  <cs:variation>
+    <a:lumMod val="60000"/>
+  </cs:variation>
+  <cs:variation>
+    <a:lumMod val="80000"/>
+    <a:lumOff val="20000"/>
+  </cs:variation>
+  <cs:variation>
+    <a:lumMod val="80000"/>
+  </cs:variation>
+  <cs:variation>
+    <a:lumMod val="60000"/>
+    <a:lumOff val="40000"/>
+  </cs:variation>
+  <cs:variation>
+    <a:lumMod val="50000"/>
+  </cs:variation>
+  <cs:variation>
+    <a:lumMod val="70000"/>
+    <a:lumOff val="30000"/>
+  </cs:variation>
+  <cs:variation>
+    <a:lumMod val="70000"/>
+  </cs:variation>
+  <cs:variation>
+    <a:lumMod val="50000"/>
+    <a:lumOff val="50000"/>
+  </cs:variation>
+</cs:colorStyle>
+</file>
+
+<file path=ppt/charts/colors2.xml><?xml version="1.0" encoding="utf-8"?>
+<cs:colorStyle xmlns:cs="http://schemas.microsoft.com/office/drawing/2012/chartStyle" xmlns:a="http://schemas.openxmlformats.org/drawingml/2006/main" meth="cycle" id="10">
+  <a:schemeClr val="accent1"/>
+  <a:schemeClr val="accent2"/>
+  <a:schemeClr val="accent3"/>
+  <a:schemeClr val="accent4"/>
+  <a:schemeClr val="accent5"/>
+  <a:schemeClr val="accent6"/>
+  <cs:variation/>
+  <cs:variation>
+    <a:lumMod val="60000"/>
+  </cs:variation>
+  <cs:variation>
+    <a:lumMod val="80000"/>
+    <a:lumOff val="20000"/>
+  </cs:variation>
+  <cs:variation>
+    <a:lumMod val="80000"/>
+  </cs:variation>
+  <cs:variation>
+    <a:lumMod val="60000"/>
+    <a:lumOff val="40000"/>
+  </cs:variation>
+  <cs:variation>
+    <a:lumMod val="50000"/>
+  </cs:variation>
+  <cs:variation>
+    <a:lumMod val="70000"/>
+    <a:lumOff val="30000"/>
+  </cs:variation>
+  <cs:variation>
+    <a:lumMod val="70000"/>
+  </cs:variation>
+  <cs:variation>
+    <a:lumMod val="50000"/>
+    <a:lumOff val="50000"/>
+  </cs:variation>
+</cs:colorStyle>
+</file>
+
+<file path=ppt/charts/colors3.xml><?xml version="1.0" encoding="utf-8"?>
+<cs:colorStyle xmlns:cs="http://schemas.microsoft.com/office/drawing/2012/chartStyle" xmlns:a="http://schemas.openxmlformats.org/drawingml/2006/main" meth="cycle" id="10">
+  <a:schemeClr val="accent1"/>
+  <a:schemeClr val="accent2"/>
+  <a:schemeClr val="accent3"/>
+  <a:schemeClr val="accent4"/>
+  <a:schemeClr val="accent5"/>
+  <a:schemeClr val="accent6"/>
+  <cs:variation/>
+  <cs:variation>
+    <a:lumMod val="60000"/>
+  </cs:variation>
+  <cs:variation>
+    <a:lumMod val="80000"/>
+    <a:lumOff val="20000"/>
+  </cs:variation>
+  <cs:variation>
+    <a:lumMod val="80000"/>
+  </cs:variation>
+  <cs:variation>
+    <a:lumMod val="60000"/>
+    <a:lumOff val="40000"/>
+  </cs:variation>
+  <cs:variation>
+    <a:lumMod val="50000"/>
+  </cs:variation>
+  <cs:variation>
+    <a:lumMod val="70000"/>
+    <a:lumOff val="30000"/>
+  </cs:variation>
+  <cs:variation>
+    <a:lumMod val="70000"/>
+  </cs:variation>
+  <cs:variation>
+    <a:lumMod val="50000"/>
+    <a:lumOff val="50000"/>
+  </cs:variation>
+</cs:colorStyle>
+</file>
+
+<file path=ppt/charts/colors4.xml><?xml version="1.0" encoding="utf-8"?>
+<cs:colorStyle xmlns:cs="http://schemas.microsoft.com/office/drawing/2012/chartStyle" xmlns:a="http://schemas.openxmlformats.org/drawingml/2006/main" meth="cycle" id="10">
+  <a:schemeClr val="accent1"/>
+  <a:schemeClr val="accent2"/>
+  <a:schemeClr val="accent3"/>
+  <a:schemeClr val="accent4"/>
+  <a:schemeClr val="accent5"/>
+  <a:schemeClr val="accent6"/>
+  <cs:variation/>
+  <cs:variation>
+    <a:lumMod val="60000"/>
+  </cs:variation>
+  <cs:variation>
+    <a:lumMod val="80000"/>
+    <a:lumOff val="20000"/>
+  </cs:variation>
+  <cs:variation>
+    <a:lumMod val="80000"/>
+  </cs:variation>
+  <cs:variation>
+    <a:lumMod val="60000"/>
+    <a:lumOff val="40000"/>
+  </cs:variation>
+  <cs:variation>
+    <a:lumMod val="50000"/>
+  </cs:variation>
+  <cs:variation>
+    <a:lumMod val="70000"/>
+    <a:lumOff val="30000"/>
+  </cs:variation>
+  <cs:variation>
+    <a:lumMod val="70000"/>
+  </cs:variation>
+  <cs:variation>
+    <a:lumMod val="50000"/>
+    <a:lumOff val="50000"/>
+  </cs:variation>
+</cs:colorStyle>
+</file>
+
+<file path=ppt/charts/style1.xml><?xml version="1.0" encoding="utf-8"?>
+<cs:chartStyle xmlns:cs="http://schemas.microsoft.com/office/drawing/2012/chartStyle" xmlns:a="http://schemas.openxmlformats.org/drawingml/2006/main" id="201">
+  <cs:axisTitle>
+    <cs:lnRef idx="0"/>
+    <cs:fillRef idx="0"/>
+    <cs:effectRef idx="0"/>
+    <cs:fontRef idx="minor">
+      <a:schemeClr val="tx1">
+        <a:lumMod val="65000"/>
+        <a:lumOff val="35000"/>
+      </a:schemeClr>
+    </cs:fontRef>
+    <cs:defRPr sz="1000" kern="1200"/>
+  </cs:axisTitle>
+  <cs:categoryAxis>
+    <cs:lnRef idx="0"/>
+    <cs:fillRef idx="0"/>
+    <cs:effectRef idx="0"/>
+    <cs:fontRef idx="minor">
+      <a:schemeClr val="tx1">
+        <a:lumMod val="65000"/>
+        <a:lumOff val="35000"/>
+      </a:schemeClr>
+    </cs:fontRef>
+    <cs:spPr>
+      <a:ln w="9525" cap="flat" cmpd="sng" algn="ctr">
+        <a:solidFill>
+          <a:schemeClr val="tx1">
+            <a:lumMod val="15000"/>
+            <a:lumOff val="85000"/>
+          </a:schemeClr>
+        </a:solidFill>
+        <a:round/>
+      </a:ln>
+    </cs:spPr>
+    <cs:defRPr sz="900" kern="1200"/>
+  </cs:categoryAxis>
+  <cs:chartArea mods="allowNoFillOverride allowNoLineOverride">
+    <cs:lnRef idx="0"/>
+    <cs:fillRef idx="0"/>
+    <cs:effectRef idx="0"/>
+    <cs:fontRef idx="minor">
+      <a:schemeClr val="tx1"/>
+    </cs:fontRef>
+    <cs:spPr>
+      <a:solidFill>
+        <a:schemeClr val="bg1"/>
+      </a:solidFill>
+      <a:ln w="9525" cap="flat" cmpd="sng" algn="ctr">
+        <a:solidFill>
+          <a:schemeClr val="tx1">
+            <a:lumMod val="15000"/>
+            <a:lumOff val="85000"/>
+          </a:schemeClr>
+        </a:solidFill>
+        <a:round/>
+      </a:ln>
+    </cs:spPr>
+    <cs:defRPr sz="1000" kern="1200"/>
+  </cs:chartArea>
+  <cs:dataLabel>
+    <cs:lnRef idx="0"/>
+    <cs:fillRef idx="0"/>
+    <cs:effectRef idx="0"/>
+    <cs:fontRef idx="minor">
+      <a:schemeClr val="tx1">
+        <a:lumMod val="75000"/>
+        <a:lumOff val="25000"/>
+      </a:schemeClr>
+    </cs:fontRef>
+    <cs:defRPr sz="900" kern="1200"/>
+  </cs:dataLabel>
+  <cs:dataLabelCallout>
+    <cs:lnRef idx="0"/>
+    <cs:fillRef idx="0"/>
+    <cs:effectRef idx="0"/>
+    <cs:fontRef idx="minor">
+      <a:schemeClr val="dk1">
+        <a:lumMod val="65000"/>
+        <a:lumOff val="35000"/>
+      </a:schemeClr>
+    </cs:fontRef>
+    <cs:spPr>
+      <a:solidFill>
+        <a:schemeClr val="lt1"/>
+      </a:solidFill>
+      <a:ln>
+        <a:solidFill>
+          <a:schemeClr val="dk1">
+            <a:lumMod val="25000"/>
+            <a:lumOff val="75000"/>
+          </a:schemeClr>
+        </a:solidFill>
+      </a:ln>
+    </cs:spPr>
+    <cs:defRPr sz="900" kern="1200"/>
+    <cs:bodyPr rot="0" spcFirstLastPara="1" vertOverflow="clip" horzOverflow="clip" vert="horz" wrap="square" lIns="36576" tIns="18288" rIns="36576" bIns="18288" anchor="ctr" anchorCtr="1">
+      <a:spAutoFit/>
+    </cs:bodyPr>
+  </cs:dataLabelCallout>
+  <cs:dataPoint>
+    <cs:lnRef idx="0"/>
+    <cs:fillRef idx="1">
+      <cs:styleClr val="auto"/>
+    </cs:fillRef>
+    <cs:effectRef idx="0"/>
+    <cs:fontRef idx="minor">
+      <a:schemeClr val="tx1"/>
+    </cs:fontRef>
+  </cs:dataPoint>
+  <cs:dataPoint3D>
+    <cs:lnRef idx="0"/>
+    <cs:fillRef idx="1">
+      <cs:styleClr val="auto"/>
+    </cs:fillRef>
+    <cs:effectRef idx="0"/>
+    <cs:fontRef idx="minor">
+      <a:schemeClr val="tx1"/>
+    </cs:fontRef>
+  </cs:dataPoint3D>
+  <cs:dataPointLine>
+    <cs:lnRef idx="0">
+      <cs:styleClr val="auto"/>
+    </cs:lnRef>
+    <cs:fillRef idx="1"/>
+    <cs:effectRef idx="0"/>
+    <cs:fontRef idx="minor">
+      <a:schemeClr val="tx1"/>
+    </cs:fontRef>
+    <cs:spPr>
+      <a:ln w="28575" cap="rnd">
+        <a:solidFill>
+          <a:schemeClr val="phClr"/>
+        </a:solidFill>
+        <a:round/>
+      </a:ln>
+    </cs:spPr>
+  </cs:dataPointLine>
+  <cs:dataPointMarker>
+    <cs:lnRef idx="0">
+      <cs:styleClr val="auto"/>
+    </cs:lnRef>
+    <cs:fillRef idx="1">
+      <cs:styleClr val="auto"/>
+    </cs:fillRef>
+    <cs:effectRef idx="0"/>
+    <cs:fontRef idx="minor">
+      <a:schemeClr val="tx1"/>
+    </cs:fontRef>
+    <cs:spPr>
+      <a:ln w="9525">
+        <a:solidFill>
+          <a:schemeClr val="phClr"/>
+        </a:solidFill>
+      </a:ln>
+    </cs:spPr>
+  </cs:dataPointMarker>
+  <cs:dataPointMarkerLayout symbol="circle" size="5"/>
+  <cs:dataPointWireframe>
+    <cs:lnRef idx="0">
+      <cs:styleClr val="auto"/>
+    </cs:lnRef>
+    <cs:fillRef idx="1"/>
+    <cs:effectRef idx="0"/>
+    <cs:fontRef idx="minor">
+      <a:schemeClr val="tx1"/>
+    </cs:fontRef>
+    <cs:spPr>
+      <a:ln w="9525" cap="rnd">
+        <a:solidFill>
+          <a:schemeClr val="phClr"/>
+        </a:solidFill>
+        <a:round/>
+      </a:ln>
+    </cs:spPr>
+  </cs:dataPointWireframe>
+  <cs:dataTable>
+    <cs:lnRef idx="0"/>
+    <cs:fillRef idx="0"/>
+    <cs:effectRef idx="0"/>
+    <cs:fontRef idx="minor">
+      <a:schemeClr val="tx1">
+        <a:lumMod val="65000"/>
+        <a:lumOff val="35000"/>
+      </a:schemeClr>
+    </cs:fontRef>
+    <cs:spPr>
+      <a:noFill/>
+      <a:ln w="9525" cap="flat" cmpd="sng" algn="ctr">
+        <a:solidFill>
+          <a:schemeClr val="tx1">
+            <a:lumMod val="15000"/>
+            <a:lumOff val="85000"/>
+          </a:schemeClr>
+        </a:solidFill>
+        <a:round/>
+      </a:ln>
+    </cs:spPr>
+    <cs:defRPr sz="900" kern="1200"/>
+  </cs:dataTable>
+  <cs:downBar>
+    <cs:lnRef idx="0"/>
+    <cs:fillRef idx="0"/>
+    <cs:effectRef idx="0"/>
+    <cs:fontRef idx="minor">
+      <a:schemeClr val="dk1"/>
+    </cs:fontRef>
+    <cs:spPr>
+      <a:solidFill>
+        <a:schemeClr val="dk1">
+          <a:lumMod val="65000"/>
+          <a:lumOff val="35000"/>
+        </a:schemeClr>
+      </a:solidFill>
+      <a:ln w="9525">
+        <a:solidFill>
+          <a:schemeClr val="tx1">
+            <a:lumMod val="65000"/>
+            <a:lumOff val="35000"/>
+          </a:schemeClr>
+        </a:solidFill>
+      </a:ln>
+    </cs:spPr>
+  </cs:downBar>
+  <cs:dropLine>
+    <cs:lnRef idx="0"/>
+    <cs:fillRef idx="0"/>
+    <cs:effectRef idx="0"/>
+    <cs:fontRef idx="minor">
+      <a:schemeClr val="tx1"/>
+    </cs:fontRef>
+    <cs:spPr>
+      <a:ln w="9525" cap="flat" cmpd="sng" algn="ctr">
+        <a:solidFill>
+          <a:schemeClr val="tx1">
+            <a:lumMod val="35000"/>
+            <a:lumOff val="65000"/>
+          </a:schemeClr>
+        </a:solidFill>
+        <a:round/>
+      </a:ln>
+    </cs:spPr>
+  </cs:dropLine>
+  <cs:errorBar>
+    <cs:lnRef idx="0"/>
+    <cs:fillRef idx="0"/>
+    <cs:effectRef idx="0"/>
+    <cs:fontRef idx="minor">
+      <a:schemeClr val="tx1"/>
+    </cs:fontRef>
+    <cs:spPr>
+      <a:ln w="9525" cap="flat" cmpd="sng" algn="ctr">
+        <a:solidFill>
+          <a:schemeClr val="tx1">
+            <a:lumMod val="65000"/>
+            <a:lumOff val="35000"/>
+          </a:schemeClr>
+        </a:solidFill>
+        <a:round/>
+      </a:ln>
+    </cs:spPr>
+  </cs:errorBar>
+  <cs:floor>
+    <cs:lnRef idx="0"/>
+    <cs:fillRef idx="0"/>
+    <cs:effectRef idx="0"/>
+    <cs:fontRef idx="minor">
+      <a:schemeClr val="tx1"/>
+    </cs:fontRef>
+    <cs:spPr>
+      <a:noFill/>
+      <a:ln>
+        <a:noFill/>
+      </a:ln>
+    </cs:spPr>
+  </cs:floor>
+  <cs:gridlineMajor>
+    <cs:lnRef idx="0"/>
+    <cs:fillRef idx="0"/>
+    <cs:effectRef idx="0"/>
+    <cs:fontRef idx="minor">
+      <a:schemeClr val="tx1"/>
+    </cs:fontRef>
+    <cs:spPr>
+      <a:ln w="9525" cap="flat" cmpd="sng" algn="ctr">
+        <a:solidFill>
+          <a:schemeClr val="tx1">
+            <a:lumMod val="15000"/>
+            <a:lumOff val="85000"/>
+          </a:schemeClr>
+        </a:solidFill>
+        <a:round/>
+      </a:ln>
+    </cs:spPr>
+  </cs:gridlineMajor>
+  <cs:gridlineMinor>
+    <cs:lnRef idx="0"/>
+    <cs:fillRef idx="0"/>
+    <cs:effectRef idx="0"/>
+    <cs:fontRef idx="minor">
+      <a:schemeClr val="tx1"/>
+    </cs:fontRef>
+    <cs:spPr>
+      <a:ln w="9525" cap="flat" cmpd="sng" algn="ctr">
+        <a:solidFill>
+          <a:schemeClr val="tx1">
+            <a:lumMod val="5000"/>
+            <a:lumOff val="95000"/>
+          </a:schemeClr>
+        </a:solidFill>
+        <a:round/>
+      </a:ln>
+    </cs:spPr>
+  </cs:gridlineMinor>
+  <cs:hiLoLine>
+    <cs:lnRef idx="0"/>
+    <cs:fillRef idx="0"/>
+    <cs:effectRef idx="0"/>
+    <cs:fontRef idx="minor">
+      <a:schemeClr val="tx1"/>
+    </cs:fontRef>
+    <cs:spPr>
+      <a:ln w="9525" cap="flat" cmpd="sng" algn="ctr">
+        <a:solidFill>
+          <a:schemeClr val="tx1">
+            <a:lumMod val="75000"/>
+            <a:lumOff val="25000"/>
+          </a:schemeClr>
+        </a:solidFill>
+        <a:round/>
+      </a:ln>
+    </cs:spPr>
+  </cs:hiLoLine>
+  <cs:leaderLine>
+    <cs:lnRef idx="0"/>
+    <cs:fillRef idx="0"/>
+    <cs:effectRef idx="0"/>
+    <cs:fontRef idx="minor">
+      <a:schemeClr val="tx1"/>
+    </cs:fontRef>
+    <cs:spPr>
+      <a:ln w="9525" cap="flat" cmpd="sng" algn="ctr">
+        <a:solidFill>
+          <a:schemeClr val="tx1">
+            <a:lumMod val="35000"/>
+            <a:lumOff val="65000"/>
+          </a:schemeClr>
+        </a:solidFill>
+        <a:round/>
+      </a:ln>
+    </cs:spPr>
+  </cs:leaderLine>
+  <cs:legend>
+    <cs:lnRef idx="0"/>
+    <cs:fillRef idx="0"/>
+    <cs:effectRef idx="0"/>
+    <cs:fontRef idx="minor">
+      <a:schemeClr val="tx1">
+        <a:lumMod val="65000"/>
+        <a:lumOff val="35000"/>
+      </a:schemeClr>
+    </cs:fontRef>
+    <cs:defRPr sz="900" kern="1200"/>
+  </cs:legend>
+  <cs:plotArea mods="allowNoFillOverride allowNoLineOverride">
+    <cs:lnRef idx="0"/>
+    <cs:fillRef idx="0"/>
+    <cs:effectRef idx="0"/>
+    <cs:fontRef idx="minor">
+      <a:schemeClr val="tx1"/>
+    </cs:fontRef>
+  </cs:plotArea>
+  <cs:plotArea3D mods="allowNoFillOverride allowNoLineOverride">
+    <cs:lnRef idx="0"/>
+    <cs:fillRef idx="0"/>
+    <cs:effectRef idx="0"/>
+    <cs:fontRef idx="minor">
+      <a:schemeClr val="tx1"/>
+    </cs:fontRef>
+  </cs:plotArea3D>
+  <cs:seriesAxis>
+    <cs:lnRef idx="0"/>
+    <cs:fillRef idx="0"/>
+    <cs:effectRef idx="0"/>
+    <cs:fontRef idx="minor">
+      <a:schemeClr val="tx1">
+        <a:lumMod val="65000"/>
+        <a:lumOff val="35000"/>
+      </a:schemeClr>
+    </cs:fontRef>
+    <cs:defRPr sz="900" kern="1200"/>
+  </cs:seriesAxis>
+  <cs:seriesLine>
+    <cs:lnRef idx="0"/>
+    <cs:fillRef idx="0"/>
+    <cs:effectRef idx="0"/>
+    <cs:fontRef idx="minor">
+      <a:schemeClr val="tx1"/>
+    </cs:fontRef>
+    <cs:spPr>
+      <a:ln w="9525" cap="flat" cmpd="sng" algn="ctr">
+        <a:solidFill>
+          <a:schemeClr val="tx1">
+            <a:lumMod val="35000"/>
+            <a:lumOff val="65000"/>
+          </a:schemeClr>
+        </a:solidFill>
+        <a:round/>
+      </a:ln>
+    </cs:spPr>
+  </cs:seriesLine>
+  <cs:title>
+    <cs:lnRef idx="0"/>
+    <cs:fillRef idx="0"/>
+    <cs:effectRef idx="0"/>
+    <cs:fontRef idx="minor">
+      <a:schemeClr val="tx1">
+        <a:lumMod val="65000"/>
+        <a:lumOff val="35000"/>
+      </a:schemeClr>
+    </cs:fontRef>
+    <cs:defRPr sz="1400" b="0" kern="1200" spc="0" baseline="0"/>
+  </cs:title>
+  <cs:trendline>
+    <cs:lnRef idx="0">
+      <cs:styleClr val="auto"/>
+    </cs:lnRef>
+    <cs:fillRef idx="0"/>
+    <cs:effectRef idx="0"/>
+    <cs:fontRef idx="minor">
+      <a:schemeClr val="tx1"/>
+    </cs:fontRef>
+    <cs:spPr>
+      <a:ln w="19050" cap="rnd">
+        <a:solidFill>
+          <a:schemeClr val="phClr"/>
+        </a:solidFill>
+        <a:prstDash val="sysDot"/>
+      </a:ln>
+    </cs:spPr>
+  </cs:trendline>
+  <cs:trendlineLabel>
+    <cs:lnRef idx="0"/>
+    <cs:fillRef idx="0"/>
+    <cs:effectRef idx="0"/>
+    <cs:fontRef idx="minor">
+      <a:schemeClr val="tx1">
+        <a:lumMod val="65000"/>
+        <a:lumOff val="35000"/>
+      </a:schemeClr>
+    </cs:fontRef>
+    <cs:defRPr sz="900" kern="1200"/>
+  </cs:trendlineLabel>
+  <cs:upBar>
+    <cs:lnRef idx="0"/>
+    <cs:fillRef idx="0"/>
+    <cs:effectRef idx="0"/>
+    <cs:fontRef idx="minor">
+      <a:schemeClr val="dk1"/>
+    </cs:fontRef>
+    <cs:spPr>
+      <a:solidFill>
+        <a:schemeClr val="lt1"/>
+      </a:solidFill>
+      <a:ln w="9525">
+        <a:solidFill>
+          <a:schemeClr val="tx1">
+            <a:lumMod val="15000"/>
+            <a:lumOff val="85000"/>
+          </a:schemeClr>
+        </a:solidFill>
+      </a:ln>
+    </cs:spPr>
+  </cs:upBar>
+  <cs:valueAxis>
+    <cs:lnRef idx="0"/>
+    <cs:fillRef idx="0"/>
+    <cs:effectRef idx="0"/>
+    <cs:fontRef idx="minor">
+      <a:schemeClr val="tx1">
+        <a:lumMod val="65000"/>
+        <a:lumOff val="35000"/>
+      </a:schemeClr>
+    </cs:fontRef>
+    <cs:defRPr sz="900" kern="1200"/>
+  </cs:valueAxis>
+  <cs:wall>
+    <cs:lnRef idx="0"/>
+    <cs:fillRef idx="0"/>
+    <cs:effectRef idx="0"/>
+    <cs:fontRef idx="minor">
+      <a:schemeClr val="tx1"/>
+    </cs:fontRef>
+    <cs:spPr>
+      <a:noFill/>
+      <a:ln>
+        <a:noFill/>
+      </a:ln>
+    </cs:spPr>
+  </cs:wall>
+</cs:chartStyle>
+</file>
+
+<file path=ppt/charts/style2.xml><?xml version="1.0" encoding="utf-8"?>
+<cs:chartStyle xmlns:cs="http://schemas.microsoft.com/office/drawing/2012/chartStyle" xmlns:a="http://schemas.openxmlformats.org/drawingml/2006/main" id="227">
+  <cs:axisTitle>
+    <cs:lnRef idx="0"/>
+    <cs:fillRef idx="0"/>
+    <cs:effectRef idx="0"/>
+    <cs:fontRef idx="minor">
+      <a:schemeClr val="tx1">
+        <a:lumMod val="65000"/>
+        <a:lumOff val="35000"/>
+      </a:schemeClr>
+    </cs:fontRef>
+    <cs:defRPr sz="1000" kern="1200"/>
+  </cs:axisTitle>
+  <cs:categoryAxis>
+    <cs:lnRef idx="0"/>
+    <cs:fillRef idx="0"/>
+    <cs:effectRef idx="0"/>
+    <cs:fontRef idx="minor">
+      <a:schemeClr val="tx1">
+        <a:lumMod val="65000"/>
+        <a:lumOff val="35000"/>
+      </a:schemeClr>
+    </cs:fontRef>
+    <cs:spPr>
+      <a:ln w="9525" cap="flat" cmpd="sng" algn="ctr">
+        <a:solidFill>
+          <a:schemeClr val="tx1">
+            <a:lumMod val="15000"/>
+            <a:lumOff val="85000"/>
+          </a:schemeClr>
+        </a:solidFill>
+        <a:round/>
+      </a:ln>
+    </cs:spPr>
+    <cs:defRPr sz="900" kern="1200"/>
+  </cs:categoryAxis>
+  <cs:chartArea mods="allowNoFillOverride allowNoLineOverride">
+    <cs:lnRef idx="0"/>
+    <cs:fillRef idx="0"/>
+    <cs:effectRef idx="0"/>
+    <cs:fontRef idx="minor">
+      <a:schemeClr val="tx1"/>
+    </cs:fontRef>
+    <cs:spPr>
+      <a:solidFill>
+        <a:schemeClr val="bg1"/>
+      </a:solidFill>
+      <a:ln w="9525" cap="flat" cmpd="sng" algn="ctr">
+        <a:solidFill>
+          <a:schemeClr val="tx1">
+            <a:lumMod val="15000"/>
+            <a:lumOff val="85000"/>
+          </a:schemeClr>
+        </a:solidFill>
+        <a:round/>
+      </a:ln>
+    </cs:spPr>
+    <cs:defRPr sz="1000" kern="1200"/>
+  </cs:chartArea>
+  <cs:dataLabel>
+    <cs:lnRef idx="0"/>
+    <cs:fillRef idx="0"/>
+    <cs:effectRef idx="0"/>
+    <cs:fontRef idx="minor">
+      <a:schemeClr val="tx1">
+        <a:lumMod val="75000"/>
+        <a:lumOff val="25000"/>
+      </a:schemeClr>
+    </cs:fontRef>
+    <cs:defRPr sz="900" kern="1200"/>
+  </cs:dataLabel>
+  <cs:dataLabelCallout>
+    <cs:lnRef idx="0"/>
+    <cs:fillRef idx="0"/>
+    <cs:effectRef idx="0"/>
+    <cs:fontRef idx="minor">
+      <a:schemeClr val="dk1">
+        <a:lumMod val="65000"/>
+        <a:lumOff val="35000"/>
+      </a:schemeClr>
+    </cs:fontRef>
+    <cs:spPr>
+      <a:solidFill>
+        <a:schemeClr val="lt1"/>
+      </a:solidFill>
+      <a:ln>
+        <a:solidFill>
+          <a:schemeClr val="dk1">
+            <a:lumMod val="25000"/>
+            <a:lumOff val="75000"/>
+          </a:schemeClr>
+        </a:solidFill>
+      </a:ln>
+    </cs:spPr>
+    <cs:defRPr sz="900" kern="1200"/>
+    <cs:bodyPr rot="0" spcFirstLastPara="1" vertOverflow="clip" horzOverflow="clip" vert="horz" wrap="square" lIns="36576" tIns="18288" rIns="36576" bIns="18288" anchor="ctr" anchorCtr="1">
+      <a:spAutoFit/>
+    </cs:bodyPr>
+  </cs:dataLabelCallout>
+  <cs:dataPoint>
+    <cs:lnRef idx="0"/>
+    <cs:fillRef idx="1">
+      <cs:styleClr val="auto"/>
+    </cs:fillRef>
+    <cs:effectRef idx="0"/>
+    <cs:fontRef idx="minor">
+      <a:schemeClr val="tx1"/>
+    </cs:fontRef>
+    <cs:spPr>
+      <a:solidFill>
+        <a:schemeClr val="phClr"/>
+      </a:solidFill>
+    </cs:spPr>
+  </cs:dataPoint>
+  <cs:dataPoint3D>
+    <cs:lnRef idx="0"/>
+    <cs:fillRef idx="1">
+      <cs:styleClr val="auto"/>
+    </cs:fillRef>
+    <cs:effectRef idx="0"/>
+    <cs:fontRef idx="minor">
+      <a:schemeClr val="tx1"/>
+    </cs:fontRef>
+    <cs:spPr>
+      <a:solidFill>
+        <a:schemeClr val="phClr"/>
+      </a:solidFill>
+    </cs:spPr>
+  </cs:dataPoint3D>
+  <cs:dataPointLine>
+    <cs:lnRef idx="0">
+      <cs:styleClr val="auto"/>
+    </cs:lnRef>
+    <cs:fillRef idx="1"/>
+    <cs:effectRef idx="0"/>
+    <cs:fontRef idx="minor">
+      <a:schemeClr val="tx1"/>
+    </cs:fontRef>
+    <cs:spPr>
+      <a:ln w="28575" cap="rnd">
+        <a:solidFill>
+          <a:schemeClr val="phClr"/>
+        </a:solidFill>
+        <a:round/>
+      </a:ln>
+    </cs:spPr>
+  </cs:dataPointLine>
+  <cs:dataPointMarker>
+    <cs:lnRef idx="0">
+      <cs:styleClr val="auto"/>
+    </cs:lnRef>
+    <cs:fillRef idx="1">
+      <cs:styleClr val="auto"/>
+    </cs:fillRef>
+    <cs:effectRef idx="0"/>
+    <cs:fontRef idx="minor">
+      <a:schemeClr val="tx1"/>
+    </cs:fontRef>
+    <cs:spPr>
+      <a:solidFill>
+        <a:schemeClr val="phClr"/>
+      </a:solidFill>
+      <a:ln w="9525">
+        <a:solidFill>
+          <a:schemeClr val="phClr"/>
+        </a:solidFill>
+      </a:ln>
+    </cs:spPr>
+  </cs:dataPointMarker>
+  <cs:dataPointMarkerLayout symbol="circle" size="5"/>
+  <cs:dataPointWireframe>
+    <cs:lnRef idx="0">
+      <cs:styleClr val="auto"/>
+    </cs:lnRef>
+    <cs:fillRef idx="1"/>
+    <cs:effectRef idx="0"/>
+    <cs:fontRef idx="minor">
+      <a:schemeClr val="tx1"/>
+    </cs:fontRef>
+    <cs:spPr>
+      <a:ln w="9525" cap="rnd">
+        <a:solidFill>
+          <a:schemeClr val="phClr"/>
+        </a:solidFill>
+        <a:round/>
+      </a:ln>
+    </cs:spPr>
+  </cs:dataPointWireframe>
+  <cs:dataTable>
+    <cs:lnRef idx="0"/>
+    <cs:fillRef idx="0"/>
+    <cs:effectRef idx="0"/>
+    <cs:fontRef idx="minor">
+      <a:schemeClr val="tx1">
+        <a:lumMod val="65000"/>
+        <a:lumOff val="35000"/>
+      </a:schemeClr>
+    </cs:fontRef>
+    <cs:spPr>
+      <a:noFill/>
+      <a:ln w="9525" cap="flat" cmpd="sng" algn="ctr">
+        <a:solidFill>
+          <a:schemeClr val="tx1">
+            <a:lumMod val="15000"/>
+            <a:lumOff val="85000"/>
+          </a:schemeClr>
+        </a:solidFill>
+        <a:round/>
+      </a:ln>
+    </cs:spPr>
+    <cs:defRPr sz="900" kern="1200"/>
+  </cs:dataTable>
+  <cs:downBar>
+    <cs:lnRef idx="0"/>
+    <cs:fillRef idx="0"/>
+    <cs:effectRef idx="0"/>
+    <cs:fontRef idx="minor">
+      <a:schemeClr val="dk1"/>
+    </cs:fontRef>
+    <cs:spPr>
+      <a:solidFill>
+        <a:schemeClr val="dk1">
+          <a:lumMod val="65000"/>
+          <a:lumOff val="35000"/>
+        </a:schemeClr>
+      </a:solidFill>
+      <a:ln w="9525">
+        <a:solidFill>
+          <a:schemeClr val="tx1">
+            <a:lumMod val="65000"/>
+            <a:lumOff val="35000"/>
+          </a:schemeClr>
+        </a:solidFill>
+      </a:ln>
+    </cs:spPr>
+  </cs:downBar>
+  <cs:dropLine>
+    <cs:lnRef idx="0"/>
+    <cs:fillRef idx="0"/>
+    <cs:effectRef idx="0"/>
+    <cs:fontRef idx="minor">
+      <a:schemeClr val="tx1"/>
+    </cs:fontRef>
+    <cs:spPr>
+      <a:ln w="9525" cap="flat" cmpd="sng" algn="ctr">
+        <a:solidFill>
+          <a:schemeClr val="tx1">
+            <a:lumMod val="35000"/>
+            <a:lumOff val="65000"/>
+          </a:schemeClr>
+        </a:solidFill>
+        <a:round/>
+      </a:ln>
+    </cs:spPr>
+  </cs:dropLine>
+  <cs:errorBar>
+    <cs:lnRef idx="0"/>
+    <cs:fillRef idx="0"/>
+    <cs:effectRef idx="0"/>
+    <cs:fontRef idx="minor">
+      <a:schemeClr val="tx1"/>
+    </cs:fontRef>
+    <cs:spPr>
+      <a:ln w="9525" cap="flat" cmpd="sng" algn="ctr">
+        <a:solidFill>
+          <a:schemeClr val="tx1">
+            <a:lumMod val="65000"/>
+            <a:lumOff val="35000"/>
+          </a:schemeClr>
+        </a:solidFill>
+        <a:round/>
+      </a:ln>
+    </cs:spPr>
+  </cs:errorBar>
+  <cs:floor>
+    <cs:lnRef idx="0"/>
+    <cs:fillRef idx="0"/>
+    <cs:effectRef idx="0"/>
+    <cs:fontRef idx="minor">
+      <a:schemeClr val="tx1"/>
+    </cs:fontRef>
+    <cs:spPr>
+      <a:noFill/>
+      <a:ln>
+        <a:noFill/>
+      </a:ln>
+    </cs:spPr>
+  </cs:floor>
+  <cs:gridlineMajor>
+    <cs:lnRef idx="0"/>
+    <cs:fillRef idx="0"/>
+    <cs:effectRef idx="0"/>
+    <cs:fontRef idx="minor">
+      <a:schemeClr val="tx1"/>
+    </cs:fontRef>
+    <cs:spPr>
+      <a:ln w="9525" cap="flat" cmpd="sng" algn="ctr">
+        <a:solidFill>
+          <a:schemeClr val="tx1">
+            <a:lumMod val="15000"/>
+            <a:lumOff val="85000"/>
+          </a:schemeClr>
+        </a:solidFill>
+        <a:round/>
+      </a:ln>
+    </cs:spPr>
+  </cs:gridlineMajor>
+  <cs:gridlineMinor>
+    <cs:lnRef idx="0"/>
+    <cs:fillRef idx="0"/>
+    <cs:effectRef idx="0"/>
+    <cs:fontRef idx="minor">
+      <a:schemeClr val="tx1"/>
+    </cs:fontRef>
+    <cs:spPr>
+      <a:ln w="9525" cap="flat" cmpd="sng" algn="ctr">
+        <a:solidFill>
+          <a:schemeClr val="tx1">
+            <a:lumMod val="5000"/>
+            <a:lumOff val="95000"/>
+          </a:schemeClr>
+        </a:solidFill>
+        <a:round/>
+      </a:ln>
+    </cs:spPr>
+  </cs:gridlineMinor>
+  <cs:hiLoLine>
+    <cs:lnRef idx="0"/>
+    <cs:fillRef idx="0"/>
+    <cs:effectRef idx="0"/>
+    <cs:fontRef idx="minor">
+      <a:schemeClr val="tx1"/>
+    </cs:fontRef>
+    <cs:spPr>
+      <a:ln w="9525" cap="flat" cmpd="sng" algn="ctr">
+        <a:solidFill>
+          <a:schemeClr val="tx1">
+            <a:lumMod val="75000"/>
+            <a:lumOff val="25000"/>
+          </a:schemeClr>
+        </a:solidFill>
+        <a:round/>
+      </a:ln>
+    </cs:spPr>
+  </cs:hiLoLine>
+  <cs:leaderLine>
+    <cs:lnRef idx="0"/>
+    <cs:fillRef idx="0"/>
+    <cs:effectRef idx="0"/>
+    <cs:fontRef idx="minor">
+      <a:schemeClr val="tx1"/>
+    </cs:fontRef>
+    <cs:spPr>
+      <a:ln w="9525" cap="flat" cmpd="sng" algn="ctr">
+        <a:solidFill>
+          <a:schemeClr val="tx1">
+            <a:lumMod val="35000"/>
+            <a:lumOff val="65000"/>
+          </a:schemeClr>
+        </a:solidFill>
+        <a:round/>
+      </a:ln>
+    </cs:spPr>
+  </cs:leaderLine>
+  <cs:legend>
+    <cs:lnRef idx="0"/>
+    <cs:fillRef idx="0"/>
+    <cs:effectRef idx="0"/>
+    <cs:fontRef idx="minor">
+      <a:schemeClr val="tx1">
+        <a:lumMod val="65000"/>
+        <a:lumOff val="35000"/>
+      </a:schemeClr>
+    </cs:fontRef>
+    <cs:defRPr sz="900" kern="1200"/>
+  </cs:legend>
+  <cs:plotArea mods="allowNoFillOverride allowNoLineOverride">
+    <cs:lnRef idx="0"/>
+    <cs:fillRef idx="0"/>
+    <cs:effectRef idx="0"/>
+    <cs:fontRef idx="minor">
+      <a:schemeClr val="tx1"/>
+    </cs:fontRef>
+  </cs:plotArea>
+  <cs:plotArea3D mods="allowNoFillOverride allowNoLineOverride">
+    <cs:lnRef idx="0"/>
+    <cs:fillRef idx="0"/>
+    <cs:effectRef idx="0"/>
+    <cs:fontRef idx="minor">
+      <a:schemeClr val="tx1"/>
+    </cs:fontRef>
+  </cs:plotArea3D>
+  <cs:seriesAxis>
+    <cs:lnRef idx="0"/>
+    <cs:fillRef idx="0"/>
+    <cs:effectRef idx="0"/>
+    <cs:fontRef idx="minor">
+      <a:schemeClr val="tx1">
+        <a:lumMod val="65000"/>
+        <a:lumOff val="35000"/>
+      </a:schemeClr>
+    </cs:fontRef>
+    <cs:defRPr sz="900" kern="1200"/>
+  </cs:seriesAxis>
+  <cs:seriesLine>
+    <cs:lnRef idx="0"/>
+    <cs:fillRef idx="0"/>
+    <cs:effectRef idx="0"/>
+    <cs:fontRef idx="minor">
+      <a:schemeClr val="tx1"/>
+    </cs:fontRef>
+    <cs:spPr>
+      <a:ln w="9525" cap="flat" cmpd="sng" algn="ctr">
+        <a:solidFill>
+          <a:schemeClr val="tx1">
+            <a:lumMod val="35000"/>
+            <a:lumOff val="65000"/>
+          </a:schemeClr>
+        </a:solidFill>
+        <a:round/>
+      </a:ln>
+    </cs:spPr>
+  </cs:seriesLine>
+  <cs:title>
+    <cs:lnRef idx="0"/>
+    <cs:fillRef idx="0"/>
+    <cs:effectRef idx="0"/>
+    <cs:fontRef idx="minor">
+      <a:schemeClr val="tx1">
+        <a:lumMod val="65000"/>
+        <a:lumOff val="35000"/>
+      </a:schemeClr>
+    </cs:fontRef>
+    <cs:defRPr sz="1400" b="0" kern="1200" spc="0" baseline="0"/>
+  </cs:title>
+  <cs:trendline>
+    <cs:lnRef idx="0">
+      <cs:styleClr val="auto"/>
+    </cs:lnRef>
+    <cs:fillRef idx="0"/>
+    <cs:effectRef idx="0"/>
+    <cs:fontRef idx="minor">
+      <a:schemeClr val="tx1"/>
+    </cs:fontRef>
+    <cs:spPr>
+      <a:ln w="19050" cap="rnd">
+        <a:solidFill>
+          <a:schemeClr val="phClr"/>
+        </a:solidFill>
+        <a:prstDash val="sysDot"/>
+      </a:ln>
+    </cs:spPr>
+  </cs:trendline>
+  <cs:trendlineLabel>
+    <cs:lnRef idx="0"/>
+    <cs:fillRef idx="0"/>
+    <cs:effectRef idx="0"/>
+    <cs:fontRef idx="minor">
+      <a:schemeClr val="tx1">
+        <a:lumMod val="65000"/>
+        <a:lumOff val="35000"/>
+      </a:schemeClr>
+    </cs:fontRef>
+    <cs:defRPr sz="900" kern="1200"/>
+  </cs:trendlineLabel>
+  <cs:upBar>
+    <cs:lnRef idx="0"/>
+    <cs:fillRef idx="0"/>
+    <cs:effectRef idx="0"/>
+    <cs:fontRef idx="minor">
+      <a:schemeClr val="dk1"/>
+    </cs:fontRef>
+    <cs:spPr>
+      <a:solidFill>
+        <a:schemeClr val="lt1"/>
+      </a:solidFill>
+      <a:ln w="9525">
+        <a:solidFill>
+          <a:schemeClr val="tx1">
+            <a:lumMod val="15000"/>
+            <a:lumOff val="85000"/>
+          </a:schemeClr>
+        </a:solidFill>
+      </a:ln>
+    </cs:spPr>
+  </cs:upBar>
+  <cs:valueAxis>
+    <cs:lnRef idx="0"/>
+    <cs:fillRef idx="0"/>
+    <cs:effectRef idx="0"/>
+    <cs:fontRef idx="minor">
+      <a:schemeClr val="tx1">
+        <a:lumMod val="65000"/>
+        <a:lumOff val="35000"/>
+      </a:schemeClr>
+    </cs:fontRef>
+    <cs:defRPr sz="900" kern="1200"/>
+  </cs:valueAxis>
+  <cs:wall>
+    <cs:lnRef idx="0"/>
+    <cs:fillRef idx="0"/>
+    <cs:effectRef idx="0"/>
+    <cs:fontRef idx="minor">
+      <a:schemeClr val="tx1"/>
+    </cs:fontRef>
+    <cs:spPr>
+      <a:noFill/>
+      <a:ln>
+        <a:noFill/>
+      </a:ln>
+    </cs:spPr>
+  </cs:wall>
+</cs:chartStyle>
+</file>
+
+<file path=ppt/charts/style3.xml><?xml version="1.0" encoding="utf-8"?>
+<cs:chartStyle xmlns:cs="http://schemas.microsoft.com/office/drawing/2012/chartStyle" xmlns:a="http://schemas.openxmlformats.org/drawingml/2006/main" id="201">
+  <cs:axisTitle>
+    <cs:lnRef idx="0"/>
+    <cs:fillRef idx="0"/>
+    <cs:effectRef idx="0"/>
+    <cs:fontRef idx="minor">
+      <a:schemeClr val="tx1">
+        <a:lumMod val="65000"/>
+        <a:lumOff val="35000"/>
+      </a:schemeClr>
+    </cs:fontRef>
+    <cs:defRPr sz="1000" kern="1200"/>
+  </cs:axisTitle>
+  <cs:categoryAxis>
+    <cs:lnRef idx="0"/>
+    <cs:fillRef idx="0"/>
+    <cs:effectRef idx="0"/>
+    <cs:fontRef idx="minor">
+      <a:schemeClr val="tx1">
+        <a:lumMod val="65000"/>
+        <a:lumOff val="35000"/>
+      </a:schemeClr>
+    </cs:fontRef>
+    <cs:spPr>
+      <a:ln w="9525" cap="flat" cmpd="sng" algn="ctr">
+        <a:solidFill>
+          <a:schemeClr val="tx1">
+            <a:lumMod val="15000"/>
+            <a:lumOff val="85000"/>
+          </a:schemeClr>
+        </a:solidFill>
+        <a:round/>
+      </a:ln>
+    </cs:spPr>
+    <cs:defRPr sz="900" kern="1200"/>
+  </cs:categoryAxis>
+  <cs:chartArea mods="allowNoFillOverride allowNoLineOverride">
+    <cs:lnRef idx="0"/>
+    <cs:fillRef idx="0"/>
+    <cs:effectRef idx="0"/>
+    <cs:fontRef idx="minor">
+      <a:schemeClr val="tx1"/>
+    </cs:fontRef>
+    <cs:spPr>
+      <a:solidFill>
+        <a:schemeClr val="bg1"/>
+      </a:solidFill>
+      <a:ln w="9525" cap="flat" cmpd="sng" algn="ctr">
+        <a:solidFill>
+          <a:schemeClr val="tx1">
+            <a:lumMod val="15000"/>
+            <a:lumOff val="85000"/>
+          </a:schemeClr>
+        </a:solidFill>
+        <a:round/>
+      </a:ln>
+    </cs:spPr>
+    <cs:defRPr sz="1000" kern="1200"/>
+  </cs:chartArea>
+  <cs:dataLabel>
+    <cs:lnRef idx="0"/>
+    <cs:fillRef idx="0"/>
+    <cs:effectRef idx="0"/>
+    <cs:fontRef idx="minor">
+      <a:schemeClr val="tx1">
+        <a:lumMod val="75000"/>
+        <a:lumOff val="25000"/>
+      </a:schemeClr>
+    </cs:fontRef>
+    <cs:defRPr sz="900" kern="1200"/>
+  </cs:dataLabel>
+  <cs:dataLabelCallout>
+    <cs:lnRef idx="0"/>
+    <cs:fillRef idx="0"/>
+    <cs:effectRef idx="0"/>
+    <cs:fontRef idx="minor">
+      <a:schemeClr val="dk1">
+        <a:lumMod val="65000"/>
+        <a:lumOff val="35000"/>
+      </a:schemeClr>
+    </cs:fontRef>
+    <cs:spPr>
+      <a:solidFill>
+        <a:schemeClr val="lt1"/>
+      </a:solidFill>
+      <a:ln>
+        <a:solidFill>
+          <a:schemeClr val="dk1">
+            <a:lumMod val="25000"/>
+            <a:lumOff val="75000"/>
+          </a:schemeClr>
+        </a:solidFill>
+      </a:ln>
+    </cs:spPr>
+    <cs:defRPr sz="900" kern="1200"/>
+    <cs:bodyPr rot="0" spcFirstLastPara="1" vertOverflow="clip" horzOverflow="clip" vert="horz" wrap="square" lIns="36576" tIns="18288" rIns="36576" bIns="18288" anchor="ctr" anchorCtr="1">
+      <a:spAutoFit/>
+    </cs:bodyPr>
+  </cs:dataLabelCallout>
+  <cs:dataPoint>
+    <cs:lnRef idx="0"/>
+    <cs:fillRef idx="1">
+      <cs:styleClr val="auto"/>
+    </cs:fillRef>
+    <cs:effectRef idx="0"/>
+    <cs:fontRef idx="minor">
+      <a:schemeClr val="tx1"/>
+    </cs:fontRef>
+  </cs:dataPoint>
+  <cs:dataPoint3D>
+    <cs:lnRef idx="0"/>
+    <cs:fillRef idx="1">
+      <cs:styleClr val="auto"/>
+    </cs:fillRef>
+    <cs:effectRef idx="0"/>
+    <cs:fontRef idx="minor">
+      <a:schemeClr val="tx1"/>
+    </cs:fontRef>
+  </cs:dataPoint3D>
+  <cs:dataPointLine>
+    <cs:lnRef idx="0">
+      <cs:styleClr val="auto"/>
+    </cs:lnRef>
+    <cs:fillRef idx="1"/>
+    <cs:effectRef idx="0"/>
+    <cs:fontRef idx="minor">
+      <a:schemeClr val="tx1"/>
+    </cs:fontRef>
+    <cs:spPr>
+      <a:ln w="28575" cap="rnd">
+        <a:solidFill>
+          <a:schemeClr val="phClr"/>
+        </a:solidFill>
+        <a:round/>
+      </a:ln>
+    </cs:spPr>
+  </cs:dataPointLine>
+  <cs:dataPointMarker>
+    <cs:lnRef idx="0">
+      <cs:styleClr val="auto"/>
+    </cs:lnRef>
+    <cs:fillRef idx="1">
+      <cs:styleClr val="auto"/>
+    </cs:fillRef>
+    <cs:effectRef idx="0"/>
+    <cs:fontRef idx="minor">
+      <a:schemeClr val="tx1"/>
+    </cs:fontRef>
+    <cs:spPr>
+      <a:ln w="9525">
+        <a:solidFill>
+          <a:schemeClr val="phClr"/>
+        </a:solidFill>
+      </a:ln>
+    </cs:spPr>
+  </cs:dataPointMarker>
+  <cs:dataPointMarkerLayout symbol="circle" size="5"/>
+  <cs:dataPointWireframe>
+    <cs:lnRef idx="0">
+      <cs:styleClr val="auto"/>
+    </cs:lnRef>
+    <cs:fillRef idx="1"/>
+    <cs:effectRef idx="0"/>
+    <cs:fontRef idx="minor">
+      <a:schemeClr val="tx1"/>
+    </cs:fontRef>
+    <cs:spPr>
+      <a:ln w="9525" cap="rnd">
+        <a:solidFill>
+          <a:schemeClr val="phClr"/>
+        </a:solidFill>
+        <a:round/>
+      </a:ln>
+    </cs:spPr>
+  </cs:dataPointWireframe>
+  <cs:dataTable>
+    <cs:lnRef idx="0"/>
+    <cs:fillRef idx="0"/>
+    <cs:effectRef idx="0"/>
+    <cs:fontRef idx="minor">
+      <a:schemeClr val="tx1">
+        <a:lumMod val="65000"/>
+        <a:lumOff val="35000"/>
+      </a:schemeClr>
+    </cs:fontRef>
+    <cs:spPr>
+      <a:noFill/>
+      <a:ln w="9525" cap="flat" cmpd="sng" algn="ctr">
+        <a:solidFill>
+          <a:schemeClr val="tx1">
+            <a:lumMod val="15000"/>
+            <a:lumOff val="85000"/>
+          </a:schemeClr>
+        </a:solidFill>
+        <a:round/>
+      </a:ln>
+    </cs:spPr>
+    <cs:defRPr sz="900" kern="1200"/>
+  </cs:dataTable>
+  <cs:downBar>
+    <cs:lnRef idx="0"/>
+    <cs:fillRef idx="0"/>
+    <cs:effectRef idx="0"/>
+    <cs:fontRef idx="minor">
+      <a:schemeClr val="dk1"/>
+    </cs:fontRef>
+    <cs:spPr>
+      <a:solidFill>
+        <a:schemeClr val="dk1">
+          <a:lumMod val="65000"/>
+          <a:lumOff val="35000"/>
+        </a:schemeClr>
+      </a:solidFill>
+      <a:ln w="9525">
+        <a:solidFill>
+          <a:schemeClr val="tx1">
+            <a:lumMod val="65000"/>
+            <a:lumOff val="35000"/>
+          </a:schemeClr>
+        </a:solidFill>
+      </a:ln>
+    </cs:spPr>
+  </cs:downBar>
+  <cs:dropLine>
+    <cs:lnRef idx="0"/>
+    <cs:fillRef idx="0"/>
+    <cs:effectRef idx="0"/>
+    <cs:fontRef idx="minor">
+      <a:schemeClr val="tx1"/>
+    </cs:fontRef>
+    <cs:spPr>
+      <a:ln w="9525" cap="flat" cmpd="sng" algn="ctr">
+        <a:solidFill>
+          <a:schemeClr val="tx1">
+            <a:lumMod val="35000"/>
+            <a:lumOff val="65000"/>
+          </a:schemeClr>
+        </a:solidFill>
+        <a:round/>
+      </a:ln>
+    </cs:spPr>
+  </cs:dropLine>
+  <cs:errorBar>
+    <cs:lnRef idx="0"/>
+    <cs:fillRef idx="0"/>
+    <cs:effectRef idx="0"/>
+    <cs:fontRef idx="minor">
+      <a:schemeClr val="tx1"/>
+    </cs:fontRef>
+    <cs:spPr>
+      <a:ln w="9525" cap="flat" cmpd="sng" algn="ctr">
+        <a:solidFill>
+          <a:schemeClr val="tx1">
+            <a:lumMod val="65000"/>
+            <a:lumOff val="35000"/>
+          </a:schemeClr>
+        </a:solidFill>
+        <a:round/>
+      </a:ln>
+    </cs:spPr>
+  </cs:errorBar>
+  <cs:floor>
+    <cs:lnRef idx="0"/>
+    <cs:fillRef idx="0"/>
+    <cs:effectRef idx="0"/>
+    <cs:fontRef idx="minor">
+      <a:schemeClr val="tx1"/>
+    </cs:fontRef>
+    <cs:spPr>
+      <a:noFill/>
+      <a:ln>
+        <a:noFill/>
+      </a:ln>
+    </cs:spPr>
+  </cs:floor>
+  <cs:gridlineMajor>
+    <cs:lnRef idx="0"/>
+    <cs:fillRef idx="0"/>
+    <cs:effectRef idx="0"/>
+    <cs:fontRef idx="minor">
+      <a:schemeClr val="tx1"/>
+    </cs:fontRef>
+    <cs:spPr>
+      <a:ln w="9525" cap="flat" cmpd="sng" algn="ctr">
+        <a:solidFill>
+          <a:schemeClr val="tx1">
+            <a:lumMod val="15000"/>
+            <a:lumOff val="85000"/>
+          </a:schemeClr>
+        </a:solidFill>
+        <a:round/>
+      </a:ln>
+    </cs:spPr>
+  </cs:gridlineMajor>
+  <cs:gridlineMinor>
+    <cs:lnRef idx="0"/>
+    <cs:fillRef idx="0"/>
+    <cs:effectRef idx="0"/>
+    <cs:fontRef idx="minor">
+      <a:schemeClr val="tx1"/>
+    </cs:fontRef>
+    <cs:spPr>
+      <a:ln w="9525" cap="flat" cmpd="sng" algn="ctr">
+        <a:solidFill>
+          <a:schemeClr val="tx1">
+            <a:lumMod val="5000"/>
+            <a:lumOff val="95000"/>
+          </a:schemeClr>
+        </a:solidFill>
+        <a:round/>
+      </a:ln>
+    </cs:spPr>
+  </cs:gridlineMinor>
+  <cs:hiLoLine>
+    <cs:lnRef idx="0"/>
+    <cs:fillRef idx="0"/>
+    <cs:effectRef idx="0"/>
+    <cs:fontRef idx="minor">
+      <a:schemeClr val="tx1"/>
+    </cs:fontRef>
+    <cs:spPr>
+      <a:ln w="9525" cap="flat" cmpd="sng" algn="ctr">
+        <a:solidFill>
+          <a:schemeClr val="tx1">
+            <a:lumMod val="75000"/>
+            <a:lumOff val="25000"/>
+          </a:schemeClr>
+        </a:solidFill>
+        <a:round/>
+      </a:ln>
+    </cs:spPr>
+  </cs:hiLoLine>
+  <cs:leaderLine>
+    <cs:lnRef idx="0"/>
+    <cs:fillRef idx="0"/>
+    <cs:effectRef idx="0"/>
+    <cs:fontRef idx="minor">
+      <a:schemeClr val="tx1"/>
+    </cs:fontRef>
+    <cs:spPr>
+      <a:ln w="9525" cap="flat" cmpd="sng" algn="ctr">
+        <a:solidFill>
+          <a:schemeClr val="tx1">
+            <a:lumMod val="35000"/>
+            <a:lumOff val="65000"/>
+          </a:schemeClr>
+        </a:solidFill>
+        <a:round/>
+      </a:ln>
+    </cs:spPr>
+  </cs:leaderLine>
+  <cs:legend>
+    <cs:lnRef idx="0"/>
+    <cs:fillRef idx="0"/>
+    <cs:effectRef idx="0"/>
+    <cs:fontRef idx="minor">
+      <a:schemeClr val="tx1">
+        <a:lumMod val="65000"/>
+        <a:lumOff val="35000"/>
+      </a:schemeClr>
+    </cs:fontRef>
+    <cs:defRPr sz="900" kern="1200"/>
+  </cs:legend>
+  <cs:plotArea mods="allowNoFillOverride allowNoLineOverride">
+    <cs:lnRef idx="0"/>
+    <cs:fillRef idx="0"/>
+    <cs:effectRef idx="0"/>
+    <cs:fontRef idx="minor">
+      <a:schemeClr val="tx1"/>
+    </cs:fontRef>
+  </cs:plotArea>
+  <cs:plotArea3D mods="allowNoFillOverride allowNoLineOverride">
+    <cs:lnRef idx="0"/>
+    <cs:fillRef idx="0"/>
+    <cs:effectRef idx="0"/>
+    <cs:fontRef idx="minor">
+      <a:schemeClr val="tx1"/>
+    </cs:fontRef>
+  </cs:plotArea3D>
+  <cs:seriesAxis>
+    <cs:lnRef idx="0"/>
+    <cs:fillRef idx="0"/>
+    <cs:effectRef idx="0"/>
+    <cs:fontRef idx="minor">
+      <a:schemeClr val="tx1">
+        <a:lumMod val="65000"/>
+        <a:lumOff val="35000"/>
+      </a:schemeClr>
+    </cs:fontRef>
+    <cs:defRPr sz="900" kern="1200"/>
+  </cs:seriesAxis>
+  <cs:seriesLine>
+    <cs:lnRef idx="0"/>
+    <cs:fillRef idx="0"/>
+    <cs:effectRef idx="0"/>
+    <cs:fontRef idx="minor">
+      <a:schemeClr val="tx1"/>
+    </cs:fontRef>
+    <cs:spPr>
+      <a:ln w="9525" cap="flat" cmpd="sng" algn="ctr">
+        <a:solidFill>
+          <a:schemeClr val="tx1">
+            <a:lumMod val="35000"/>
+            <a:lumOff val="65000"/>
+          </a:schemeClr>
+        </a:solidFill>
+        <a:round/>
+      </a:ln>
+    </cs:spPr>
+  </cs:seriesLine>
+  <cs:title>
+    <cs:lnRef idx="0"/>
+    <cs:fillRef idx="0"/>
+    <cs:effectRef idx="0"/>
+    <cs:fontRef idx="minor">
+      <a:schemeClr val="tx1">
+        <a:lumMod val="65000"/>
+        <a:lumOff val="35000"/>
+      </a:schemeClr>
+    </cs:fontRef>
+    <cs:defRPr sz="1400" b="0" kern="1200" spc="0" baseline="0"/>
+  </cs:title>
+  <cs:trendline>
+    <cs:lnRef idx="0">
+      <cs:styleClr val="auto"/>
+    </cs:lnRef>
+    <cs:fillRef idx="0"/>
+    <cs:effectRef idx="0"/>
+    <cs:fontRef idx="minor">
+      <a:schemeClr val="tx1"/>
+    </cs:fontRef>
+    <cs:spPr>
+      <a:ln w="19050" cap="rnd">
+        <a:solidFill>
+          <a:schemeClr val="phClr"/>
+        </a:solidFill>
+        <a:prstDash val="sysDot"/>
+      </a:ln>
+    </cs:spPr>
+  </cs:trendline>
+  <cs:trendlineLabel>
+    <cs:lnRef idx="0"/>
+    <cs:fillRef idx="0"/>
+    <cs:effectRef idx="0"/>
+    <cs:fontRef idx="minor">
+      <a:schemeClr val="tx1">
+        <a:lumMod val="65000"/>
+        <a:lumOff val="35000"/>
+      </a:schemeClr>
+    </cs:fontRef>
+    <cs:defRPr sz="900" kern="1200"/>
+  </cs:trendlineLabel>
+  <cs:upBar>
+    <cs:lnRef idx="0"/>
+    <cs:fillRef idx="0"/>
+    <cs:effectRef idx="0"/>
+    <cs:fontRef idx="minor">
+      <a:schemeClr val="dk1"/>
+    </cs:fontRef>
+    <cs:spPr>
+      <a:solidFill>
+        <a:schemeClr val="lt1"/>
+      </a:solidFill>
+      <a:ln w="9525">
+        <a:solidFill>
+          <a:schemeClr val="tx1">
+            <a:lumMod val="15000"/>
+            <a:lumOff val="85000"/>
+          </a:schemeClr>
+        </a:solidFill>
+      </a:ln>
+    </cs:spPr>
+  </cs:upBar>
+  <cs:valueAxis>
+    <cs:lnRef idx="0"/>
+    <cs:fillRef idx="0"/>
+    <cs:effectRef idx="0"/>
+    <cs:fontRef idx="minor">
+      <a:schemeClr val="tx1">
+        <a:lumMod val="65000"/>
+        <a:lumOff val="35000"/>
+      </a:schemeClr>
+    </cs:fontRef>
+    <cs:defRPr sz="900" kern="1200"/>
+  </cs:valueAxis>
+  <cs:wall>
+    <cs:lnRef idx="0"/>
+    <cs:fillRef idx="0"/>
+    <cs:effectRef idx="0"/>
+    <cs:fontRef idx="minor">
+      <a:schemeClr val="tx1"/>
+    </cs:fontRef>
+    <cs:spPr>
+      <a:noFill/>
+      <a:ln>
+        <a:noFill/>
+      </a:ln>
+    </cs:spPr>
+  </cs:wall>
+</cs:chartStyle>
+</file>
+
+<file path=ppt/charts/style4.xml><?xml version="1.0" encoding="utf-8"?>
+<cs:chartStyle xmlns:cs="http://schemas.microsoft.com/office/drawing/2012/chartStyle" xmlns:a="http://schemas.openxmlformats.org/drawingml/2006/main" id="227">
+  <cs:axisTitle>
+    <cs:lnRef idx="0"/>
+    <cs:fillRef idx="0"/>
+    <cs:effectRef idx="0"/>
+    <cs:fontRef idx="minor">
+      <a:schemeClr val="tx1">
+        <a:lumMod val="65000"/>
+        <a:lumOff val="35000"/>
+      </a:schemeClr>
+    </cs:fontRef>
+    <cs:defRPr sz="1000" kern="1200"/>
+  </cs:axisTitle>
+  <cs:categoryAxis>
+    <cs:lnRef idx="0"/>
+    <cs:fillRef idx="0"/>
+    <cs:effectRef idx="0"/>
+    <cs:fontRef idx="minor">
+      <a:schemeClr val="tx1">
+        <a:lumMod val="65000"/>
+        <a:lumOff val="35000"/>
+      </a:schemeClr>
+    </cs:fontRef>
+    <cs:spPr>
+      <a:ln w="9525" cap="flat" cmpd="sng" algn="ctr">
+        <a:solidFill>
+          <a:schemeClr val="tx1">
+            <a:lumMod val="15000"/>
+            <a:lumOff val="85000"/>
+          </a:schemeClr>
+        </a:solidFill>
+        <a:round/>
+      </a:ln>
+    </cs:spPr>
+    <cs:defRPr sz="900" kern="1200"/>
+  </cs:categoryAxis>
+  <cs:chartArea mods="allowNoFillOverride allowNoLineOverride">
+    <cs:lnRef idx="0"/>
+    <cs:fillRef idx="0"/>
+    <cs:effectRef idx="0"/>
+    <cs:fontRef idx="minor">
+      <a:schemeClr val="tx1"/>
+    </cs:fontRef>
+    <cs:spPr>
+      <a:solidFill>
+        <a:schemeClr val="bg1"/>
+      </a:solidFill>
+      <a:ln w="9525" cap="flat" cmpd="sng" algn="ctr">
+        <a:solidFill>
+          <a:schemeClr val="tx1">
+            <a:lumMod val="15000"/>
+            <a:lumOff val="85000"/>
+          </a:schemeClr>
+        </a:solidFill>
+        <a:round/>
+      </a:ln>
+    </cs:spPr>
+    <cs:defRPr sz="1000" kern="1200"/>
+  </cs:chartArea>
+  <cs:dataLabel>
+    <cs:lnRef idx="0"/>
+    <cs:fillRef idx="0"/>
+    <cs:effectRef idx="0"/>
+    <cs:fontRef idx="minor">
+      <a:schemeClr val="tx1">
+        <a:lumMod val="75000"/>
+        <a:lumOff val="25000"/>
+      </a:schemeClr>
+    </cs:fontRef>
+    <cs:defRPr sz="900" kern="1200"/>
+  </cs:dataLabel>
+  <cs:dataLabelCallout>
+    <cs:lnRef idx="0"/>
+    <cs:fillRef idx="0"/>
+    <cs:effectRef idx="0"/>
+    <cs:fontRef idx="minor">
+      <a:schemeClr val="dk1">
+        <a:lumMod val="65000"/>
+        <a:lumOff val="35000"/>
+      </a:schemeClr>
+    </cs:fontRef>
+    <cs:spPr>
+      <a:solidFill>
+        <a:schemeClr val="lt1"/>
+      </a:solidFill>
+      <a:ln>
+        <a:solidFill>
+          <a:schemeClr val="dk1">
+            <a:lumMod val="25000"/>
+            <a:lumOff val="75000"/>
+          </a:schemeClr>
+        </a:solidFill>
+      </a:ln>
+    </cs:spPr>
+    <cs:defRPr sz="900" kern="1200"/>
+    <cs:bodyPr rot="0" spcFirstLastPara="1" vertOverflow="clip" horzOverflow="clip" vert="horz" wrap="square" lIns="36576" tIns="18288" rIns="36576" bIns="18288" anchor="ctr" anchorCtr="1">
+      <a:spAutoFit/>
+    </cs:bodyPr>
+  </cs:dataLabelCallout>
+  <cs:dataPoint>
+    <cs:lnRef idx="0"/>
+    <cs:fillRef idx="1">
+      <cs:styleClr val="auto"/>
+    </cs:fillRef>
+    <cs:effectRef idx="0"/>
+    <cs:fontRef idx="minor">
+      <a:schemeClr val="tx1"/>
+    </cs:fontRef>
+    <cs:spPr>
+      <a:solidFill>
+        <a:schemeClr val="phClr"/>
+      </a:solidFill>
+    </cs:spPr>
+  </cs:dataPoint>
+  <cs:dataPoint3D>
+    <cs:lnRef idx="0"/>
+    <cs:fillRef idx="1">
+      <cs:styleClr val="auto"/>
+    </cs:fillRef>
+    <cs:effectRef idx="0"/>
+    <cs:fontRef idx="minor">
+      <a:schemeClr val="tx1"/>
+    </cs:fontRef>
+    <cs:spPr>
+      <a:solidFill>
+        <a:schemeClr val="phClr"/>
+      </a:solidFill>
+    </cs:spPr>
+  </cs:dataPoint3D>
+  <cs:dataPointLine>
+    <cs:lnRef idx="0">
+      <cs:styleClr val="auto"/>
+    </cs:lnRef>
+    <cs:fillRef idx="1"/>
+    <cs:effectRef idx="0"/>
+    <cs:fontRef idx="minor">
+      <a:schemeClr val="tx1"/>
+    </cs:fontRef>
+    <cs:spPr>
+      <a:ln w="28575" cap="rnd">
+        <a:solidFill>
+          <a:schemeClr val="phClr"/>
+        </a:solidFill>
+        <a:round/>
+      </a:ln>
+    </cs:spPr>
+  </cs:dataPointLine>
+  <cs:dataPointMarker>
+    <cs:lnRef idx="0">
+      <cs:styleClr val="auto"/>
+    </cs:lnRef>
+    <cs:fillRef idx="1">
+      <cs:styleClr val="auto"/>
+    </cs:fillRef>
+    <cs:effectRef idx="0"/>
+    <cs:fontRef idx="minor">
+      <a:schemeClr val="tx1"/>
+    </cs:fontRef>
+    <cs:spPr>
+      <a:solidFill>
+        <a:schemeClr val="phClr"/>
+      </a:solidFill>
+      <a:ln w="9525">
+        <a:solidFill>
+          <a:schemeClr val="phClr"/>
+        </a:solidFill>
+      </a:ln>
+    </cs:spPr>
+  </cs:dataPointMarker>
+  <cs:dataPointMarkerLayout symbol="circle" size="5"/>
+  <cs:dataPointWireframe>
+    <cs:lnRef idx="0">
+      <cs:styleClr val="auto"/>
+    </cs:lnRef>
+    <cs:fillRef idx="1"/>
+    <cs:effectRef idx="0"/>
+    <cs:fontRef idx="minor">
+      <a:schemeClr val="tx1"/>
+    </cs:fontRef>
+    <cs:spPr>
+      <a:ln w="9525" cap="rnd">
+        <a:solidFill>
+          <a:schemeClr val="phClr"/>
+        </a:solidFill>
+        <a:round/>
+      </a:ln>
+    </cs:spPr>
+  </cs:dataPointWireframe>
+  <cs:dataTable>
+    <cs:lnRef idx="0"/>
+    <cs:fillRef idx="0"/>
+    <cs:effectRef idx="0"/>
+    <cs:fontRef idx="minor">
+      <a:schemeClr val="tx1">
+        <a:lumMod val="65000"/>
+        <a:lumOff val="35000"/>
+      </a:schemeClr>
+    </cs:fontRef>
+    <cs:spPr>
+      <a:noFill/>
+      <a:ln w="9525" cap="flat" cmpd="sng" algn="ctr">
+        <a:solidFill>
+          <a:schemeClr val="tx1">
+            <a:lumMod val="15000"/>
+            <a:lumOff val="85000"/>
+          </a:schemeClr>
+        </a:solidFill>
+        <a:round/>
+      </a:ln>
+    </cs:spPr>
+    <cs:defRPr sz="900" kern="1200"/>
+  </cs:dataTable>
+  <cs:downBar>
+    <cs:lnRef idx="0"/>
+    <cs:fillRef idx="0"/>
+    <cs:effectRef idx="0"/>
+    <cs:fontRef idx="minor">
+      <a:schemeClr val="dk1"/>
+    </cs:fontRef>
+    <cs:spPr>
+      <a:solidFill>
+        <a:schemeClr val="dk1">
+          <a:lumMod val="65000"/>
+          <a:lumOff val="35000"/>
+        </a:schemeClr>
+      </a:solidFill>
+      <a:ln w="9525">
+        <a:solidFill>
+          <a:schemeClr val="tx1">
+            <a:lumMod val="65000"/>
+            <a:lumOff val="35000"/>
+          </a:schemeClr>
+        </a:solidFill>
+      </a:ln>
+    </cs:spPr>
+  </cs:downBar>
+  <cs:dropLine>
+    <cs:lnRef idx="0"/>
+    <cs:fillRef idx="0"/>
+    <cs:effectRef idx="0"/>
+    <cs:fontRef idx="minor">
+      <a:schemeClr val="tx1"/>
+    </cs:fontRef>
+    <cs:spPr>
+      <a:ln w="9525" cap="flat" cmpd="sng" algn="ctr">
+        <a:solidFill>
+          <a:schemeClr val="tx1">
+            <a:lumMod val="35000"/>
+            <a:lumOff val="65000"/>
+          </a:schemeClr>
+        </a:solidFill>
+        <a:round/>
+      </a:ln>
+    </cs:spPr>
+  </cs:dropLine>
+  <cs:errorBar>
+    <cs:lnRef idx="0"/>
+    <cs:fillRef idx="0"/>
+    <cs:effectRef idx="0"/>
+    <cs:fontRef idx="minor">
+      <a:schemeClr val="tx1"/>
+    </cs:fontRef>
+    <cs:spPr>
+      <a:ln w="9525" cap="flat" cmpd="sng" algn="ctr">
+        <a:solidFill>
+          <a:schemeClr val="tx1">
+            <a:lumMod val="65000"/>
+            <a:lumOff val="35000"/>
+          </a:schemeClr>
+        </a:solidFill>
+        <a:round/>
+      </a:ln>
+    </cs:spPr>
+  </cs:errorBar>
+  <cs:floor>
+    <cs:lnRef idx="0"/>
+    <cs:fillRef idx="0"/>
+    <cs:effectRef idx="0"/>
+    <cs:fontRef idx="minor">
+      <a:schemeClr val="tx1"/>
+    </cs:fontRef>
+    <cs:spPr>
+      <a:noFill/>
+      <a:ln>
+        <a:noFill/>
+      </a:ln>
+    </cs:spPr>
+  </cs:floor>
+  <cs:gridlineMajor>
+    <cs:lnRef idx="0"/>
+    <cs:fillRef idx="0"/>
+    <cs:effectRef idx="0"/>
+    <cs:fontRef idx="minor">
+      <a:schemeClr val="tx1"/>
+    </cs:fontRef>
+    <cs:spPr>
+      <a:ln w="9525" cap="flat" cmpd="sng" algn="ctr">
+        <a:solidFill>
+          <a:schemeClr val="tx1">
+            <a:lumMod val="15000"/>
+            <a:lumOff val="85000"/>
+          </a:schemeClr>
+        </a:solidFill>
+        <a:round/>
+      </a:ln>
+    </cs:spPr>
+  </cs:gridlineMajor>
+  <cs:gridlineMinor>
+    <cs:lnRef idx="0"/>
+    <cs:fillRef idx="0"/>
+    <cs:effectRef idx="0"/>
+    <cs:fontRef idx="minor">
+      <a:schemeClr val="tx1"/>
+    </cs:fontRef>
+    <cs:spPr>
+      <a:ln w="9525" cap="flat" cmpd="sng" algn="ctr">
+        <a:solidFill>
+          <a:schemeClr val="tx1">
+            <a:lumMod val="5000"/>
+            <a:lumOff val="95000"/>
+          </a:schemeClr>
+        </a:solidFill>
+        <a:round/>
+      </a:ln>
+    </cs:spPr>
+  </cs:gridlineMinor>
+  <cs:hiLoLine>
+    <cs:lnRef idx="0"/>
+    <cs:fillRef idx="0"/>
+    <cs:effectRef idx="0"/>
+    <cs:fontRef idx="minor">
+      <a:schemeClr val="tx1"/>
+    </cs:fontRef>
+    <cs:spPr>
+      <a:ln w="9525" cap="flat" cmpd="sng" algn="ctr">
+        <a:solidFill>
+          <a:schemeClr val="tx1">
+            <a:lumMod val="75000"/>
+            <a:lumOff val="25000"/>
+          </a:schemeClr>
+        </a:solidFill>
+        <a:round/>
+      </a:ln>
+    </cs:spPr>
+  </cs:hiLoLine>
+  <cs:leaderLine>
+    <cs:lnRef idx="0"/>
+    <cs:fillRef idx="0"/>
+    <cs:effectRef idx="0"/>
+    <cs:fontRef idx="minor">
+      <a:schemeClr val="tx1"/>
+    </cs:fontRef>
+    <cs:spPr>
+      <a:ln w="9525" cap="flat" cmpd="sng" algn="ctr">
+        <a:solidFill>
+          <a:schemeClr val="tx1">
+            <a:lumMod val="35000"/>
+            <a:lumOff val="65000"/>
+          </a:schemeClr>
+        </a:solidFill>
+        <a:round/>
+      </a:ln>
+    </cs:spPr>
+  </cs:leaderLine>
+  <cs:legend>
+    <cs:lnRef idx="0"/>
+    <cs:fillRef idx="0"/>
+    <cs:effectRef idx="0"/>
+    <cs:fontRef idx="minor">
+      <a:schemeClr val="tx1">
+        <a:lumMod val="65000"/>
+        <a:lumOff val="35000"/>
+      </a:schemeClr>
+    </cs:fontRef>
+    <cs:defRPr sz="900" kern="1200"/>
+  </cs:legend>
+  <cs:plotArea mods="allowNoFillOverride allowNoLineOverride">
+    <cs:lnRef idx="0"/>
+    <cs:fillRef idx="0"/>
+    <cs:effectRef idx="0"/>
+    <cs:fontRef idx="minor">
+      <a:schemeClr val="tx1"/>
+    </cs:fontRef>
+  </cs:plotArea>
+  <cs:plotArea3D mods="allowNoFillOverride allowNoLineOverride">
+    <cs:lnRef idx="0"/>
+    <cs:fillRef idx="0"/>
+    <cs:effectRef idx="0"/>
+    <cs:fontRef idx="minor">
+      <a:schemeClr val="tx1"/>
+    </cs:fontRef>
+  </cs:plotArea3D>
+  <cs:seriesAxis>
+    <cs:lnRef idx="0"/>
+    <cs:fillRef idx="0"/>
+    <cs:effectRef idx="0"/>
+    <cs:fontRef idx="minor">
+      <a:schemeClr val="tx1">
+        <a:lumMod val="65000"/>
+        <a:lumOff val="35000"/>
+      </a:schemeClr>
+    </cs:fontRef>
+    <cs:defRPr sz="900" kern="1200"/>
+  </cs:seriesAxis>
+  <cs:seriesLine>
+    <cs:lnRef idx="0"/>
+    <cs:fillRef idx="0"/>
+    <cs:effectRef idx="0"/>
+    <cs:fontRef idx="minor">
+      <a:schemeClr val="tx1"/>
+    </cs:fontRef>
+    <cs:spPr>
+      <a:ln w="9525" cap="flat" cmpd="sng" algn="ctr">
+        <a:solidFill>
+          <a:schemeClr val="tx1">
+            <a:lumMod val="35000"/>
+            <a:lumOff val="65000"/>
+          </a:schemeClr>
+        </a:solidFill>
+        <a:round/>
+      </a:ln>
+    </cs:spPr>
+  </cs:seriesLine>
+  <cs:title>
+    <cs:lnRef idx="0"/>
+    <cs:fillRef idx="0"/>
+    <cs:effectRef idx="0"/>
+    <cs:fontRef idx="minor">
+      <a:schemeClr val="tx1">
+        <a:lumMod val="65000"/>
+        <a:lumOff val="35000"/>
+      </a:schemeClr>
+    </cs:fontRef>
+    <cs:defRPr sz="1400" b="0" kern="1200" spc="0" baseline="0"/>
+  </cs:title>
+  <cs:trendline>
+    <cs:lnRef idx="0">
+      <cs:styleClr val="auto"/>
+    </cs:lnRef>
+    <cs:fillRef idx="0"/>
+    <cs:effectRef idx="0"/>
+    <cs:fontRef idx="minor">
+      <a:schemeClr val="tx1"/>
+    </cs:fontRef>
+    <cs:spPr>
+      <a:ln w="19050" cap="rnd">
+        <a:solidFill>
+          <a:schemeClr val="phClr"/>
+        </a:solidFill>
+        <a:prstDash val="sysDot"/>
+      </a:ln>
+    </cs:spPr>
+  </cs:trendline>
+  <cs:trendlineLabel>
+    <cs:lnRef idx="0"/>
+    <cs:fillRef idx="0"/>
+    <cs:effectRef idx="0"/>
+    <cs:fontRef idx="minor">
+      <a:schemeClr val="tx1">
+        <a:lumMod val="65000"/>
+        <a:lumOff val="35000"/>
+      </a:schemeClr>
+    </cs:fontRef>
+    <cs:defRPr sz="900" kern="1200"/>
+  </cs:trendlineLabel>
+  <cs:upBar>
+    <cs:lnRef idx="0"/>
+    <cs:fillRef idx="0"/>
+    <cs:effectRef idx="0"/>
+    <cs:fontRef idx="minor">
+      <a:schemeClr val="dk1"/>
+    </cs:fontRef>
+    <cs:spPr>
+      <a:solidFill>
+        <a:schemeClr val="lt1"/>
+      </a:solidFill>
+      <a:ln w="9525">
+        <a:solidFill>
+          <a:schemeClr val="tx1">
+            <a:lumMod val="15000"/>
+            <a:lumOff val="85000"/>
+          </a:schemeClr>
+        </a:solidFill>
+      </a:ln>
+    </cs:spPr>
+  </cs:upBar>
+  <cs:valueAxis>
+    <cs:lnRef idx="0"/>
+    <cs:fillRef idx="0"/>
+    <cs:effectRef idx="0"/>
+    <cs:fontRef idx="minor">
+      <a:schemeClr val="tx1">
+        <a:lumMod val="65000"/>
+        <a:lumOff val="35000"/>
+      </a:schemeClr>
+    </cs:fontRef>
+    <cs:defRPr sz="900" kern="1200"/>
+  </cs:valueAxis>
+  <cs:wall>
+    <cs:lnRef idx="0"/>
+    <cs:fillRef idx="0"/>
+    <cs:effectRef idx="0"/>
+    <cs:fontRef idx="minor">
+      <a:schemeClr val="tx1"/>
+    </cs:fontRef>
+    <cs:spPr>
+      <a:noFill/>
+      <a:ln>
+        <a:noFill/>
+      </a:ln>
+    </cs:spPr>
+  </cs:wall>
+</cs:chartStyle>
 </file>
 
 <file path=ppt/slideLayouts/slideLayout1.xml><?xml version="1.0" encoding="utf-8"?>
@@ -5108,10 +10894,15 @@
             <p:ph type="title"/>
           </p:nvPr>
         </p:nvSpPr>
-        <p:spPr/>
+        <p:spPr>
+          <a:xfrm>
+            <a:off x="838200" y="131763"/>
+            <a:ext cx="10515600" cy="363188"/>
+          </a:xfrm>
+        </p:spPr>
         <p:txBody>
           <a:bodyPr>
-            <a:normAutofit/>
+            <a:normAutofit fontScale="90000"/>
           </a:bodyPr>
           <a:lstStyle/>
           <a:p>
@@ -5138,10 +10929,15 @@
             <p:ph idx="1"/>
           </p:nvPr>
         </p:nvSpPr>
-        <p:spPr/>
+        <p:spPr>
+          <a:xfrm>
+            <a:off x="9152389" y="681037"/>
+            <a:ext cx="2872530" cy="5985775"/>
+          </a:xfrm>
+        </p:spPr>
         <p:txBody>
           <a:bodyPr>
-            <a:normAutofit fontScale="92500" lnSpcReduction="20000"/>
+            <a:normAutofit fontScale="55000" lnSpcReduction="20000"/>
           </a:bodyPr>
           <a:lstStyle/>
           <a:p>
@@ -5196,7 +10992,7 @@
             </a:pPr>
             <a:r>
               <a:rPr lang="en-GB" dirty="0"/>
-              <a:t>Stuff</a:t>
+              <a:t>We can see that from 1 to 2 pipelines the IPC is roughly doubled for each of the benchmarks. However from 2 to 4 pipelines, this IPC gain slows down to approximately 55%. </a:t>
             </a:r>
           </a:p>
           <a:p>
@@ -5204,22 +11000,72 @@
               <a:buNone/>
             </a:pPr>
             <a:r>
-              <a:rPr lang="en-GB" b="1" u="sng" dirty="0"/>
-              <a:t>Comments</a:t>
-            </a:r>
-          </a:p>
-          <a:p>
-            <a:pPr marL="0" indent="0">
-              <a:buNone/>
-            </a:pPr>
-            <a:r>
-              <a:rPr lang="en-GB" dirty="0" err="1"/>
-              <a:t>hh</a:t>
-            </a:r>
-            <a:endParaRPr lang="en-GB" dirty="0"/>
+              <a:rPr lang="en-GB" dirty="0"/>
+              <a:t>Similarly with the cycle count, from 1 to 2 pipelines we see a halving in the number of cycles each benchmark takes. Differently from the IPC measure however, with the exception of Vector Addition, increasing from 2 to 4 pipelines also sees another halving in how many cycles each benchmark takes.</a:t>
+            </a:r>
           </a:p>
         </p:txBody>
       </p:sp>
+      <p:graphicFrame>
+        <p:nvGraphicFramePr>
+          <p:cNvPr id="8" name="Chart 7">
+            <a:extLst>
+              <a:ext uri="{FF2B5EF4-FFF2-40B4-BE49-F238E27FC236}">
+                <a16:creationId xmlns:a16="http://schemas.microsoft.com/office/drawing/2014/main" id="{B93E8E7A-40ED-469B-914C-46D8CB097A70}"/>
+              </a:ext>
+            </a:extLst>
+          </p:cNvPr>
+          <p:cNvGraphicFramePr>
+            <a:graphicFrameLocks/>
+          </p:cNvGraphicFramePr>
+          <p:nvPr>
+            <p:extLst>
+              <p:ext uri="{D42A27DB-BD31-4B8C-83A1-F6EECF244321}">
+                <p14:modId xmlns:p14="http://schemas.microsoft.com/office/powerpoint/2010/main" val="599911854"/>
+              </p:ext>
+            </p:extLst>
+          </p:nvPr>
+        </p:nvGraphicFramePr>
+        <p:xfrm>
+          <a:off x="1887731" y="681037"/>
+          <a:ext cx="5076039" cy="2747963"/>
+        </p:xfrm>
+        <a:graphic>
+          <a:graphicData uri="http://schemas.openxmlformats.org/drawingml/2006/chart">
+            <c:chart xmlns:c="http://schemas.openxmlformats.org/drawingml/2006/chart" xmlns:r="http://schemas.openxmlformats.org/officeDocument/2006/relationships" r:id="rId2"/>
+          </a:graphicData>
+        </a:graphic>
+      </p:graphicFrame>
+      <p:graphicFrame>
+        <p:nvGraphicFramePr>
+          <p:cNvPr id="9" name="Chart 8">
+            <a:extLst>
+              <a:ext uri="{FF2B5EF4-FFF2-40B4-BE49-F238E27FC236}">
+                <a16:creationId xmlns:a16="http://schemas.microsoft.com/office/drawing/2014/main" id="{3A7BD3E1-6F46-4575-A51F-D10A55C3611C}"/>
+              </a:ext>
+            </a:extLst>
+          </p:cNvPr>
+          <p:cNvGraphicFramePr>
+            <a:graphicFrameLocks/>
+          </p:cNvGraphicFramePr>
+          <p:nvPr>
+            <p:extLst>
+              <p:ext uri="{D42A27DB-BD31-4B8C-83A1-F6EECF244321}">
+                <p14:modId xmlns:p14="http://schemas.microsoft.com/office/powerpoint/2010/main" val="3594498794"/>
+              </p:ext>
+            </p:extLst>
+          </p:nvPr>
+        </p:nvGraphicFramePr>
+        <p:xfrm>
+          <a:off x="1343356" y="3234086"/>
+          <a:ext cx="6164791" cy="3678237"/>
+        </p:xfrm>
+        <a:graphic>
+          <a:graphicData uri="http://schemas.openxmlformats.org/drawingml/2006/chart">
+            <c:chart xmlns:c="http://schemas.openxmlformats.org/drawingml/2006/chart" xmlns:r="http://schemas.openxmlformats.org/officeDocument/2006/relationships" r:id="rId3"/>
+          </a:graphicData>
+        </a:graphic>
+      </p:graphicFrame>
     </p:spTree>
     <p:extLst>
       <p:ext uri="{BB962C8B-B14F-4D97-AF65-F5344CB8AC3E}">
@@ -5266,7 +11112,12 @@
             <p:ph type="title"/>
           </p:nvPr>
         </p:nvSpPr>
-        <p:spPr/>
+        <p:spPr>
+          <a:xfrm>
+            <a:off x="838200" y="365126"/>
+            <a:ext cx="10515600" cy="792556"/>
+          </a:xfrm>
+        </p:spPr>
         <p:txBody>
           <a:bodyPr>
             <a:normAutofit/>
@@ -5298,13 +11149,13 @@
         </p:nvSpPr>
         <p:spPr>
           <a:xfrm>
-            <a:off x="838200" y="1825625"/>
-            <a:ext cx="10515600" cy="4351338"/>
+            <a:off x="9286613" y="1048624"/>
+            <a:ext cx="2067186" cy="5687736"/>
           </a:xfrm>
         </p:spPr>
         <p:txBody>
           <a:bodyPr>
-            <a:normAutofit fontScale="92500" lnSpcReduction="20000"/>
+            <a:normAutofit fontScale="32500" lnSpcReduction="20000"/>
           </a:bodyPr>
           <a:lstStyle/>
           <a:p>
@@ -5322,7 +11173,7 @@
             </a:pPr>
             <a:r>
               <a:rPr lang="en-GB" dirty="0"/>
-              <a:t>For each of the benchmark programs, Fixed and Static prediction will achieve similar results. 1-bit and 2-bit Dynamic  will also have similar results, whilst outperforming Static and Fixed branch prediction.</a:t>
+              <a:t>For each of the benchmark programs, each successive branch prediction method will decrease the number of processor flushes required. With Fixed causing the most, then Static, 1-bit Dynamic, then 2-bit Dynamic with the fewest flushes.</a:t>
             </a:r>
           </a:p>
           <a:p>
@@ -5341,7 +11192,7 @@
             </a:pPr>
             <a:r>
               <a:rPr lang="en-GB" dirty="0"/>
-              <a:t>For a 4 pipeline processor with 512-bit ROB, test each branch prediction type and compare the IPC, correct predictions, and number of pipeline flushes.</a:t>
+              <a:t>For a 4 pipeline processor with 512-bit ROB, test each branch prediction type and compare the number of flushes performed.</a:t>
             </a:r>
           </a:p>
           <a:p>
@@ -5359,7 +11210,7 @@
             </a:pPr>
             <a:r>
               <a:rPr lang="en-GB" dirty="0"/>
-              <a:t>Stuff</a:t>
+              <a:t>Across the board we see varying results for each branch prediction type. For the first 4 benchmarks, all predictors a yield similar number of flushes which is most likely down to the nature of the programs themselves - mainly having unconditional and backwards jumping branches. This means that all our predictor types will predict taken, which more often than not is correct.</a:t>
             </a:r>
           </a:p>
           <a:p>
@@ -5367,8 +11218,8 @@
               <a:buNone/>
             </a:pPr>
             <a:r>
-              <a:rPr lang="en-GB" b="1" u="sng" dirty="0"/>
-              <a:t>Comments</a:t>
+              <a:rPr lang="en-GB" dirty="0"/>
+              <a:t>Our Game of Life benchmark yields our hypothesised result, probably due to its branches jumping forwards often, being mostly unconditional branches, and being variable whether they are taken or not.</a:t>
             </a:r>
           </a:p>
           <a:p>
@@ -5376,13 +11227,42 @@
               <a:buNone/>
             </a:pPr>
             <a:r>
-              <a:rPr lang="en-GB" dirty="0" err="1"/>
-              <a:t>hh</a:t>
-            </a:r>
-            <a:endParaRPr lang="en-GB" dirty="0"/>
+              <a:rPr lang="en-GB" dirty="0"/>
+              <a:t>Whilst the Quick Sort results may seem odd at first, it is the only script to use the JMP command, which takes a register value as the jump address. Furthermore, this jump is always a forward jump in this particular benchmark. Seeing as the Static predictor always predicts False for forward jumping branches, this explains the huge increase in the number of flushes required. The other branch predictor variants are very similar, such as the rest of the scripts.</a:t>
+            </a:r>
           </a:p>
         </p:txBody>
       </p:sp>
+      <p:graphicFrame>
+        <p:nvGraphicFramePr>
+          <p:cNvPr id="6" name="Chart 5">
+            <a:extLst>
+              <a:ext uri="{FF2B5EF4-FFF2-40B4-BE49-F238E27FC236}">
+                <a16:creationId xmlns:a16="http://schemas.microsoft.com/office/drawing/2014/main" id="{A2FCA7CF-3AE8-48D4-96FB-BEF1C6850B8A}"/>
+              </a:ext>
+            </a:extLst>
+          </p:cNvPr>
+          <p:cNvGraphicFramePr>
+            <a:graphicFrameLocks/>
+          </p:cNvGraphicFramePr>
+          <p:nvPr>
+            <p:extLst>
+              <p:ext uri="{D42A27DB-BD31-4B8C-83A1-F6EECF244321}">
+                <p14:modId xmlns:p14="http://schemas.microsoft.com/office/powerpoint/2010/main" val="1531628046"/>
+              </p:ext>
+            </p:extLst>
+          </p:nvPr>
+        </p:nvGraphicFramePr>
+        <p:xfrm>
+          <a:off x="560166" y="1157682"/>
+          <a:ext cx="8545286" cy="5358493"/>
+        </p:xfrm>
+        <a:graphic>
+          <a:graphicData uri="http://schemas.openxmlformats.org/drawingml/2006/chart">
+            <c:chart xmlns:c="http://schemas.openxmlformats.org/drawingml/2006/chart" xmlns:r="http://schemas.openxmlformats.org/officeDocument/2006/relationships" r:id="rId2"/>
+          </a:graphicData>
+        </a:graphic>
+      </p:graphicFrame>
     </p:spTree>
     <p:extLst>
       <p:ext uri="{BB962C8B-B14F-4D97-AF65-F5344CB8AC3E}">
@@ -5438,7 +11318,7 @@
           <a:p>
             <a:r>
               <a:rPr lang="en-GB" sz="4000" u="sng" dirty="0"/>
-              <a:t>Experiment #3 – Size of Re-Order Buffer</a:t>
+              <a:t>Experiment #3 – Size of Re-Order Buffer (ROB)</a:t>
             </a:r>
           </a:p>
         </p:txBody>
@@ -5461,13 +11341,13 @@
         </p:nvSpPr>
         <p:spPr>
           <a:xfrm>
-            <a:off x="838200" y="1825625"/>
-            <a:ext cx="10515600" cy="4351338"/>
+            <a:off x="9462783" y="1825624"/>
+            <a:ext cx="2382472" cy="4759733"/>
           </a:xfrm>
         </p:spPr>
         <p:txBody>
           <a:bodyPr>
-            <a:normAutofit fontScale="92500" lnSpcReduction="10000"/>
+            <a:normAutofit fontScale="40000" lnSpcReduction="20000"/>
           </a:bodyPr>
           <a:lstStyle/>
           <a:p>
@@ -5485,7 +11365,7 @@
             </a:pPr>
             <a:r>
               <a:rPr lang="en-GB" dirty="0"/>
-              <a:t>An increased ROB size will increase the IPC and reduce the number of stalls.</a:t>
+              <a:t>An increased ROB size will increase the IPC and reduce the number of stalls and cycles.</a:t>
             </a:r>
           </a:p>
           <a:p>
@@ -5522,7 +11402,7 @@
             </a:pPr>
             <a:r>
               <a:rPr lang="en-GB" dirty="0"/>
-              <a:t>Stuff</a:t>
+              <a:t>As predicted, increasing the number of entries the ROB has also increases the IPC for the most part. From about 64 to 128 entries, we see the IPC level off, which tells us that the system is bottle-necked else where. This is most likely the size of the reservation stations in each pipeline, as if they are full then no instruction can be decoded and allocated a ROB position. </a:t>
             </a:r>
           </a:p>
           <a:p>
@@ -5530,22 +11410,42 @@
               <a:buNone/>
             </a:pPr>
             <a:r>
-              <a:rPr lang="en-GB" b="1" u="sng" dirty="0"/>
-              <a:t>Comments</a:t>
-            </a:r>
-          </a:p>
-          <a:p>
-            <a:pPr marL="0" indent="0">
-              <a:buNone/>
-            </a:pPr>
-            <a:r>
-              <a:rPr lang="en-GB" dirty="0" err="1"/>
-              <a:t>hh</a:t>
-            </a:r>
-            <a:endParaRPr lang="en-GB" dirty="0"/>
+              <a:rPr lang="en-GB" dirty="0"/>
+              <a:t>It could also be limited by the number of EUs inside each pipeline, however, it is unclear without testing how much performance could be gained, or how many more reservation station spaces or EUs would be needed to see a further increase in the IPC. </a:t>
+            </a:r>
           </a:p>
         </p:txBody>
       </p:sp>
+      <p:graphicFrame>
+        <p:nvGraphicFramePr>
+          <p:cNvPr id="5" name="Chart 4">
+            <a:extLst>
+              <a:ext uri="{FF2B5EF4-FFF2-40B4-BE49-F238E27FC236}">
+                <a16:creationId xmlns:a16="http://schemas.microsoft.com/office/drawing/2014/main" id="{46BF21B4-AB68-4BB7-875D-BDEA0B4BEF3A}"/>
+              </a:ext>
+            </a:extLst>
+          </p:cNvPr>
+          <p:cNvGraphicFramePr>
+            <a:graphicFrameLocks/>
+          </p:cNvGraphicFramePr>
+          <p:nvPr>
+            <p:extLst>
+              <p:ext uri="{D42A27DB-BD31-4B8C-83A1-F6EECF244321}">
+                <p14:modId xmlns:p14="http://schemas.microsoft.com/office/powerpoint/2010/main" val="1513273155"/>
+              </p:ext>
+            </p:extLst>
+          </p:nvPr>
+        </p:nvGraphicFramePr>
+        <p:xfrm>
+          <a:off x="426811" y="1814739"/>
+          <a:ext cx="9103178" cy="4678136"/>
+        </p:xfrm>
+        <a:graphic>
+          <a:graphicData uri="http://schemas.openxmlformats.org/drawingml/2006/chart">
+            <c:chart xmlns:c="http://schemas.openxmlformats.org/drawingml/2006/chart" xmlns:r="http://schemas.openxmlformats.org/officeDocument/2006/relationships" r:id="rId2"/>
+          </a:graphicData>
+        </a:graphic>
+      </p:graphicFrame>
     </p:spTree>
     <p:extLst>
       <p:ext uri="{BB962C8B-B14F-4D97-AF65-F5344CB8AC3E}">

--- a/Processor_Sim_Project/Additional Files/Superscalar Processor Simulator Presentation.pptx
+++ b/Processor_Sim_Project/Additional Files/Superscalar Processor Simulator Presentation.pptx
@@ -2041,6 +2041,50 @@
           </c:spPr>
           <c:invertIfNegative val="0"/>
           <c:dLbls>
+            <c:dLbl>
+              <c:idx val="0"/>
+              <c:layout>
+                <c:manualLayout>
+                  <c:x val="0"/>
+                  <c:y val="-7.1102080379688839E-3"/>
+                </c:manualLayout>
+              </c:layout>
+              <c:dLblPos val="outEnd"/>
+              <c:showLegendKey val="0"/>
+              <c:showVal val="1"/>
+              <c:showCatName val="0"/>
+              <c:showSerName val="0"/>
+              <c:showPercent val="0"/>
+              <c:showBubbleSize val="0"/>
+              <c:extLst>
+                <c:ext xmlns:c15="http://schemas.microsoft.com/office/drawing/2012/chart" uri="{CE6537A1-D6FC-4f65-9D91-7224C49458BB}"/>
+                <c:ext xmlns:c16="http://schemas.microsoft.com/office/drawing/2014/chart" uri="{C3380CC4-5D6E-409C-BE32-E72D297353CC}">
+                  <c16:uniqueId val="{00000000-2953-48F5-819A-CD35888C8882}"/>
+                </c:ext>
+              </c:extLst>
+            </c:dLbl>
+            <c:dLbl>
+              <c:idx val="4"/>
+              <c:layout>
+                <c:manualLayout>
+                  <c:x val="-4.4585985770400193E-3"/>
+                  <c:y val="-8.690153879229464E-17"/>
+                </c:manualLayout>
+              </c:layout>
+              <c:dLblPos val="outEnd"/>
+              <c:showLegendKey val="0"/>
+              <c:showVal val="1"/>
+              <c:showCatName val="0"/>
+              <c:showSerName val="0"/>
+              <c:showPercent val="0"/>
+              <c:showBubbleSize val="0"/>
+              <c:extLst>
+                <c:ext xmlns:c15="http://schemas.microsoft.com/office/drawing/2012/chart" uri="{CE6537A1-D6FC-4f65-9D91-7224C49458BB}"/>
+                <c:ext xmlns:c16="http://schemas.microsoft.com/office/drawing/2014/chart" uri="{C3380CC4-5D6E-409C-BE32-E72D297353CC}">
+                  <c16:uniqueId val="{00000002-2953-48F5-819A-CD35888C8882}"/>
+                </c:ext>
+              </c:extLst>
+            </c:dLbl>
             <c:spPr>
               <a:noFill/>
               <a:ln>
@@ -2185,6 +2229,28 @@
           </c:spPr>
           <c:invertIfNegative val="0"/>
           <c:dLbls>
+            <c:dLbl>
+              <c:idx val="5"/>
+              <c:layout>
+                <c:manualLayout>
+                  <c:x val="7.4309976284000325E-3"/>
+                  <c:y val="-7.1102080379688839E-3"/>
+                </c:manualLayout>
+              </c:layout>
+              <c:dLblPos val="outEnd"/>
+              <c:showLegendKey val="0"/>
+              <c:showVal val="1"/>
+              <c:showCatName val="0"/>
+              <c:showSerName val="0"/>
+              <c:showPercent val="0"/>
+              <c:showBubbleSize val="0"/>
+              <c:extLst>
+                <c:ext xmlns:c15="http://schemas.microsoft.com/office/drawing/2012/chart" uri="{CE6537A1-D6FC-4f65-9D91-7224C49458BB}"/>
+                <c:ext xmlns:c16="http://schemas.microsoft.com/office/drawing/2014/chart" uri="{C3380CC4-5D6E-409C-BE32-E72D297353CC}">
+                  <c16:uniqueId val="{00000001-2953-48F5-819A-CD35888C8882}"/>
+                </c:ext>
+              </c:extLst>
+            </c:dLbl>
             <c:spPr>
               <a:noFill/>
               <a:ln>
@@ -2333,8 +2399,8 @@
               <c:idx val="4"/>
               <c:layout>
                 <c:manualLayout>
-                  <c:x val="0"/>
-                  <c:y val="-3.7921109535834226E-2"/>
+                  <c:x val="4.4585985770400193E-3"/>
+                  <c:y val="-4.0291178881823764E-2"/>
                 </c:manualLayout>
               </c:layout>
               <c:dLblPos val="outEnd"/>
@@ -2872,6 +2938,37 @@
         <a:effectLst/>
       </c:spPr>
     </c:plotArea>
+    <c:legend>
+      <c:legendPos val="r"/>
+      <c:overlay val="0"/>
+      <c:spPr>
+        <a:noFill/>
+        <a:ln>
+          <a:noFill/>
+        </a:ln>
+        <a:effectLst/>
+      </c:spPr>
+      <c:txPr>
+        <a:bodyPr rot="0" spcFirstLastPara="1" vertOverflow="ellipsis" vert="horz" wrap="square" anchor="ctr" anchorCtr="1"/>
+        <a:lstStyle/>
+        <a:p>
+          <a:pPr>
+            <a:defRPr sz="900" b="0" i="0" u="none" strike="noStrike" kern="1200" baseline="0">
+              <a:solidFill>
+                <a:schemeClr val="tx1">
+                  <a:lumMod val="65000"/>
+                  <a:lumOff val="35000"/>
+                </a:schemeClr>
+              </a:solidFill>
+              <a:latin typeface="+mn-lt"/>
+              <a:ea typeface="+mn-ea"/>
+              <a:cs typeface="+mn-cs"/>
+            </a:defRPr>
+          </a:pPr>
+          <a:endParaRPr lang="en-US"/>
+        </a:p>
+      </c:txPr>
+    </c:legend>
     <c:plotVisOnly val="1"/>
     <c:dispBlanksAs val="gap"/>
     <c:extLst>
@@ -6048,7 +6145,7 @@
           <a:p>
             <a:fld id="{9980855B-25B9-4C17-834F-C0A5D3A0F41E}" type="datetimeFigureOut">
               <a:rPr lang="en-GB" smtClean="0"/>
-              <a:t>29/04/2021</a:t>
+              <a:t>30/04/2021</a:t>
             </a:fld>
             <a:endParaRPr lang="en-GB"/>
           </a:p>
@@ -6248,7 +6345,7 @@
           <a:p>
             <a:fld id="{9980855B-25B9-4C17-834F-C0A5D3A0F41E}" type="datetimeFigureOut">
               <a:rPr lang="en-GB" smtClean="0"/>
-              <a:t>29/04/2021</a:t>
+              <a:t>30/04/2021</a:t>
             </a:fld>
             <a:endParaRPr lang="en-GB"/>
           </a:p>
@@ -6458,7 +6555,7 @@
           <a:p>
             <a:fld id="{9980855B-25B9-4C17-834F-C0A5D3A0F41E}" type="datetimeFigureOut">
               <a:rPr lang="en-GB" smtClean="0"/>
-              <a:t>29/04/2021</a:t>
+              <a:t>30/04/2021</a:t>
             </a:fld>
             <a:endParaRPr lang="en-GB"/>
           </a:p>
@@ -6658,7 +6755,7 @@
           <a:p>
             <a:fld id="{9980855B-25B9-4C17-834F-C0A5D3A0F41E}" type="datetimeFigureOut">
               <a:rPr lang="en-GB" smtClean="0"/>
-              <a:t>29/04/2021</a:t>
+              <a:t>30/04/2021</a:t>
             </a:fld>
             <a:endParaRPr lang="en-GB"/>
           </a:p>
@@ -6934,7 +7031,7 @@
           <a:p>
             <a:fld id="{9980855B-25B9-4C17-834F-C0A5D3A0F41E}" type="datetimeFigureOut">
               <a:rPr lang="en-GB" smtClean="0"/>
-              <a:t>29/04/2021</a:t>
+              <a:t>30/04/2021</a:t>
             </a:fld>
             <a:endParaRPr lang="en-GB"/>
           </a:p>
@@ -7202,7 +7299,7 @@
           <a:p>
             <a:fld id="{9980855B-25B9-4C17-834F-C0A5D3A0F41E}" type="datetimeFigureOut">
               <a:rPr lang="en-GB" smtClean="0"/>
-              <a:t>29/04/2021</a:t>
+              <a:t>30/04/2021</a:t>
             </a:fld>
             <a:endParaRPr lang="en-GB"/>
           </a:p>
@@ -7617,7 +7714,7 @@
           <a:p>
             <a:fld id="{9980855B-25B9-4C17-834F-C0A5D3A0F41E}" type="datetimeFigureOut">
               <a:rPr lang="en-GB" smtClean="0"/>
-              <a:t>29/04/2021</a:t>
+              <a:t>30/04/2021</a:t>
             </a:fld>
             <a:endParaRPr lang="en-GB"/>
           </a:p>
@@ -7759,7 +7856,7 @@
           <a:p>
             <a:fld id="{9980855B-25B9-4C17-834F-C0A5D3A0F41E}" type="datetimeFigureOut">
               <a:rPr lang="en-GB" smtClean="0"/>
-              <a:t>29/04/2021</a:t>
+              <a:t>30/04/2021</a:t>
             </a:fld>
             <a:endParaRPr lang="en-GB"/>
           </a:p>
@@ -7872,7 +7969,7 @@
           <a:p>
             <a:fld id="{9980855B-25B9-4C17-834F-C0A5D3A0F41E}" type="datetimeFigureOut">
               <a:rPr lang="en-GB" smtClean="0"/>
-              <a:t>29/04/2021</a:t>
+              <a:t>30/04/2021</a:t>
             </a:fld>
             <a:endParaRPr lang="en-GB"/>
           </a:p>
@@ -8185,7 +8282,7 @@
           <a:p>
             <a:fld id="{9980855B-25B9-4C17-834F-C0A5D3A0F41E}" type="datetimeFigureOut">
               <a:rPr lang="en-GB" smtClean="0"/>
-              <a:t>29/04/2021</a:t>
+              <a:t>30/04/2021</a:t>
             </a:fld>
             <a:endParaRPr lang="en-GB"/>
           </a:p>
@@ -8474,7 +8571,7 @@
           <a:p>
             <a:fld id="{9980855B-25B9-4C17-834F-C0A5D3A0F41E}" type="datetimeFigureOut">
               <a:rPr lang="en-GB" smtClean="0"/>
-              <a:t>29/04/2021</a:t>
+              <a:t>30/04/2021</a:t>
             </a:fld>
             <a:endParaRPr lang="en-GB"/>
           </a:p>
@@ -8717,7 +8814,7 @@
           <a:p>
             <a:fld id="{9980855B-25B9-4C17-834F-C0A5D3A0F41E}" type="datetimeFigureOut">
               <a:rPr lang="en-GB" smtClean="0"/>
-              <a:t>29/04/2021</a:t>
+              <a:t>30/04/2021</a:t>
             </a:fld>
             <a:endParaRPr lang="en-GB"/>
           </a:p>
@@ -11219,7 +11316,7 @@
             </a:pPr>
             <a:r>
               <a:rPr lang="en-GB" dirty="0"/>
-              <a:t>Our Game of Life benchmark yields our hypothesised result, probably due to its branches jumping forwards often, being mostly unconditional branches, and being variable whether they are taken or not.</a:t>
+              <a:t>Our Game of Life benchmark is the only one to yield our hypothesised result, probably due to using mostly conditional branches, and being very variable whether they are taken or not each time they are encountered, making it better suited to Dynamic Branch Prediction.</a:t>
             </a:r>
           </a:p>
           <a:p>
@@ -11228,7 +11325,7 @@
             </a:pPr>
             <a:r>
               <a:rPr lang="en-GB" dirty="0"/>
-              <a:t>Whilst the Quick Sort results may seem odd at first, it is the only script to use the JMP command, which takes a register value as the jump address. Furthermore, this jump is always a forward jump in this particular benchmark. Seeing as the Static predictor always predicts False for forward jumping branches, this explains the huge increase in the number of flushes required. The other branch predictor variants are very similar, such as the rest of the scripts.</a:t>
+              <a:t>Whilst the Quick Sort static result may seem odd at first, the assembly code includes many conditional forward jumping branches that are often taken inside the loop logic. As our static branch predictor predicts NOT taken for all forward jumping conditional branches, we can justify this huge increase in flushes. A re-ordering of the assembly code could be done in order to reduce the number of flushes needed when using the static branch predictor.</a:t>
             </a:r>
           </a:p>
         </p:txBody>
@@ -11248,7 +11345,7 @@
           <p:nvPr>
             <p:extLst>
               <p:ext uri="{D42A27DB-BD31-4B8C-83A1-F6EECF244321}">
-                <p14:modId xmlns:p14="http://schemas.microsoft.com/office/powerpoint/2010/main" val="1531628046"/>
+                <p14:modId xmlns:p14="http://schemas.microsoft.com/office/powerpoint/2010/main" val="2650773073"/>
               </p:ext>
             </p:extLst>
           </p:nvPr>
